--- a/images/jam2in-job-posting-images.pptx
+++ b/images/jam2in-job-posting-images.pptx
@@ -244,7 +244,7 @@
           <a:p>
             <a:fld id="{65A0F5E7-3DC3-4D9B-9751-1720D23AB909}" type="datetimeFigureOut">
               <a:rPr lang="ko-KR" altLang="en-US" smtClean="0"/>
-              <a:t>2018-05-08</a:t>
+              <a:t>2018-05-09</a:t>
             </a:fld>
             <a:endParaRPr lang="ko-KR" altLang="en-US"/>
           </a:p>
@@ -414,7 +414,7 @@
           <a:p>
             <a:fld id="{65A0F5E7-3DC3-4D9B-9751-1720D23AB909}" type="datetimeFigureOut">
               <a:rPr lang="ko-KR" altLang="en-US" smtClean="0"/>
-              <a:t>2018-05-08</a:t>
+              <a:t>2018-05-09</a:t>
             </a:fld>
             <a:endParaRPr lang="ko-KR" altLang="en-US"/>
           </a:p>
@@ -594,7 +594,7 @@
           <a:p>
             <a:fld id="{65A0F5E7-3DC3-4D9B-9751-1720D23AB909}" type="datetimeFigureOut">
               <a:rPr lang="ko-KR" altLang="en-US" smtClean="0"/>
-              <a:t>2018-05-08</a:t>
+              <a:t>2018-05-09</a:t>
             </a:fld>
             <a:endParaRPr lang="ko-KR" altLang="en-US"/>
           </a:p>
@@ -764,7 +764,7 @@
           <a:p>
             <a:fld id="{65A0F5E7-3DC3-4D9B-9751-1720D23AB909}" type="datetimeFigureOut">
               <a:rPr lang="ko-KR" altLang="en-US" smtClean="0"/>
-              <a:t>2018-05-08</a:t>
+              <a:t>2018-05-09</a:t>
             </a:fld>
             <a:endParaRPr lang="ko-KR" altLang="en-US"/>
           </a:p>
@@ -1010,7 +1010,7 @@
           <a:p>
             <a:fld id="{65A0F5E7-3DC3-4D9B-9751-1720D23AB909}" type="datetimeFigureOut">
               <a:rPr lang="ko-KR" altLang="en-US" smtClean="0"/>
-              <a:t>2018-05-08</a:t>
+              <a:t>2018-05-09</a:t>
             </a:fld>
             <a:endParaRPr lang="ko-KR" altLang="en-US"/>
           </a:p>
@@ -1242,7 +1242,7 @@
           <a:p>
             <a:fld id="{65A0F5E7-3DC3-4D9B-9751-1720D23AB909}" type="datetimeFigureOut">
               <a:rPr lang="ko-KR" altLang="en-US" smtClean="0"/>
-              <a:t>2018-05-08</a:t>
+              <a:t>2018-05-09</a:t>
             </a:fld>
             <a:endParaRPr lang="ko-KR" altLang="en-US"/>
           </a:p>
@@ -1609,7 +1609,7 @@
           <a:p>
             <a:fld id="{65A0F5E7-3DC3-4D9B-9751-1720D23AB909}" type="datetimeFigureOut">
               <a:rPr lang="ko-KR" altLang="en-US" smtClean="0"/>
-              <a:t>2018-05-08</a:t>
+              <a:t>2018-05-09</a:t>
             </a:fld>
             <a:endParaRPr lang="ko-KR" altLang="en-US"/>
           </a:p>
@@ -1727,7 +1727,7 @@
           <a:p>
             <a:fld id="{65A0F5E7-3DC3-4D9B-9751-1720D23AB909}" type="datetimeFigureOut">
               <a:rPr lang="ko-KR" altLang="en-US" smtClean="0"/>
-              <a:t>2018-05-08</a:t>
+              <a:t>2018-05-09</a:t>
             </a:fld>
             <a:endParaRPr lang="ko-KR" altLang="en-US"/>
           </a:p>
@@ -1822,7 +1822,7 @@
           <a:p>
             <a:fld id="{65A0F5E7-3DC3-4D9B-9751-1720D23AB909}" type="datetimeFigureOut">
               <a:rPr lang="ko-KR" altLang="en-US" smtClean="0"/>
-              <a:t>2018-05-08</a:t>
+              <a:t>2018-05-09</a:t>
             </a:fld>
             <a:endParaRPr lang="ko-KR" altLang="en-US"/>
           </a:p>
@@ -2099,7 +2099,7 @@
           <a:p>
             <a:fld id="{65A0F5E7-3DC3-4D9B-9751-1720D23AB909}" type="datetimeFigureOut">
               <a:rPr lang="ko-KR" altLang="en-US" smtClean="0"/>
-              <a:t>2018-05-08</a:t>
+              <a:t>2018-05-09</a:t>
             </a:fld>
             <a:endParaRPr lang="ko-KR" altLang="en-US"/>
           </a:p>
@@ -2352,7 +2352,7 @@
           <a:p>
             <a:fld id="{65A0F5E7-3DC3-4D9B-9751-1720D23AB909}" type="datetimeFigureOut">
               <a:rPr lang="ko-KR" altLang="en-US" smtClean="0"/>
-              <a:t>2018-05-08</a:t>
+              <a:t>2018-05-09</a:t>
             </a:fld>
             <a:endParaRPr lang="ko-KR" altLang="en-US"/>
           </a:p>
@@ -2565,7 +2565,7 @@
           <a:p>
             <a:fld id="{65A0F5E7-3DC3-4D9B-9751-1720D23AB909}" type="datetimeFigureOut">
               <a:rPr lang="ko-KR" altLang="en-US" smtClean="0"/>
-              <a:t>2018-05-08</a:t>
+              <a:t>2018-05-09</a:t>
             </a:fld>
             <a:endParaRPr lang="ko-KR" altLang="en-US"/>
           </a:p>
@@ -3118,14 +3118,7 @@
                       <a:latin typeface="나눔바른고딕OTF" panose="02020603020101020101" pitchFamily="18" charset="-127"/>
                       <a:ea typeface="나눔바른고딕OTF" panose="02020603020101020101" pitchFamily="18" charset="-127"/>
                     </a:rPr>
-                    <a:t>NoSQL System </a:t>
-                  </a:r>
-                  <a:r>
-                    <a:rPr lang="en-US" altLang="ko-KR" sz="2800" spc="-150" dirty="0" smtClean="0">
-                      <a:latin typeface="나눔바른고딕OTF" panose="02020603020101020101" pitchFamily="18" charset="-127"/>
-                      <a:ea typeface="나눔바른고딕OTF" panose="02020603020101020101" pitchFamily="18" charset="-127"/>
-                    </a:rPr>
-                    <a:t>SW </a:t>
+                    <a:t>NoSQL System SW </a:t>
                   </a:r>
                   <a:r>
                     <a:rPr lang="ko-KR" altLang="en-US" sz="2800" spc="-150" dirty="0" smtClean="0">
@@ -3288,7 +3281,21 @@
                   <a:latin typeface="나눔바른고딕OTF" panose="02020603020101020101" pitchFamily="18" charset="-127"/>
                   <a:ea typeface="나눔바른고딕OTF" panose="02020603020101020101" pitchFamily="18" charset="-127"/>
                 </a:rPr>
-                <a:t>실제 개발과 테스트를 통해 직접 만들어 갈 분을 기다립니다</a:t>
+                <a:t>실제 개발과 테스트를 통해 직접 만들어 갈 </a:t>
+              </a:r>
+              <a:r>
+                <a:rPr lang="ko-KR" altLang="en-US" sz="2000" dirty="0" smtClean="0">
+                  <a:latin typeface="나눔바른고딕OTF" panose="02020603020101020101" pitchFamily="18" charset="-127"/>
+                  <a:ea typeface="나눔바른고딕OTF" panose="02020603020101020101" pitchFamily="18" charset="-127"/>
+                </a:rPr>
+                <a:t>개발자를 </a:t>
+              </a:r>
+              <a:r>
+                <a:rPr lang="ko-KR" altLang="en-US" sz="2000" dirty="0" smtClean="0">
+                  <a:latin typeface="나눔바른고딕OTF" panose="02020603020101020101" pitchFamily="18" charset="-127"/>
+                  <a:ea typeface="나눔바른고딕OTF" panose="02020603020101020101" pitchFamily="18" charset="-127"/>
+                </a:rPr>
+                <a:t>기다립니다</a:t>
               </a:r>
               <a:r>
                 <a:rPr lang="en-US" altLang="ko-KR" sz="2000" dirty="0" smtClean="0">
@@ -3517,14 +3524,7 @@
                   <a:latin typeface="나눔바른고딕OTF" panose="02020603020101020101" pitchFamily="18" charset="-127"/>
                   <a:ea typeface="나눔바른고딕OTF" panose="02020603020101020101" pitchFamily="18" charset="-127"/>
                 </a:rPr>
-                <a:t>기술영업 전문가 </a:t>
-              </a:r>
-              <a:r>
-                <a:rPr lang="ko-KR" altLang="en-US" sz="2800" spc="-150" dirty="0" smtClean="0">
-                  <a:latin typeface="나눔바른고딕OTF" panose="02020603020101020101" pitchFamily="18" charset="-127"/>
-                  <a:ea typeface="나눔바른고딕OTF" panose="02020603020101020101" pitchFamily="18" charset="-127"/>
-                </a:rPr>
-                <a:t>채용</a:t>
+                <a:t>기술영업 전문가 채용</a:t>
               </a:r>
               <a:r>
                 <a:rPr lang="ko-KR" altLang="en-US" sz="2800" dirty="0" smtClean="0">

--- a/images/jam2in-job-posting-images.pptx
+++ b/images/jam2in-job-posting-images.pptx
@@ -3288,14 +3288,7 @@
                   <a:latin typeface="나눔바른고딕OTF" panose="02020603020101020101" pitchFamily="18" charset="-127"/>
                   <a:ea typeface="나눔바른고딕OTF" panose="02020603020101020101" pitchFamily="18" charset="-127"/>
                 </a:rPr>
-                <a:t>개발자를 </a:t>
-              </a:r>
-              <a:r>
-                <a:rPr lang="ko-KR" altLang="en-US" sz="2000" dirty="0" smtClean="0">
-                  <a:latin typeface="나눔바른고딕OTF" panose="02020603020101020101" pitchFamily="18" charset="-127"/>
-                  <a:ea typeface="나눔바른고딕OTF" panose="02020603020101020101" pitchFamily="18" charset="-127"/>
-                </a:rPr>
-                <a:t>기다립니다</a:t>
+                <a:t>개발자를 모집합니다</a:t>
               </a:r>
               <a:r>
                 <a:rPr lang="en-US" altLang="ko-KR" sz="2000" dirty="0" smtClean="0">
@@ -3304,6 +3297,10 @@
                 </a:rPr>
                 <a:t>.</a:t>
               </a:r>
+              <a:endParaRPr lang="en-US" altLang="ko-KR" sz="2000" dirty="0" smtClean="0">
+                <a:latin typeface="나눔바른고딕OTF" panose="02020603020101020101" pitchFamily="18" charset="-127"/>
+                <a:ea typeface="나눔바른고딕OTF" panose="02020603020101020101" pitchFamily="18" charset="-127"/>
+              </a:endParaRPr>
             </a:p>
           </p:txBody>
         </p:sp>

--- a/images/jam2in-job-posting-images.pptx
+++ b/images/jam2in-job-posting-images.pptx
@@ -7,6 +7,8 @@
   <p:sldIdLst>
     <p:sldId id="272" r:id="rId2"/>
     <p:sldId id="273" r:id="rId3"/>
+    <p:sldId id="274" r:id="rId4"/>
+    <p:sldId id="275" r:id="rId5"/>
   </p:sldIdLst>
   <p:sldSz cx="12192000" cy="6858000"/>
   <p:notesSz cx="6858000" cy="9144000"/>
@@ -244,7 +246,7 @@
           <a:p>
             <a:fld id="{65A0F5E7-3DC3-4D9B-9751-1720D23AB909}" type="datetimeFigureOut">
               <a:rPr lang="ko-KR" altLang="en-US" smtClean="0"/>
-              <a:t>2018-05-09</a:t>
+              <a:t>2018-05-28</a:t>
             </a:fld>
             <a:endParaRPr lang="ko-KR" altLang="en-US"/>
           </a:p>
@@ -414,7 +416,7 @@
           <a:p>
             <a:fld id="{65A0F5E7-3DC3-4D9B-9751-1720D23AB909}" type="datetimeFigureOut">
               <a:rPr lang="ko-KR" altLang="en-US" smtClean="0"/>
-              <a:t>2018-05-09</a:t>
+              <a:t>2018-05-28</a:t>
             </a:fld>
             <a:endParaRPr lang="ko-KR" altLang="en-US"/>
           </a:p>
@@ -594,7 +596,7 @@
           <a:p>
             <a:fld id="{65A0F5E7-3DC3-4D9B-9751-1720D23AB909}" type="datetimeFigureOut">
               <a:rPr lang="ko-KR" altLang="en-US" smtClean="0"/>
-              <a:t>2018-05-09</a:t>
+              <a:t>2018-05-28</a:t>
             </a:fld>
             <a:endParaRPr lang="ko-KR" altLang="en-US"/>
           </a:p>
@@ -764,7 +766,7 @@
           <a:p>
             <a:fld id="{65A0F5E7-3DC3-4D9B-9751-1720D23AB909}" type="datetimeFigureOut">
               <a:rPr lang="ko-KR" altLang="en-US" smtClean="0"/>
-              <a:t>2018-05-09</a:t>
+              <a:t>2018-05-28</a:t>
             </a:fld>
             <a:endParaRPr lang="ko-KR" altLang="en-US"/>
           </a:p>
@@ -1010,7 +1012,7 @@
           <a:p>
             <a:fld id="{65A0F5E7-3DC3-4D9B-9751-1720D23AB909}" type="datetimeFigureOut">
               <a:rPr lang="ko-KR" altLang="en-US" smtClean="0"/>
-              <a:t>2018-05-09</a:t>
+              <a:t>2018-05-28</a:t>
             </a:fld>
             <a:endParaRPr lang="ko-KR" altLang="en-US"/>
           </a:p>
@@ -1242,7 +1244,7 @@
           <a:p>
             <a:fld id="{65A0F5E7-3DC3-4D9B-9751-1720D23AB909}" type="datetimeFigureOut">
               <a:rPr lang="ko-KR" altLang="en-US" smtClean="0"/>
-              <a:t>2018-05-09</a:t>
+              <a:t>2018-05-28</a:t>
             </a:fld>
             <a:endParaRPr lang="ko-KR" altLang="en-US"/>
           </a:p>
@@ -1609,7 +1611,7 @@
           <a:p>
             <a:fld id="{65A0F5E7-3DC3-4D9B-9751-1720D23AB909}" type="datetimeFigureOut">
               <a:rPr lang="ko-KR" altLang="en-US" smtClean="0"/>
-              <a:t>2018-05-09</a:t>
+              <a:t>2018-05-28</a:t>
             </a:fld>
             <a:endParaRPr lang="ko-KR" altLang="en-US"/>
           </a:p>
@@ -1727,7 +1729,7 @@
           <a:p>
             <a:fld id="{65A0F5E7-3DC3-4D9B-9751-1720D23AB909}" type="datetimeFigureOut">
               <a:rPr lang="ko-KR" altLang="en-US" smtClean="0"/>
-              <a:t>2018-05-09</a:t>
+              <a:t>2018-05-28</a:t>
             </a:fld>
             <a:endParaRPr lang="ko-KR" altLang="en-US"/>
           </a:p>
@@ -1822,7 +1824,7 @@
           <a:p>
             <a:fld id="{65A0F5E7-3DC3-4D9B-9751-1720D23AB909}" type="datetimeFigureOut">
               <a:rPr lang="ko-KR" altLang="en-US" smtClean="0"/>
-              <a:t>2018-05-09</a:t>
+              <a:t>2018-05-28</a:t>
             </a:fld>
             <a:endParaRPr lang="ko-KR" altLang="en-US"/>
           </a:p>
@@ -2099,7 +2101,7 @@
           <a:p>
             <a:fld id="{65A0F5E7-3DC3-4D9B-9751-1720D23AB909}" type="datetimeFigureOut">
               <a:rPr lang="ko-KR" altLang="en-US" smtClean="0"/>
-              <a:t>2018-05-09</a:t>
+              <a:t>2018-05-28</a:t>
             </a:fld>
             <a:endParaRPr lang="ko-KR" altLang="en-US"/>
           </a:p>
@@ -2352,7 +2354,7 @@
           <a:p>
             <a:fld id="{65A0F5E7-3DC3-4D9B-9751-1720D23AB909}" type="datetimeFigureOut">
               <a:rPr lang="ko-KR" altLang="en-US" smtClean="0"/>
-              <a:t>2018-05-09</a:t>
+              <a:t>2018-05-28</a:t>
             </a:fld>
             <a:endParaRPr lang="ko-KR" altLang="en-US"/>
           </a:p>
@@ -2565,7 +2567,7 @@
           <a:p>
             <a:fld id="{65A0F5E7-3DC3-4D9B-9751-1720D23AB909}" type="datetimeFigureOut">
               <a:rPr lang="ko-KR" altLang="en-US" smtClean="0"/>
-              <a:t>2018-05-09</a:t>
+              <a:t>2018-05-28</a:t>
             </a:fld>
             <a:endParaRPr lang="ko-KR" altLang="en-US"/>
           </a:p>
@@ -3188,7 +3190,7 @@
           </p:nvSpPr>
           <p:spPr>
             <a:xfrm>
-              <a:off x="1930400" y="3820361"/>
+              <a:off x="1930400" y="3554889"/>
               <a:ext cx="7281333" cy="1015663"/>
             </a:xfrm>
             <a:prstGeom prst="rect">
@@ -3281,14 +3283,7 @@
                   <a:latin typeface="나눔바른고딕OTF" panose="02020603020101020101" pitchFamily="18" charset="-127"/>
                   <a:ea typeface="나눔바른고딕OTF" panose="02020603020101020101" pitchFamily="18" charset="-127"/>
                 </a:rPr>
-                <a:t>실제 개발과 테스트를 통해 직접 만들어 갈 </a:t>
-              </a:r>
-              <a:r>
-                <a:rPr lang="ko-KR" altLang="en-US" sz="2000" dirty="0" smtClean="0">
-                  <a:latin typeface="나눔바른고딕OTF" panose="02020603020101020101" pitchFamily="18" charset="-127"/>
-                  <a:ea typeface="나눔바른고딕OTF" panose="02020603020101020101" pitchFamily="18" charset="-127"/>
-                </a:rPr>
-                <a:t>개발자를 모집합니다</a:t>
+                <a:t>실제 개발과 테스트를 통해 직접 만들어 갈 개발자를 모집합니다</a:t>
               </a:r>
               <a:r>
                 <a:rPr lang="en-US" altLang="ko-KR" sz="2000" dirty="0" smtClean="0">
@@ -3297,10 +3292,6 @@
                 </a:rPr>
                 <a:t>.</a:t>
               </a:r>
-              <a:endParaRPr lang="en-US" altLang="ko-KR" sz="2000" dirty="0" smtClean="0">
-                <a:latin typeface="나눔바른고딕OTF" panose="02020603020101020101" pitchFamily="18" charset="-127"/>
-                <a:ea typeface="나눔바른고딕OTF" panose="02020603020101020101" pitchFamily="18" charset="-127"/>
-              </a:endParaRPr>
             </a:p>
           </p:txBody>
         </p:sp>
@@ -3327,13 +3318,10 @@
             <a:lstStyle/>
             <a:p>
               <a:pPr algn="ctr"/>
-              <a:r>
-                <a:rPr lang="en-US" altLang="ko-KR" sz="2400" spc="-150" dirty="0" smtClean="0">
-                  <a:latin typeface="나눔바른고딕OTF" panose="02020603020101020101" pitchFamily="18" charset="-127"/>
-                  <a:ea typeface="나눔바른고딕OTF" panose="02020603020101020101" pitchFamily="18" charset="-127"/>
-                </a:rPr>
-                <a:t>(2018  5/9 ~ 5/25)</a:t>
-              </a:r>
+              <a:endParaRPr lang="en-US" altLang="ko-KR" sz="2400" spc="-150" dirty="0" smtClean="0">
+                <a:latin typeface="나눔바른고딕OTF" panose="02020603020101020101" pitchFamily="18" charset="-127"/>
+                <a:ea typeface="나눔바른고딕OTF" panose="02020603020101020101" pitchFamily="18" charset="-127"/>
+              </a:endParaRPr>
             </a:p>
           </p:txBody>
         </p:sp>
@@ -3582,7 +3570,7 @@
           </p:nvSpPr>
           <p:spPr>
             <a:xfrm>
-              <a:off x="1930400" y="3906514"/>
+              <a:off x="1930400" y="3768861"/>
               <a:ext cx="7281333" cy="707886"/>
             </a:xfrm>
             <a:prstGeom prst="rect">
@@ -3658,6 +3646,367 @@
                   <a:ea typeface="나눔바른고딕OTF" panose="02020603020101020101" pitchFamily="18" charset="-127"/>
                 </a:rPr>
                 <a:t>개척할 분을 기다립니다</a:t>
+              </a:r>
+              <a:r>
+                <a:rPr lang="en-US" altLang="ko-KR" sz="2000" dirty="0" smtClean="0">
+                  <a:latin typeface="나눔바른고딕OTF" panose="02020603020101020101" pitchFamily="18" charset="-127"/>
+                  <a:ea typeface="나눔바른고딕OTF" panose="02020603020101020101" pitchFamily="18" charset="-127"/>
+                </a:rPr>
+                <a:t>.</a:t>
+              </a:r>
+            </a:p>
+          </p:txBody>
+        </p:sp>
+      </p:grpSp>
+    </p:spTree>
+    <p:extLst>
+      <p:ext uri="{BB962C8B-B14F-4D97-AF65-F5344CB8AC3E}">
+        <p14:creationId xmlns:p14="http://schemas.microsoft.com/office/powerpoint/2010/main" val="1747125494"/>
+      </p:ext>
+    </p:extLst>
+  </p:cSld>
+  <p:clrMapOvr>
+    <a:masterClrMapping/>
+  </p:clrMapOvr>
+  <p:timing>
+    <p:tnLst>
+      <p:par>
+        <p:cTn id="1" dur="indefinite" restart="never" nodeType="tmRoot"/>
+      </p:par>
+    </p:tnLst>
+  </p:timing>
+</p:sld>
+</file>
+
+<file path=ppt/slides/slide3.xml><?xml version="1.0" encoding="utf-8"?>
+<p:sld xmlns:a="http://schemas.openxmlformats.org/drawingml/2006/main" xmlns:r="http://schemas.openxmlformats.org/officeDocument/2006/relationships" xmlns:p="http://schemas.openxmlformats.org/presentationml/2006/main">
+  <p:cSld>
+    <p:spTree>
+      <p:nvGrpSpPr>
+        <p:cNvPr id="1" name=""/>
+        <p:cNvGrpSpPr/>
+        <p:nvPr/>
+      </p:nvGrpSpPr>
+      <p:grpSpPr>
+        <a:xfrm>
+          <a:off x="0" y="0"/>
+          <a:ext cx="0" cy="0"/>
+          <a:chOff x="0" y="0"/>
+          <a:chExt cx="0" cy="0"/>
+        </a:xfrm>
+      </p:grpSpPr>
+      <p:grpSp>
+        <p:nvGrpSpPr>
+          <p:cNvPr id="14" name="그룹 13"/>
+          <p:cNvGrpSpPr/>
+          <p:nvPr/>
+        </p:nvGrpSpPr>
+        <p:grpSpPr>
+          <a:xfrm>
+            <a:off x="1567543" y="1091682"/>
+            <a:ext cx="7948990" cy="4101208"/>
+            <a:chOff x="1567543" y="1091682"/>
+            <a:chExt cx="7948990" cy="4101208"/>
+          </a:xfrm>
+        </p:grpSpPr>
+        <p:sp>
+          <p:nvSpPr>
+            <p:cNvPr id="2" name="직사각형 1"/>
+            <p:cNvSpPr/>
+            <p:nvPr/>
+          </p:nvSpPr>
+          <p:spPr>
+            <a:xfrm>
+              <a:off x="1567543" y="1091682"/>
+              <a:ext cx="7948990" cy="4101208"/>
+            </a:xfrm>
+            <a:prstGeom prst="rect">
+              <a:avLst/>
+            </a:prstGeom>
+            <a:solidFill>
+              <a:schemeClr val="accent3">
+                <a:lumMod val="20000"/>
+                <a:lumOff val="80000"/>
+              </a:schemeClr>
+            </a:solidFill>
+            <a:ln>
+              <a:noFill/>
+            </a:ln>
+          </p:spPr>
+          <p:style>
+            <a:lnRef idx="2">
+              <a:schemeClr val="accent1">
+                <a:shade val="50000"/>
+              </a:schemeClr>
+            </a:lnRef>
+            <a:fillRef idx="1">
+              <a:schemeClr val="accent1"/>
+            </a:fillRef>
+            <a:effectRef idx="0">
+              <a:schemeClr val="accent1"/>
+            </a:effectRef>
+            <a:fontRef idx="minor">
+              <a:schemeClr val="lt1"/>
+            </a:fontRef>
+          </p:style>
+          <p:txBody>
+            <a:bodyPr rtlCol="0" anchor="ctr"/>
+            <a:lstStyle/>
+            <a:p>
+              <a:pPr algn="ctr"/>
+              <a:endParaRPr lang="ko-KR" altLang="en-US"/>
+            </a:p>
+          </p:txBody>
+        </p:sp>
+        <p:grpSp>
+          <p:nvGrpSpPr>
+            <p:cNvPr id="12" name="그룹 11"/>
+            <p:cNvGrpSpPr/>
+            <p:nvPr/>
+          </p:nvGrpSpPr>
+          <p:grpSpPr>
+            <a:xfrm>
+              <a:off x="2202941" y="1673394"/>
+              <a:ext cx="6499039" cy="1193655"/>
+              <a:chOff x="2202941" y="1673394"/>
+              <a:chExt cx="6499039" cy="1193655"/>
+            </a:xfrm>
+          </p:grpSpPr>
+          <p:pic>
+            <p:nvPicPr>
+              <p:cNvPr id="3" name="그림 2"/>
+              <p:cNvPicPr>
+                <a:picLocks noChangeAspect="1"/>
+              </p:cNvPicPr>
+              <p:nvPr/>
+            </p:nvPicPr>
+            <p:blipFill>
+              <a:blip r:embed="rId2" cstate="print">
+                <a:extLst>
+                  <a:ext uri="{28A0092B-C50C-407E-A947-70E740481C1C}">
+                    <a14:useLocalDpi xmlns:a14="http://schemas.microsoft.com/office/drawing/2010/main" val="0"/>
+                  </a:ext>
+                </a:extLst>
+              </a:blip>
+              <a:stretch>
+                <a:fillRect/>
+              </a:stretch>
+            </p:blipFill>
+            <p:spPr>
+              <a:xfrm>
+                <a:off x="2765508" y="1673394"/>
+                <a:ext cx="4954624" cy="548666"/>
+              </a:xfrm>
+              <a:prstGeom prst="rect">
+                <a:avLst/>
+              </a:prstGeom>
+            </p:spPr>
+          </p:pic>
+          <p:grpSp>
+            <p:nvGrpSpPr>
+              <p:cNvPr id="4" name="그룹 3"/>
+              <p:cNvGrpSpPr/>
+              <p:nvPr/>
+            </p:nvGrpSpPr>
+            <p:grpSpPr>
+              <a:xfrm>
+                <a:off x="2202941" y="2343829"/>
+                <a:ext cx="6499039" cy="523220"/>
+                <a:chOff x="2202941" y="2343829"/>
+                <a:chExt cx="6499039" cy="523220"/>
+              </a:xfrm>
+            </p:grpSpPr>
+            <p:sp>
+              <p:nvSpPr>
+                <p:cNvPr id="5" name="TextBox 4"/>
+                <p:cNvSpPr txBox="1"/>
+                <p:nvPr/>
+              </p:nvSpPr>
+              <p:spPr>
+                <a:xfrm>
+                  <a:off x="2202941" y="2343829"/>
+                  <a:ext cx="5517191" cy="523220"/>
+                </a:xfrm>
+                <a:prstGeom prst="rect">
+                  <a:avLst/>
+                </a:prstGeom>
+                <a:noFill/>
+              </p:spPr>
+              <p:txBody>
+                <a:bodyPr wrap="square" rtlCol="0" anchor="ctr">
+                  <a:spAutoFit/>
+                </a:bodyPr>
+                <a:lstStyle/>
+                <a:p>
+                  <a:r>
+                    <a:rPr lang="en-US" altLang="ko-KR" sz="2800" spc="-150" dirty="0" smtClean="0">
+                      <a:latin typeface="나눔바른고딕OTF" panose="02020603020101020101" pitchFamily="18" charset="-127"/>
+                      <a:ea typeface="나눔바른고딕OTF" panose="02020603020101020101" pitchFamily="18" charset="-127"/>
+                    </a:rPr>
+                    <a:t>NoSQL System SW </a:t>
+                  </a:r>
+                  <a:r>
+                    <a:rPr lang="ko-KR" altLang="en-US" sz="2800" spc="-150" dirty="0" smtClean="0">
+                      <a:latin typeface="나눔바른고딕OTF" panose="02020603020101020101" pitchFamily="18" charset="-127"/>
+                      <a:ea typeface="나눔바른고딕OTF" panose="02020603020101020101" pitchFamily="18" charset="-127"/>
+                    </a:rPr>
+                    <a:t>개발자 채용</a:t>
+                  </a:r>
+                  <a:r>
+                    <a:rPr lang="ko-KR" altLang="en-US" sz="2800" dirty="0" smtClean="0">
+                      <a:latin typeface="나눔바른고딕OTF" panose="02020603020101020101" pitchFamily="18" charset="-127"/>
+                      <a:ea typeface="나눔바른고딕OTF" panose="02020603020101020101" pitchFamily="18" charset="-127"/>
+                    </a:rPr>
+                    <a:t> </a:t>
+                  </a:r>
+                  <a:r>
+                    <a:rPr lang="en-US" altLang="ko-KR" sz="2800" dirty="0" smtClean="0">
+                      <a:latin typeface="나눔바른고딕OTF" panose="02020603020101020101" pitchFamily="18" charset="-127"/>
+                      <a:ea typeface="나눔바른고딕OTF" panose="02020603020101020101" pitchFamily="18" charset="-127"/>
+                    </a:rPr>
+                    <a:t>@ </a:t>
+                  </a:r>
+                  <a:endParaRPr lang="ko-KR" altLang="en-US" sz="2800" dirty="0">
+                    <a:latin typeface="나눔바른고딕OTF" panose="02020603020101020101" pitchFamily="18" charset="-127"/>
+                    <a:ea typeface="나눔바른고딕OTF" panose="02020603020101020101" pitchFamily="18" charset="-127"/>
+                  </a:endParaRPr>
+                </a:p>
+              </p:txBody>
+            </p:sp>
+            <p:pic>
+              <p:nvPicPr>
+                <p:cNvPr id="6" name="그림 5"/>
+                <p:cNvPicPr>
+                  <a:picLocks noChangeAspect="1"/>
+                </p:cNvPicPr>
+                <p:nvPr/>
+              </p:nvPicPr>
+              <p:blipFill>
+                <a:blip r:embed="rId3" cstate="print">
+                  <a:extLst>
+                    <a:ext uri="{28A0092B-C50C-407E-A947-70E740481C1C}">
+                      <a14:useLocalDpi xmlns:a14="http://schemas.microsoft.com/office/drawing/2010/main" val="0"/>
+                    </a:ext>
+                  </a:extLst>
+                </a:blip>
+                <a:stretch>
+                  <a:fillRect/>
+                </a:stretch>
+              </p:blipFill>
+              <p:spPr>
+                <a:xfrm>
+                  <a:off x="7105859" y="2417603"/>
+                  <a:ext cx="1596121" cy="385729"/>
+                </a:xfrm>
+                <a:prstGeom prst="rect">
+                  <a:avLst/>
+                </a:prstGeom>
+              </p:spPr>
+            </p:pic>
+          </p:grpSp>
+        </p:grpSp>
+        <p:sp>
+          <p:nvSpPr>
+            <p:cNvPr id="10" name="TextBox 9"/>
+            <p:cNvSpPr txBox="1"/>
+            <p:nvPr/>
+          </p:nvSpPr>
+          <p:spPr>
+            <a:xfrm>
+              <a:off x="1930400" y="3820361"/>
+              <a:ext cx="7281333" cy="1015663"/>
+            </a:xfrm>
+            <a:prstGeom prst="rect">
+              <a:avLst/>
+            </a:prstGeom>
+            <a:noFill/>
+          </p:spPr>
+          <p:txBody>
+            <a:bodyPr wrap="square" rtlCol="0" anchor="ctr">
+              <a:spAutoFit/>
+            </a:bodyPr>
+            <a:lstStyle/>
+            <a:p>
+              <a:r>
+                <a:rPr lang="en-US" altLang="ko-KR" sz="2000" dirty="0" smtClean="0">
+                  <a:latin typeface="나눔바른고딕OTF" panose="02020603020101020101" pitchFamily="18" charset="-127"/>
+                  <a:ea typeface="나눔바른고딕OTF" panose="02020603020101020101" pitchFamily="18" charset="-127"/>
+                </a:rPr>
+                <a:t>NoSQL System</a:t>
+              </a:r>
+              <a:r>
+                <a:rPr lang="ko-KR" altLang="en-US" sz="2000" dirty="0">
+                  <a:latin typeface="나눔바른고딕OTF" panose="02020603020101020101" pitchFamily="18" charset="-127"/>
+                  <a:ea typeface="나눔바른고딕OTF" panose="02020603020101020101" pitchFamily="18" charset="-127"/>
+                </a:rPr>
+                <a:t>의 모든 기술을 자체적으로 연구</a:t>
+              </a:r>
+              <a:r>
+                <a:rPr lang="en-US" altLang="ko-KR" sz="2000" dirty="0">
+                  <a:latin typeface="나눔바른고딕OTF" panose="02020603020101020101" pitchFamily="18" charset="-127"/>
+                  <a:ea typeface="나눔바른고딕OTF" panose="02020603020101020101" pitchFamily="18" charset="-127"/>
+                </a:rPr>
+                <a:t>/</a:t>
+              </a:r>
+              <a:r>
+                <a:rPr lang="ko-KR" altLang="en-US" sz="2000" dirty="0" smtClean="0">
+                  <a:latin typeface="나눔바른고딕OTF" panose="02020603020101020101" pitchFamily="18" charset="-127"/>
+                  <a:ea typeface="나눔바른고딕OTF" panose="02020603020101020101" pitchFamily="18" charset="-127"/>
+                </a:rPr>
+                <a:t>개발합니다</a:t>
+              </a:r>
+              <a:r>
+                <a:rPr lang="en-US" altLang="ko-KR" sz="2000" dirty="0" smtClean="0">
+                  <a:latin typeface="나눔바른고딕OTF" panose="02020603020101020101" pitchFamily="18" charset="-127"/>
+                  <a:ea typeface="나눔바른고딕OTF" panose="02020603020101020101" pitchFamily="18" charset="-127"/>
+                </a:rPr>
+                <a:t>.</a:t>
+              </a:r>
+            </a:p>
+            <a:p>
+              <a:r>
+                <a:rPr lang="en-US" altLang="ko-KR" sz="2000" dirty="0" smtClean="0">
+                  <a:latin typeface="나눔바른고딕OTF" panose="02020603020101020101" pitchFamily="18" charset="-127"/>
+                  <a:ea typeface="나눔바른고딕OTF" panose="02020603020101020101" pitchFamily="18" charset="-127"/>
+                </a:rPr>
+                <a:t>NoSQL System </a:t>
+              </a:r>
+              <a:r>
+                <a:rPr lang="ko-KR" altLang="en-US" sz="2000" dirty="0" smtClean="0">
+                  <a:latin typeface="나눔바른고딕OTF" panose="02020603020101020101" pitchFamily="18" charset="-127"/>
+                  <a:ea typeface="나눔바른고딕OTF" panose="02020603020101020101" pitchFamily="18" charset="-127"/>
+                </a:rPr>
+                <a:t>개발 방향을 결정하며</a:t>
+              </a:r>
+              <a:r>
+                <a:rPr lang="en-US" altLang="ko-KR" sz="2000" dirty="0" smtClean="0">
+                  <a:latin typeface="나눔바른고딕OTF" panose="02020603020101020101" pitchFamily="18" charset="-127"/>
+                  <a:ea typeface="나눔바른고딕OTF" panose="02020603020101020101" pitchFamily="18" charset="-127"/>
+                </a:rPr>
+                <a:t>, </a:t>
+              </a:r>
+              <a:r>
+                <a:rPr lang="ko-KR" altLang="en-US" sz="2000" dirty="0" smtClean="0">
+                  <a:latin typeface="나눔바른고딕OTF" panose="02020603020101020101" pitchFamily="18" charset="-127"/>
+                  <a:ea typeface="나눔바른고딕OTF" panose="02020603020101020101" pitchFamily="18" charset="-127"/>
+                </a:rPr>
+                <a:t>기반 기술의 이해와 공유</a:t>
+              </a:r>
+              <a:r>
+                <a:rPr lang="en-US" altLang="ko-KR" sz="2000" dirty="0" smtClean="0">
+                  <a:latin typeface="나눔바른고딕OTF" panose="02020603020101020101" pitchFamily="18" charset="-127"/>
+                  <a:ea typeface="나눔바른고딕OTF" panose="02020603020101020101" pitchFamily="18" charset="-127"/>
+                </a:rPr>
+                <a:t>,</a:t>
+              </a:r>
+            </a:p>
+            <a:p>
+              <a:r>
+                <a:rPr lang="ko-KR" altLang="en-US" sz="2000" dirty="0" smtClean="0">
+                  <a:latin typeface="나눔바른고딕OTF" panose="02020603020101020101" pitchFamily="18" charset="-127"/>
+                  <a:ea typeface="나눔바른고딕OTF" panose="02020603020101020101" pitchFamily="18" charset="-127"/>
+                </a:rPr>
+                <a:t>실제 개발과 테스트를 통해 직접 만들어 갈 개발자를 모집합니다</a:t>
               </a:r>
               <a:r>
                 <a:rPr lang="en-US" altLang="ko-KR" sz="2000" dirty="0" smtClean="0">
@@ -3706,7 +4055,372 @@
     </p:spTree>
     <p:extLst>
       <p:ext uri="{BB962C8B-B14F-4D97-AF65-F5344CB8AC3E}">
-        <p14:creationId xmlns:p14="http://schemas.microsoft.com/office/powerpoint/2010/main" val="1747125494"/>
+        <p14:creationId xmlns:p14="http://schemas.microsoft.com/office/powerpoint/2010/main" val="796658385"/>
+      </p:ext>
+    </p:extLst>
+  </p:cSld>
+  <p:clrMapOvr>
+    <a:masterClrMapping/>
+  </p:clrMapOvr>
+  <p:timing>
+    <p:tnLst>
+      <p:par>
+        <p:cTn id="1" dur="indefinite" restart="never" nodeType="tmRoot"/>
+      </p:par>
+    </p:tnLst>
+  </p:timing>
+</p:sld>
+</file>
+
+<file path=ppt/slides/slide4.xml><?xml version="1.0" encoding="utf-8"?>
+<p:sld xmlns:a="http://schemas.openxmlformats.org/drawingml/2006/main" xmlns:r="http://schemas.openxmlformats.org/officeDocument/2006/relationships" xmlns:p="http://schemas.openxmlformats.org/presentationml/2006/main">
+  <p:cSld>
+    <p:spTree>
+      <p:nvGrpSpPr>
+        <p:cNvPr id="1" name=""/>
+        <p:cNvGrpSpPr/>
+        <p:nvPr/>
+      </p:nvGrpSpPr>
+      <p:grpSpPr>
+        <a:xfrm>
+          <a:off x="0" y="0"/>
+          <a:ext cx="0" cy="0"/>
+          <a:chOff x="0" y="0"/>
+          <a:chExt cx="0" cy="0"/>
+        </a:xfrm>
+      </p:grpSpPr>
+      <p:grpSp>
+        <p:nvGrpSpPr>
+          <p:cNvPr id="4" name="그룹 3"/>
+          <p:cNvGrpSpPr/>
+          <p:nvPr/>
+        </p:nvGrpSpPr>
+        <p:grpSpPr>
+          <a:xfrm>
+            <a:off x="1567543" y="1091682"/>
+            <a:ext cx="7948990" cy="4101208"/>
+            <a:chOff x="1567543" y="1091682"/>
+            <a:chExt cx="7948990" cy="4101208"/>
+          </a:xfrm>
+        </p:grpSpPr>
+        <p:sp>
+          <p:nvSpPr>
+            <p:cNvPr id="2" name="직사각형 1"/>
+            <p:cNvSpPr/>
+            <p:nvPr/>
+          </p:nvSpPr>
+          <p:spPr>
+            <a:xfrm>
+              <a:off x="1567543" y="1091682"/>
+              <a:ext cx="7948990" cy="4101208"/>
+            </a:xfrm>
+            <a:prstGeom prst="rect">
+              <a:avLst/>
+            </a:prstGeom>
+            <a:pattFill prst="pct25">
+              <a:fgClr>
+                <a:schemeClr val="accent5">
+                  <a:lumMod val="20000"/>
+                  <a:lumOff val="80000"/>
+                </a:schemeClr>
+              </a:fgClr>
+              <a:bgClr>
+                <a:schemeClr val="bg1"/>
+              </a:bgClr>
+            </a:pattFill>
+            <a:ln>
+              <a:noFill/>
+            </a:ln>
+          </p:spPr>
+          <p:style>
+            <a:lnRef idx="2">
+              <a:schemeClr val="accent1">
+                <a:shade val="50000"/>
+              </a:schemeClr>
+            </a:lnRef>
+            <a:fillRef idx="1">
+              <a:schemeClr val="accent1"/>
+            </a:fillRef>
+            <a:effectRef idx="0">
+              <a:schemeClr val="accent1"/>
+            </a:effectRef>
+            <a:fontRef idx="minor">
+              <a:schemeClr val="lt1"/>
+            </a:fontRef>
+          </p:style>
+          <p:txBody>
+            <a:bodyPr rtlCol="0" anchor="ctr"/>
+            <a:lstStyle/>
+            <a:p>
+              <a:pPr algn="ctr"/>
+              <a:endParaRPr lang="ko-KR" altLang="en-US"/>
+            </a:p>
+          </p:txBody>
+        </p:sp>
+        <p:pic>
+          <p:nvPicPr>
+            <p:cNvPr id="3" name="그림 2"/>
+            <p:cNvPicPr>
+              <a:picLocks noChangeAspect="1"/>
+            </p:cNvPicPr>
+            <p:nvPr/>
+          </p:nvPicPr>
+          <p:blipFill>
+            <a:blip r:embed="rId2" cstate="print">
+              <a:extLst>
+                <a:ext uri="{28A0092B-C50C-407E-A947-70E740481C1C}">
+                  <a14:useLocalDpi xmlns:a14="http://schemas.microsoft.com/office/drawing/2010/main" val="0"/>
+                </a:ext>
+              </a:extLst>
+            </a:blip>
+            <a:stretch>
+              <a:fillRect/>
+            </a:stretch>
+          </p:blipFill>
+          <p:spPr>
+            <a:xfrm>
+              <a:off x="2765508" y="1673394"/>
+              <a:ext cx="4954624" cy="548666"/>
+            </a:xfrm>
+            <a:prstGeom prst="rect">
+              <a:avLst/>
+            </a:prstGeom>
+          </p:spPr>
+        </p:pic>
+        <p:sp>
+          <p:nvSpPr>
+            <p:cNvPr id="5" name="TextBox 4"/>
+            <p:cNvSpPr txBox="1"/>
+            <p:nvPr/>
+          </p:nvSpPr>
+          <p:spPr>
+            <a:xfrm>
+              <a:off x="1930401" y="2343829"/>
+              <a:ext cx="5789732" cy="523220"/>
+            </a:xfrm>
+            <a:prstGeom prst="rect">
+              <a:avLst/>
+            </a:prstGeom>
+            <a:noFill/>
+          </p:spPr>
+          <p:txBody>
+            <a:bodyPr wrap="square" rtlCol="0" anchor="ctr">
+              <a:spAutoFit/>
+            </a:bodyPr>
+            <a:lstStyle/>
+            <a:p>
+              <a:r>
+                <a:rPr lang="en-US" altLang="ko-KR" sz="2800" spc="-150" dirty="0" smtClean="0">
+                  <a:latin typeface="나눔바른고딕OTF" panose="02020603020101020101" pitchFamily="18" charset="-127"/>
+                  <a:ea typeface="나눔바른고딕OTF" panose="02020603020101020101" pitchFamily="18" charset="-127"/>
+                </a:rPr>
+                <a:t>NoSQL </a:t>
+              </a:r>
+              <a:r>
+                <a:rPr lang="ko-KR" altLang="en-US" sz="2800" spc="-150" dirty="0" smtClean="0">
+                  <a:latin typeface="나눔바른고딕OTF" panose="02020603020101020101" pitchFamily="18" charset="-127"/>
+                  <a:ea typeface="나눔바른고딕OTF" panose="02020603020101020101" pitchFamily="18" charset="-127"/>
+                </a:rPr>
+                <a:t>마케팅</a:t>
+              </a:r>
+              <a:r>
+                <a:rPr lang="en-US" altLang="ko-KR" sz="2800" spc="-150" dirty="0" smtClean="0">
+                  <a:latin typeface="나눔바른고딕OTF" panose="02020603020101020101" pitchFamily="18" charset="-127"/>
+                  <a:ea typeface="나눔바른고딕OTF" panose="02020603020101020101" pitchFamily="18" charset="-127"/>
+                </a:rPr>
+                <a:t>/</a:t>
+              </a:r>
+              <a:r>
+                <a:rPr lang="ko-KR" altLang="en-US" sz="2800" spc="-150" dirty="0" smtClean="0">
+                  <a:latin typeface="나눔바른고딕OTF" panose="02020603020101020101" pitchFamily="18" charset="-127"/>
+                  <a:ea typeface="나눔바른고딕OTF" panose="02020603020101020101" pitchFamily="18" charset="-127"/>
+                </a:rPr>
+                <a:t>기술영업 전문가 채용</a:t>
+              </a:r>
+              <a:r>
+                <a:rPr lang="ko-KR" altLang="en-US" sz="2800" dirty="0" smtClean="0">
+                  <a:latin typeface="나눔바른고딕OTF" panose="02020603020101020101" pitchFamily="18" charset="-127"/>
+                  <a:ea typeface="나눔바른고딕OTF" panose="02020603020101020101" pitchFamily="18" charset="-127"/>
+                </a:rPr>
+                <a:t> </a:t>
+              </a:r>
+              <a:r>
+                <a:rPr lang="en-US" altLang="ko-KR" sz="2800" dirty="0" smtClean="0">
+                  <a:latin typeface="나눔바른고딕OTF" panose="02020603020101020101" pitchFamily="18" charset="-127"/>
+                  <a:ea typeface="나눔바른고딕OTF" panose="02020603020101020101" pitchFamily="18" charset="-127"/>
+                </a:rPr>
+                <a:t>@ </a:t>
+              </a:r>
+              <a:endParaRPr lang="ko-KR" altLang="en-US" sz="2800" dirty="0">
+                <a:latin typeface="나눔바른고딕OTF" panose="02020603020101020101" pitchFamily="18" charset="-127"/>
+                <a:ea typeface="나눔바른고딕OTF" panose="02020603020101020101" pitchFamily="18" charset="-127"/>
+              </a:endParaRPr>
+            </a:p>
+          </p:txBody>
+        </p:sp>
+        <p:pic>
+          <p:nvPicPr>
+            <p:cNvPr id="6" name="그림 5"/>
+            <p:cNvPicPr>
+              <a:picLocks noChangeAspect="1"/>
+            </p:cNvPicPr>
+            <p:nvPr/>
+          </p:nvPicPr>
+          <p:blipFill>
+            <a:blip r:embed="rId3" cstate="print">
+              <a:extLst>
+                <a:ext uri="{28A0092B-C50C-407E-A947-70E740481C1C}">
+                  <a14:useLocalDpi xmlns:a14="http://schemas.microsoft.com/office/drawing/2010/main" val="0"/>
+                </a:ext>
+              </a:extLst>
+            </a:blip>
+            <a:stretch>
+              <a:fillRect/>
+            </a:stretch>
+          </p:blipFill>
+          <p:spPr>
+            <a:xfrm>
+              <a:off x="7410662" y="2417603"/>
+              <a:ext cx="1596121" cy="385729"/>
+            </a:xfrm>
+            <a:prstGeom prst="rect">
+              <a:avLst/>
+            </a:prstGeom>
+          </p:spPr>
+        </p:pic>
+        <p:sp>
+          <p:nvSpPr>
+            <p:cNvPr id="10" name="TextBox 9"/>
+            <p:cNvSpPr txBox="1"/>
+            <p:nvPr/>
+          </p:nvSpPr>
+          <p:spPr>
+            <a:xfrm>
+              <a:off x="1930400" y="3906514"/>
+              <a:ext cx="7281333" cy="707886"/>
+            </a:xfrm>
+            <a:prstGeom prst="rect">
+              <a:avLst/>
+            </a:prstGeom>
+            <a:noFill/>
+          </p:spPr>
+          <p:txBody>
+            <a:bodyPr wrap="square" rtlCol="0" anchor="ctr">
+              <a:spAutoFit/>
+            </a:bodyPr>
+            <a:lstStyle/>
+            <a:p>
+              <a:r>
+                <a:rPr lang="en-US" altLang="ko-KR" sz="2000" dirty="0" smtClean="0">
+                  <a:latin typeface="나눔바른고딕OTF" panose="02020603020101020101" pitchFamily="18" charset="-127"/>
+                  <a:ea typeface="나눔바른고딕OTF" panose="02020603020101020101" pitchFamily="18" charset="-127"/>
+                </a:rPr>
+                <a:t>NoSQL </a:t>
+              </a:r>
+              <a:r>
+                <a:rPr lang="ko-KR" altLang="en-US" sz="2000" dirty="0">
+                  <a:latin typeface="나눔바른고딕OTF" panose="02020603020101020101" pitchFamily="18" charset="-127"/>
+                  <a:ea typeface="나눔바른고딕OTF" panose="02020603020101020101" pitchFamily="18" charset="-127"/>
+                </a:rPr>
+                <a:t>제품의 기술과 </a:t>
+              </a:r>
+              <a:r>
+                <a:rPr lang="ko-KR" altLang="en-US" sz="2000" dirty="0" err="1">
+                  <a:latin typeface="나눔바른고딕OTF" panose="02020603020101020101" pitchFamily="18" charset="-127"/>
+                  <a:ea typeface="나눔바른고딕OTF" panose="02020603020101020101" pitchFamily="18" charset="-127"/>
+                </a:rPr>
+                <a:t>트렌드를</a:t>
+              </a:r>
+              <a:r>
+                <a:rPr lang="ko-KR" altLang="en-US" sz="2000" dirty="0">
+                  <a:latin typeface="나눔바른고딕OTF" panose="02020603020101020101" pitchFamily="18" charset="-127"/>
+                  <a:ea typeface="나눔바른고딕OTF" panose="02020603020101020101" pitchFamily="18" charset="-127"/>
+                </a:rPr>
+                <a:t> 이해하면서 마케팅</a:t>
+              </a:r>
+              <a:r>
+                <a:rPr lang="en-US" altLang="ko-KR" sz="2000" dirty="0">
+                  <a:latin typeface="나눔바른고딕OTF" panose="02020603020101020101" pitchFamily="18" charset="-127"/>
+                  <a:ea typeface="나눔바른고딕OTF" panose="02020603020101020101" pitchFamily="18" charset="-127"/>
+                </a:rPr>
+                <a:t>/</a:t>
+              </a:r>
+              <a:r>
+                <a:rPr lang="ko-KR" altLang="en-US" sz="2000" dirty="0">
+                  <a:latin typeface="나눔바른고딕OTF" panose="02020603020101020101" pitchFamily="18" charset="-127"/>
+                  <a:ea typeface="나눔바른고딕OTF" panose="02020603020101020101" pitchFamily="18" charset="-127"/>
+                </a:rPr>
+                <a:t>기술영업 경험과 전문성을 바탕으로 </a:t>
+              </a:r>
+              <a:r>
+                <a:rPr lang="en-US" altLang="ko-KR" sz="2000" dirty="0" smtClean="0">
+                  <a:latin typeface="나눔바른고딕OTF" panose="02020603020101020101" pitchFamily="18" charset="-127"/>
+                  <a:ea typeface="나눔바른고딕OTF" panose="02020603020101020101" pitchFamily="18" charset="-127"/>
+                </a:rPr>
+                <a:t>ARCUS </a:t>
+              </a:r>
+              <a:r>
+                <a:rPr lang="ko-KR" altLang="en-US" sz="2000" dirty="0">
+                  <a:latin typeface="나눔바른고딕OTF" panose="02020603020101020101" pitchFamily="18" charset="-127"/>
+                  <a:ea typeface="나눔바른고딕OTF" panose="02020603020101020101" pitchFamily="18" charset="-127"/>
+                </a:rPr>
+                <a:t>시장을 새로이 </a:t>
+              </a:r>
+              <a:r>
+                <a:rPr lang="ko-KR" altLang="en-US" sz="2000" dirty="0" smtClean="0">
+                  <a:latin typeface="나눔바른고딕OTF" panose="02020603020101020101" pitchFamily="18" charset="-127"/>
+                  <a:ea typeface="나눔바른고딕OTF" panose="02020603020101020101" pitchFamily="18" charset="-127"/>
+                </a:rPr>
+                <a:t>개척할 분을 기다립니다</a:t>
+              </a:r>
+              <a:r>
+                <a:rPr lang="en-US" altLang="ko-KR" sz="2000" dirty="0" smtClean="0">
+                  <a:latin typeface="나눔바른고딕OTF" panose="02020603020101020101" pitchFamily="18" charset="-127"/>
+                  <a:ea typeface="나눔바른고딕OTF" panose="02020603020101020101" pitchFamily="18" charset="-127"/>
+                </a:rPr>
+                <a:t>.</a:t>
+              </a:r>
+            </a:p>
+          </p:txBody>
+        </p:sp>
+        <p:sp>
+          <p:nvSpPr>
+            <p:cNvPr id="11" name="TextBox 10"/>
+            <p:cNvSpPr txBox="1"/>
+            <p:nvPr/>
+          </p:nvSpPr>
+          <p:spPr>
+            <a:xfrm>
+              <a:off x="3781211" y="2867049"/>
+              <a:ext cx="3306842" cy="461665"/>
+            </a:xfrm>
+            <a:prstGeom prst="rect">
+              <a:avLst/>
+            </a:prstGeom>
+            <a:noFill/>
+          </p:spPr>
+          <p:txBody>
+            <a:bodyPr wrap="square" rtlCol="0" anchor="ctr">
+              <a:spAutoFit/>
+            </a:bodyPr>
+            <a:lstStyle/>
+            <a:p>
+              <a:pPr algn="ctr"/>
+              <a:r>
+                <a:rPr lang="en-US" altLang="ko-KR" sz="2400" spc="-150" dirty="0" smtClean="0">
+                  <a:latin typeface="나눔바른고딕OTF" panose="02020603020101020101" pitchFamily="18" charset="-127"/>
+                  <a:ea typeface="나눔바른고딕OTF" panose="02020603020101020101" pitchFamily="18" charset="-127"/>
+                </a:rPr>
+                <a:t>(2018  5/9 ~ 5/25)</a:t>
+              </a:r>
+            </a:p>
+          </p:txBody>
+        </p:sp>
+      </p:grpSp>
+    </p:spTree>
+    <p:extLst>
+      <p:ext uri="{BB962C8B-B14F-4D97-AF65-F5344CB8AC3E}">
+        <p14:creationId xmlns:p14="http://schemas.microsoft.com/office/powerpoint/2010/main" val="389565172"/>
       </p:ext>
     </p:extLst>
   </p:cSld>

--- a/images/jam2in-job-posting-images.pptx
+++ b/images/jam2in-job-posting-images.pptx
@@ -9,6 +9,7 @@
     <p:sldId id="273" r:id="rId3"/>
     <p:sldId id="274" r:id="rId4"/>
     <p:sldId id="275" r:id="rId5"/>
+    <p:sldId id="276" r:id="rId6"/>
   </p:sldIdLst>
   <p:sldSz cx="12192000" cy="6858000"/>
   <p:notesSz cx="6858000" cy="9144000"/>
@@ -157,10 +158,9 @@
           </a:lstStyle>
           <a:p>
             <a:r>
-              <a:rPr lang="ko-KR" altLang="en-US" smtClean="0"/>
+              <a:rPr lang="ko-KR" altLang="en-US"/>
               <a:t>마스터 제목 스타일 편집</a:t>
             </a:r>
-            <a:endParaRPr lang="ko-KR" altLang="en-US"/>
           </a:p>
         </p:txBody>
       </p:sp>
@@ -222,10 +222,9 @@
           </a:lstStyle>
           <a:p>
             <a:r>
-              <a:rPr lang="ko-KR" altLang="en-US" smtClean="0"/>
+              <a:rPr lang="ko-KR" altLang="en-US"/>
               <a:t>마스터 부제목 스타일 편집</a:t>
             </a:r>
-            <a:endParaRPr lang="ko-KR" altLang="en-US"/>
           </a:p>
         </p:txBody>
       </p:sp>
@@ -246,7 +245,7 @@
           <a:p>
             <a:fld id="{65A0F5E7-3DC3-4D9B-9751-1720D23AB909}" type="datetimeFigureOut">
               <a:rPr lang="ko-KR" altLang="en-US" smtClean="0"/>
-              <a:t>2018-05-28</a:t>
+              <a:t>2019-06-10</a:t>
             </a:fld>
             <a:endParaRPr lang="ko-KR" altLang="en-US"/>
           </a:p>
@@ -340,10 +339,9 @@
           <a:lstStyle/>
           <a:p>
             <a:r>
-              <a:rPr lang="ko-KR" altLang="en-US" smtClean="0"/>
+              <a:rPr lang="ko-KR" altLang="en-US"/>
               <a:t>마스터 제목 스타일 편집</a:t>
             </a:r>
-            <a:endParaRPr lang="ko-KR" altLang="en-US"/>
           </a:p>
         </p:txBody>
       </p:sp>
@@ -364,38 +362,37 @@
           <a:p>
             <a:pPr lvl="0"/>
             <a:r>
-              <a:rPr lang="ko-KR" altLang="en-US" smtClean="0"/>
+              <a:rPr lang="ko-KR" altLang="en-US"/>
               <a:t>마스터 텍스트 스타일을 편집합니다</a:t>
             </a:r>
           </a:p>
           <a:p>
             <a:pPr lvl="1"/>
             <a:r>
-              <a:rPr lang="ko-KR" altLang="en-US" smtClean="0"/>
+              <a:rPr lang="ko-KR" altLang="en-US"/>
               <a:t>둘째 수준</a:t>
             </a:r>
           </a:p>
           <a:p>
             <a:pPr lvl="2"/>
             <a:r>
-              <a:rPr lang="ko-KR" altLang="en-US" smtClean="0"/>
+              <a:rPr lang="ko-KR" altLang="en-US"/>
               <a:t>셋째 수준</a:t>
             </a:r>
           </a:p>
           <a:p>
             <a:pPr lvl="3"/>
             <a:r>
-              <a:rPr lang="ko-KR" altLang="en-US" smtClean="0"/>
+              <a:rPr lang="ko-KR" altLang="en-US"/>
               <a:t>넷째 수준</a:t>
             </a:r>
           </a:p>
           <a:p>
             <a:pPr lvl="4"/>
             <a:r>
-              <a:rPr lang="ko-KR" altLang="en-US" smtClean="0"/>
+              <a:rPr lang="ko-KR" altLang="en-US"/>
               <a:t>다섯째 수준</a:t>
             </a:r>
-            <a:endParaRPr lang="ko-KR" altLang="en-US"/>
           </a:p>
         </p:txBody>
       </p:sp>
@@ -416,7 +413,7 @@
           <a:p>
             <a:fld id="{65A0F5E7-3DC3-4D9B-9751-1720D23AB909}" type="datetimeFigureOut">
               <a:rPr lang="ko-KR" altLang="en-US" smtClean="0"/>
-              <a:t>2018-05-28</a:t>
+              <a:t>2019-06-10</a:t>
             </a:fld>
             <a:endParaRPr lang="ko-KR" altLang="en-US"/>
           </a:p>
@@ -515,10 +512,9 @@
           <a:lstStyle/>
           <a:p>
             <a:r>
-              <a:rPr lang="ko-KR" altLang="en-US" smtClean="0"/>
+              <a:rPr lang="ko-KR" altLang="en-US"/>
               <a:t>마스터 제목 스타일 편집</a:t>
             </a:r>
-            <a:endParaRPr lang="ko-KR" altLang="en-US"/>
           </a:p>
         </p:txBody>
       </p:sp>
@@ -544,38 +540,37 @@
           <a:p>
             <a:pPr lvl="0"/>
             <a:r>
-              <a:rPr lang="ko-KR" altLang="en-US" smtClean="0"/>
+              <a:rPr lang="ko-KR" altLang="en-US"/>
               <a:t>마스터 텍스트 스타일을 편집합니다</a:t>
             </a:r>
           </a:p>
           <a:p>
             <a:pPr lvl="1"/>
             <a:r>
-              <a:rPr lang="ko-KR" altLang="en-US" smtClean="0"/>
+              <a:rPr lang="ko-KR" altLang="en-US"/>
               <a:t>둘째 수준</a:t>
             </a:r>
           </a:p>
           <a:p>
             <a:pPr lvl="2"/>
             <a:r>
-              <a:rPr lang="ko-KR" altLang="en-US" smtClean="0"/>
+              <a:rPr lang="ko-KR" altLang="en-US"/>
               <a:t>셋째 수준</a:t>
             </a:r>
           </a:p>
           <a:p>
             <a:pPr lvl="3"/>
             <a:r>
-              <a:rPr lang="ko-KR" altLang="en-US" smtClean="0"/>
+              <a:rPr lang="ko-KR" altLang="en-US"/>
               <a:t>넷째 수준</a:t>
             </a:r>
           </a:p>
           <a:p>
             <a:pPr lvl="4"/>
             <a:r>
-              <a:rPr lang="ko-KR" altLang="en-US" smtClean="0"/>
+              <a:rPr lang="ko-KR" altLang="en-US"/>
               <a:t>다섯째 수준</a:t>
             </a:r>
-            <a:endParaRPr lang="ko-KR" altLang="en-US"/>
           </a:p>
         </p:txBody>
       </p:sp>
@@ -596,7 +591,7 @@
           <a:p>
             <a:fld id="{65A0F5E7-3DC3-4D9B-9751-1720D23AB909}" type="datetimeFigureOut">
               <a:rPr lang="ko-KR" altLang="en-US" smtClean="0"/>
-              <a:t>2018-05-28</a:t>
+              <a:t>2019-06-10</a:t>
             </a:fld>
             <a:endParaRPr lang="ko-KR" altLang="en-US"/>
           </a:p>
@@ -690,10 +685,9 @@
           <a:lstStyle/>
           <a:p>
             <a:r>
-              <a:rPr lang="ko-KR" altLang="en-US" smtClean="0"/>
+              <a:rPr lang="ko-KR" altLang="en-US"/>
               <a:t>마스터 제목 스타일 편집</a:t>
             </a:r>
-            <a:endParaRPr lang="ko-KR" altLang="en-US"/>
           </a:p>
         </p:txBody>
       </p:sp>
@@ -714,38 +708,37 @@
           <a:p>
             <a:pPr lvl="0"/>
             <a:r>
-              <a:rPr lang="ko-KR" altLang="en-US" smtClean="0"/>
+              <a:rPr lang="ko-KR" altLang="en-US"/>
               <a:t>마스터 텍스트 스타일을 편집합니다</a:t>
             </a:r>
           </a:p>
           <a:p>
             <a:pPr lvl="1"/>
             <a:r>
-              <a:rPr lang="ko-KR" altLang="en-US" smtClean="0"/>
+              <a:rPr lang="ko-KR" altLang="en-US"/>
               <a:t>둘째 수준</a:t>
             </a:r>
           </a:p>
           <a:p>
             <a:pPr lvl="2"/>
             <a:r>
-              <a:rPr lang="ko-KR" altLang="en-US" smtClean="0"/>
+              <a:rPr lang="ko-KR" altLang="en-US"/>
               <a:t>셋째 수준</a:t>
             </a:r>
           </a:p>
           <a:p>
             <a:pPr lvl="3"/>
             <a:r>
-              <a:rPr lang="ko-KR" altLang="en-US" smtClean="0"/>
+              <a:rPr lang="ko-KR" altLang="en-US"/>
               <a:t>넷째 수준</a:t>
             </a:r>
           </a:p>
           <a:p>
             <a:pPr lvl="4"/>
             <a:r>
-              <a:rPr lang="ko-KR" altLang="en-US" smtClean="0"/>
+              <a:rPr lang="ko-KR" altLang="en-US"/>
               <a:t>다섯째 수준</a:t>
             </a:r>
-            <a:endParaRPr lang="ko-KR" altLang="en-US"/>
           </a:p>
         </p:txBody>
       </p:sp>
@@ -766,7 +759,7 @@
           <a:p>
             <a:fld id="{65A0F5E7-3DC3-4D9B-9751-1720D23AB909}" type="datetimeFigureOut">
               <a:rPr lang="ko-KR" altLang="en-US" smtClean="0"/>
-              <a:t>2018-05-28</a:t>
+              <a:t>2019-06-10</a:t>
             </a:fld>
             <a:endParaRPr lang="ko-KR" altLang="en-US"/>
           </a:p>
@@ -869,10 +862,9 @@
           </a:lstStyle>
           <a:p>
             <a:r>
-              <a:rPr lang="ko-KR" altLang="en-US" smtClean="0"/>
+              <a:rPr lang="ko-KR" altLang="en-US"/>
               <a:t>마스터 제목 스타일 편집</a:t>
             </a:r>
-            <a:endParaRPr lang="ko-KR" altLang="en-US"/>
           </a:p>
         </p:txBody>
       </p:sp>
@@ -989,7 +981,7 @@
           <a:p>
             <a:pPr lvl="0"/>
             <a:r>
-              <a:rPr lang="ko-KR" altLang="en-US" smtClean="0"/>
+              <a:rPr lang="ko-KR" altLang="en-US"/>
               <a:t>마스터 텍스트 스타일을 편집합니다</a:t>
             </a:r>
           </a:p>
@@ -1012,7 +1004,7 @@
           <a:p>
             <a:fld id="{65A0F5E7-3DC3-4D9B-9751-1720D23AB909}" type="datetimeFigureOut">
               <a:rPr lang="ko-KR" altLang="en-US" smtClean="0"/>
-              <a:t>2018-05-28</a:t>
+              <a:t>2019-06-10</a:t>
             </a:fld>
             <a:endParaRPr lang="ko-KR" altLang="en-US"/>
           </a:p>
@@ -1106,10 +1098,9 @@
           <a:lstStyle/>
           <a:p>
             <a:r>
-              <a:rPr lang="ko-KR" altLang="en-US" smtClean="0"/>
+              <a:rPr lang="ko-KR" altLang="en-US"/>
               <a:t>마스터 제목 스타일 편집</a:t>
             </a:r>
-            <a:endParaRPr lang="ko-KR" altLang="en-US"/>
           </a:p>
         </p:txBody>
       </p:sp>
@@ -1135,38 +1126,37 @@
           <a:p>
             <a:pPr lvl="0"/>
             <a:r>
-              <a:rPr lang="ko-KR" altLang="en-US" smtClean="0"/>
+              <a:rPr lang="ko-KR" altLang="en-US"/>
               <a:t>마스터 텍스트 스타일을 편집합니다</a:t>
             </a:r>
           </a:p>
           <a:p>
             <a:pPr lvl="1"/>
             <a:r>
-              <a:rPr lang="ko-KR" altLang="en-US" smtClean="0"/>
+              <a:rPr lang="ko-KR" altLang="en-US"/>
               <a:t>둘째 수준</a:t>
             </a:r>
           </a:p>
           <a:p>
             <a:pPr lvl="2"/>
             <a:r>
-              <a:rPr lang="ko-KR" altLang="en-US" smtClean="0"/>
+              <a:rPr lang="ko-KR" altLang="en-US"/>
               <a:t>셋째 수준</a:t>
             </a:r>
           </a:p>
           <a:p>
             <a:pPr lvl="3"/>
             <a:r>
-              <a:rPr lang="ko-KR" altLang="en-US" smtClean="0"/>
+              <a:rPr lang="ko-KR" altLang="en-US"/>
               <a:t>넷째 수준</a:t>
             </a:r>
           </a:p>
           <a:p>
             <a:pPr lvl="4"/>
             <a:r>
-              <a:rPr lang="ko-KR" altLang="en-US" smtClean="0"/>
+              <a:rPr lang="ko-KR" altLang="en-US"/>
               <a:t>다섯째 수준</a:t>
             </a:r>
-            <a:endParaRPr lang="ko-KR" altLang="en-US"/>
           </a:p>
         </p:txBody>
       </p:sp>
@@ -1192,38 +1182,37 @@
           <a:p>
             <a:pPr lvl="0"/>
             <a:r>
-              <a:rPr lang="ko-KR" altLang="en-US" smtClean="0"/>
+              <a:rPr lang="ko-KR" altLang="en-US"/>
               <a:t>마스터 텍스트 스타일을 편집합니다</a:t>
             </a:r>
           </a:p>
           <a:p>
             <a:pPr lvl="1"/>
             <a:r>
-              <a:rPr lang="ko-KR" altLang="en-US" smtClean="0"/>
+              <a:rPr lang="ko-KR" altLang="en-US"/>
               <a:t>둘째 수준</a:t>
             </a:r>
           </a:p>
           <a:p>
             <a:pPr lvl="2"/>
             <a:r>
-              <a:rPr lang="ko-KR" altLang="en-US" smtClean="0"/>
+              <a:rPr lang="ko-KR" altLang="en-US"/>
               <a:t>셋째 수준</a:t>
             </a:r>
           </a:p>
           <a:p>
             <a:pPr lvl="3"/>
             <a:r>
-              <a:rPr lang="ko-KR" altLang="en-US" smtClean="0"/>
+              <a:rPr lang="ko-KR" altLang="en-US"/>
               <a:t>넷째 수준</a:t>
             </a:r>
           </a:p>
           <a:p>
             <a:pPr lvl="4"/>
             <a:r>
-              <a:rPr lang="ko-KR" altLang="en-US" smtClean="0"/>
+              <a:rPr lang="ko-KR" altLang="en-US"/>
               <a:t>다섯째 수준</a:t>
             </a:r>
-            <a:endParaRPr lang="ko-KR" altLang="en-US"/>
           </a:p>
         </p:txBody>
       </p:sp>
@@ -1244,7 +1233,7 @@
           <a:p>
             <a:fld id="{65A0F5E7-3DC3-4D9B-9751-1720D23AB909}" type="datetimeFigureOut">
               <a:rPr lang="ko-KR" altLang="en-US" smtClean="0"/>
-              <a:t>2018-05-28</a:t>
+              <a:t>2019-06-10</a:t>
             </a:fld>
             <a:endParaRPr lang="ko-KR" altLang="en-US"/>
           </a:p>
@@ -1343,10 +1332,9 @@
           <a:lstStyle/>
           <a:p>
             <a:r>
-              <a:rPr lang="ko-KR" altLang="en-US" smtClean="0"/>
+              <a:rPr lang="ko-KR" altLang="en-US"/>
               <a:t>마스터 제목 스타일 편집</a:t>
             </a:r>
-            <a:endParaRPr lang="ko-KR" altLang="en-US"/>
           </a:p>
         </p:txBody>
       </p:sp>
@@ -1409,7 +1397,7 @@
           <a:p>
             <a:pPr lvl="0"/>
             <a:r>
-              <a:rPr lang="ko-KR" altLang="en-US" smtClean="0"/>
+              <a:rPr lang="ko-KR" altLang="en-US"/>
               <a:t>마스터 텍스트 스타일을 편집합니다</a:t>
             </a:r>
           </a:p>
@@ -1437,38 +1425,37 @@
           <a:p>
             <a:pPr lvl="0"/>
             <a:r>
-              <a:rPr lang="ko-KR" altLang="en-US" smtClean="0"/>
+              <a:rPr lang="ko-KR" altLang="en-US"/>
               <a:t>마스터 텍스트 스타일을 편집합니다</a:t>
             </a:r>
           </a:p>
           <a:p>
             <a:pPr lvl="1"/>
             <a:r>
-              <a:rPr lang="ko-KR" altLang="en-US" smtClean="0"/>
+              <a:rPr lang="ko-KR" altLang="en-US"/>
               <a:t>둘째 수준</a:t>
             </a:r>
           </a:p>
           <a:p>
             <a:pPr lvl="2"/>
             <a:r>
-              <a:rPr lang="ko-KR" altLang="en-US" smtClean="0"/>
+              <a:rPr lang="ko-KR" altLang="en-US"/>
               <a:t>셋째 수준</a:t>
             </a:r>
           </a:p>
           <a:p>
             <a:pPr lvl="3"/>
             <a:r>
-              <a:rPr lang="ko-KR" altLang="en-US" smtClean="0"/>
+              <a:rPr lang="ko-KR" altLang="en-US"/>
               <a:t>넷째 수준</a:t>
             </a:r>
           </a:p>
           <a:p>
             <a:pPr lvl="4"/>
             <a:r>
-              <a:rPr lang="ko-KR" altLang="en-US" smtClean="0"/>
+              <a:rPr lang="ko-KR" altLang="en-US"/>
               <a:t>다섯째 수준</a:t>
             </a:r>
-            <a:endParaRPr lang="ko-KR" altLang="en-US"/>
           </a:p>
         </p:txBody>
       </p:sp>
@@ -1531,7 +1518,7 @@
           <a:p>
             <a:pPr lvl="0"/>
             <a:r>
-              <a:rPr lang="ko-KR" altLang="en-US" smtClean="0"/>
+              <a:rPr lang="ko-KR" altLang="en-US"/>
               <a:t>마스터 텍스트 스타일을 편집합니다</a:t>
             </a:r>
           </a:p>
@@ -1559,38 +1546,37 @@
           <a:p>
             <a:pPr lvl="0"/>
             <a:r>
-              <a:rPr lang="ko-KR" altLang="en-US" smtClean="0"/>
+              <a:rPr lang="ko-KR" altLang="en-US"/>
               <a:t>마스터 텍스트 스타일을 편집합니다</a:t>
             </a:r>
           </a:p>
           <a:p>
             <a:pPr lvl="1"/>
             <a:r>
-              <a:rPr lang="ko-KR" altLang="en-US" smtClean="0"/>
+              <a:rPr lang="ko-KR" altLang="en-US"/>
               <a:t>둘째 수준</a:t>
             </a:r>
           </a:p>
           <a:p>
             <a:pPr lvl="2"/>
             <a:r>
-              <a:rPr lang="ko-KR" altLang="en-US" smtClean="0"/>
+              <a:rPr lang="ko-KR" altLang="en-US"/>
               <a:t>셋째 수준</a:t>
             </a:r>
           </a:p>
           <a:p>
             <a:pPr lvl="3"/>
             <a:r>
-              <a:rPr lang="ko-KR" altLang="en-US" smtClean="0"/>
+              <a:rPr lang="ko-KR" altLang="en-US"/>
               <a:t>넷째 수준</a:t>
             </a:r>
           </a:p>
           <a:p>
             <a:pPr lvl="4"/>
             <a:r>
-              <a:rPr lang="ko-KR" altLang="en-US" smtClean="0"/>
+              <a:rPr lang="ko-KR" altLang="en-US"/>
               <a:t>다섯째 수준</a:t>
             </a:r>
-            <a:endParaRPr lang="ko-KR" altLang="en-US"/>
           </a:p>
         </p:txBody>
       </p:sp>
@@ -1611,7 +1597,7 @@
           <a:p>
             <a:fld id="{65A0F5E7-3DC3-4D9B-9751-1720D23AB909}" type="datetimeFigureOut">
               <a:rPr lang="ko-KR" altLang="en-US" smtClean="0"/>
-              <a:t>2018-05-28</a:t>
+              <a:t>2019-06-10</a:t>
             </a:fld>
             <a:endParaRPr lang="ko-KR" altLang="en-US"/>
           </a:p>
@@ -1705,10 +1691,9 @@
           <a:lstStyle/>
           <a:p>
             <a:r>
-              <a:rPr lang="ko-KR" altLang="en-US" smtClean="0"/>
+              <a:rPr lang="ko-KR" altLang="en-US"/>
               <a:t>마스터 제목 스타일 편집</a:t>
             </a:r>
-            <a:endParaRPr lang="ko-KR" altLang="en-US"/>
           </a:p>
         </p:txBody>
       </p:sp>
@@ -1729,7 +1714,7 @@
           <a:p>
             <a:fld id="{65A0F5E7-3DC3-4D9B-9751-1720D23AB909}" type="datetimeFigureOut">
               <a:rPr lang="ko-KR" altLang="en-US" smtClean="0"/>
-              <a:t>2018-05-28</a:t>
+              <a:t>2019-06-10</a:t>
             </a:fld>
             <a:endParaRPr lang="ko-KR" altLang="en-US"/>
           </a:p>
@@ -1824,7 +1809,7 @@
           <a:p>
             <a:fld id="{65A0F5E7-3DC3-4D9B-9751-1720D23AB909}" type="datetimeFigureOut">
               <a:rPr lang="ko-KR" altLang="en-US" smtClean="0"/>
-              <a:t>2018-05-28</a:t>
+              <a:t>2019-06-10</a:t>
             </a:fld>
             <a:endParaRPr lang="ko-KR" altLang="en-US"/>
           </a:p>
@@ -1927,10 +1912,9 @@
           </a:lstStyle>
           <a:p>
             <a:r>
-              <a:rPr lang="ko-KR" altLang="en-US" smtClean="0"/>
+              <a:rPr lang="ko-KR" altLang="en-US"/>
               <a:t>마스터 제목 스타일 편집</a:t>
             </a:r>
-            <a:endParaRPr lang="ko-KR" altLang="en-US"/>
           </a:p>
         </p:txBody>
       </p:sp>
@@ -1984,38 +1968,37 @@
           <a:p>
             <a:pPr lvl="0"/>
             <a:r>
-              <a:rPr lang="ko-KR" altLang="en-US" smtClean="0"/>
+              <a:rPr lang="ko-KR" altLang="en-US"/>
               <a:t>마스터 텍스트 스타일을 편집합니다</a:t>
             </a:r>
           </a:p>
           <a:p>
             <a:pPr lvl="1"/>
             <a:r>
-              <a:rPr lang="ko-KR" altLang="en-US" smtClean="0"/>
+              <a:rPr lang="ko-KR" altLang="en-US"/>
               <a:t>둘째 수준</a:t>
             </a:r>
           </a:p>
           <a:p>
             <a:pPr lvl="2"/>
             <a:r>
-              <a:rPr lang="ko-KR" altLang="en-US" smtClean="0"/>
+              <a:rPr lang="ko-KR" altLang="en-US"/>
               <a:t>셋째 수준</a:t>
             </a:r>
           </a:p>
           <a:p>
             <a:pPr lvl="3"/>
             <a:r>
-              <a:rPr lang="ko-KR" altLang="en-US" smtClean="0"/>
+              <a:rPr lang="ko-KR" altLang="en-US"/>
               <a:t>넷째 수준</a:t>
             </a:r>
           </a:p>
           <a:p>
             <a:pPr lvl="4"/>
             <a:r>
-              <a:rPr lang="ko-KR" altLang="en-US" smtClean="0"/>
+              <a:rPr lang="ko-KR" altLang="en-US"/>
               <a:t>다섯째 수준</a:t>
             </a:r>
-            <a:endParaRPr lang="ko-KR" altLang="en-US"/>
           </a:p>
         </p:txBody>
       </p:sp>
@@ -2078,7 +2061,7 @@
           <a:p>
             <a:pPr lvl="0"/>
             <a:r>
-              <a:rPr lang="ko-KR" altLang="en-US" smtClean="0"/>
+              <a:rPr lang="ko-KR" altLang="en-US"/>
               <a:t>마스터 텍스트 스타일을 편집합니다</a:t>
             </a:r>
           </a:p>
@@ -2101,7 +2084,7 @@
           <a:p>
             <a:fld id="{65A0F5E7-3DC3-4D9B-9751-1720D23AB909}" type="datetimeFigureOut">
               <a:rPr lang="ko-KR" altLang="en-US" smtClean="0"/>
-              <a:t>2018-05-28</a:t>
+              <a:t>2019-06-10</a:t>
             </a:fld>
             <a:endParaRPr lang="ko-KR" altLang="en-US"/>
           </a:p>
@@ -2204,10 +2187,9 @@
           </a:lstStyle>
           <a:p>
             <a:r>
-              <a:rPr lang="ko-KR" altLang="en-US" smtClean="0"/>
+              <a:rPr lang="ko-KR" altLang="en-US"/>
               <a:t>마스터 제목 스타일 편집</a:t>
             </a:r>
-            <a:endParaRPr lang="ko-KR" altLang="en-US"/>
           </a:p>
         </p:txBody>
       </p:sp>
@@ -2331,7 +2313,7 @@
           <a:p>
             <a:pPr lvl="0"/>
             <a:r>
-              <a:rPr lang="ko-KR" altLang="en-US" smtClean="0"/>
+              <a:rPr lang="ko-KR" altLang="en-US"/>
               <a:t>마스터 텍스트 스타일을 편집합니다</a:t>
             </a:r>
           </a:p>
@@ -2354,7 +2336,7 @@
           <a:p>
             <a:fld id="{65A0F5E7-3DC3-4D9B-9751-1720D23AB909}" type="datetimeFigureOut">
               <a:rPr lang="ko-KR" altLang="en-US" smtClean="0"/>
-              <a:t>2018-05-28</a:t>
+              <a:t>2019-06-10</a:t>
             </a:fld>
             <a:endParaRPr lang="ko-KR" altLang="en-US"/>
           </a:p>
@@ -2463,10 +2445,9 @@
           <a:lstStyle/>
           <a:p>
             <a:r>
-              <a:rPr lang="ko-KR" altLang="en-US" smtClean="0"/>
+              <a:rPr lang="ko-KR" altLang="en-US"/>
               <a:t>마스터 제목 스타일 편집</a:t>
             </a:r>
-            <a:endParaRPr lang="ko-KR" altLang="en-US"/>
           </a:p>
         </p:txBody>
       </p:sp>
@@ -2497,38 +2478,37 @@
           <a:p>
             <a:pPr lvl="0"/>
             <a:r>
-              <a:rPr lang="ko-KR" altLang="en-US" smtClean="0"/>
+              <a:rPr lang="ko-KR" altLang="en-US"/>
               <a:t>마스터 텍스트 스타일을 편집합니다</a:t>
             </a:r>
           </a:p>
           <a:p>
             <a:pPr lvl="1"/>
             <a:r>
-              <a:rPr lang="ko-KR" altLang="en-US" smtClean="0"/>
+              <a:rPr lang="ko-KR" altLang="en-US"/>
               <a:t>둘째 수준</a:t>
             </a:r>
           </a:p>
           <a:p>
             <a:pPr lvl="2"/>
             <a:r>
-              <a:rPr lang="ko-KR" altLang="en-US" smtClean="0"/>
+              <a:rPr lang="ko-KR" altLang="en-US"/>
               <a:t>셋째 수준</a:t>
             </a:r>
           </a:p>
           <a:p>
             <a:pPr lvl="3"/>
             <a:r>
-              <a:rPr lang="ko-KR" altLang="en-US" smtClean="0"/>
+              <a:rPr lang="ko-KR" altLang="en-US"/>
               <a:t>넷째 수준</a:t>
             </a:r>
           </a:p>
           <a:p>
             <a:pPr lvl="4"/>
             <a:r>
-              <a:rPr lang="ko-KR" altLang="en-US" smtClean="0"/>
+              <a:rPr lang="ko-KR" altLang="en-US"/>
               <a:t>다섯째 수준</a:t>
             </a:r>
-            <a:endParaRPr lang="ko-KR" altLang="en-US"/>
           </a:p>
         </p:txBody>
       </p:sp>
@@ -2567,7 +2547,7 @@
           <a:p>
             <a:fld id="{65A0F5E7-3DC3-4D9B-9751-1720D23AB909}" type="datetimeFigureOut">
               <a:rPr lang="ko-KR" altLang="en-US" smtClean="0"/>
-              <a:t>2018-05-28</a:t>
+              <a:t>2019-06-10</a:t>
             </a:fld>
             <a:endParaRPr lang="ko-KR" altLang="en-US"/>
           </a:p>
@@ -3116,28 +3096,28 @@
                 <a:lstStyle/>
                 <a:p>
                   <a:r>
-                    <a:rPr lang="en-US" altLang="ko-KR" sz="2800" spc="-150" dirty="0" smtClean="0">
+                    <a:rPr lang="en-US" altLang="ko-KR" sz="2800" spc="-150" dirty="0">
                       <a:latin typeface="나눔바른고딕OTF" panose="02020603020101020101" pitchFamily="18" charset="-127"/>
                       <a:ea typeface="나눔바른고딕OTF" panose="02020603020101020101" pitchFamily="18" charset="-127"/>
                     </a:rPr>
                     <a:t>NoSQL System SW </a:t>
                   </a:r>
                   <a:r>
-                    <a:rPr lang="ko-KR" altLang="en-US" sz="2800" spc="-150" dirty="0" smtClean="0">
+                    <a:rPr lang="ko-KR" altLang="en-US" sz="2800" spc="-150" dirty="0">
                       <a:latin typeface="나눔바른고딕OTF" panose="02020603020101020101" pitchFamily="18" charset="-127"/>
                       <a:ea typeface="나눔바른고딕OTF" panose="02020603020101020101" pitchFamily="18" charset="-127"/>
                     </a:rPr>
                     <a:t>개발자 채용</a:t>
                   </a:r>
                   <a:r>
-                    <a:rPr lang="ko-KR" altLang="en-US" sz="2800" dirty="0" smtClean="0">
+                    <a:rPr lang="ko-KR" altLang="en-US" sz="2800" dirty="0">
                       <a:latin typeface="나눔바른고딕OTF" panose="02020603020101020101" pitchFamily="18" charset="-127"/>
                       <a:ea typeface="나눔바른고딕OTF" panose="02020603020101020101" pitchFamily="18" charset="-127"/>
                     </a:rPr>
                     <a:t> </a:t>
                   </a:r>
                   <a:r>
-                    <a:rPr lang="en-US" altLang="ko-KR" sz="2800" dirty="0" smtClean="0">
+                    <a:rPr lang="en-US" altLang="ko-KR" sz="2800" dirty="0">
                       <a:latin typeface="나눔바른고딕OTF" panose="02020603020101020101" pitchFamily="18" charset="-127"/>
                       <a:ea typeface="나눔바른고딕OTF" panose="02020603020101020101" pitchFamily="18" charset="-127"/>
                     </a:rPr>
@@ -3205,7 +3185,7 @@
             <a:lstStyle/>
             <a:p>
               <a:r>
-                <a:rPr lang="en-US" altLang="ko-KR" sz="2000" dirty="0" smtClean="0">
+                <a:rPr lang="en-US" altLang="ko-KR" sz="2000" dirty="0">
                   <a:latin typeface="나눔바른고딕OTF" panose="02020603020101020101" pitchFamily="18" charset="-127"/>
                   <a:ea typeface="나눔바른고딕OTF" panose="02020603020101020101" pitchFamily="18" charset="-127"/>
                 </a:rPr>
@@ -3226,14 +3206,14 @@
                 <a:t>/</a:t>
               </a:r>
               <a:r>
-                <a:rPr lang="ko-KR" altLang="en-US" sz="2000" dirty="0" smtClean="0">
+                <a:rPr lang="ko-KR" altLang="en-US" sz="2000" dirty="0">
                   <a:latin typeface="나눔바른고딕OTF" panose="02020603020101020101" pitchFamily="18" charset="-127"/>
                   <a:ea typeface="나눔바른고딕OTF" panose="02020603020101020101" pitchFamily="18" charset="-127"/>
                 </a:rPr>
                 <a:t>개발합니다</a:t>
               </a:r>
               <a:r>
-                <a:rPr lang="en-US" altLang="ko-KR" sz="2000" dirty="0" smtClean="0">
+                <a:rPr lang="en-US" altLang="ko-KR" sz="2000" dirty="0">
                   <a:latin typeface="나눔바른고딕OTF" panose="02020603020101020101" pitchFamily="18" charset="-127"/>
                   <a:ea typeface="나눔바른고딕OTF" panose="02020603020101020101" pitchFamily="18" charset="-127"/>
                 </a:rPr>
@@ -3242,35 +3222,35 @@
             </a:p>
             <a:p>
               <a:r>
-                <a:rPr lang="en-US" altLang="ko-KR" sz="2000" dirty="0" smtClean="0">
+                <a:rPr lang="en-US" altLang="ko-KR" sz="2000" dirty="0">
                   <a:latin typeface="나눔바른고딕OTF" panose="02020603020101020101" pitchFamily="18" charset="-127"/>
                   <a:ea typeface="나눔바른고딕OTF" panose="02020603020101020101" pitchFamily="18" charset="-127"/>
                 </a:rPr>
                 <a:t>NoSQL System </a:t>
               </a:r>
               <a:r>
-                <a:rPr lang="ko-KR" altLang="en-US" sz="2000" dirty="0" smtClean="0">
+                <a:rPr lang="ko-KR" altLang="en-US" sz="2000" dirty="0">
                   <a:latin typeface="나눔바른고딕OTF" panose="02020603020101020101" pitchFamily="18" charset="-127"/>
                   <a:ea typeface="나눔바른고딕OTF" panose="02020603020101020101" pitchFamily="18" charset="-127"/>
                 </a:rPr>
                 <a:t>개발 방향을 결정하며</a:t>
               </a:r>
               <a:r>
-                <a:rPr lang="en-US" altLang="ko-KR" sz="2000" dirty="0" smtClean="0">
+                <a:rPr lang="en-US" altLang="ko-KR" sz="2000" dirty="0">
                   <a:latin typeface="나눔바른고딕OTF" panose="02020603020101020101" pitchFamily="18" charset="-127"/>
                   <a:ea typeface="나눔바른고딕OTF" panose="02020603020101020101" pitchFamily="18" charset="-127"/>
                 </a:rPr>
                 <a:t>, </a:t>
               </a:r>
               <a:r>
-                <a:rPr lang="ko-KR" altLang="en-US" sz="2000" dirty="0" smtClean="0">
+                <a:rPr lang="ko-KR" altLang="en-US" sz="2000" dirty="0">
                   <a:latin typeface="나눔바른고딕OTF" panose="02020603020101020101" pitchFamily="18" charset="-127"/>
                   <a:ea typeface="나눔바른고딕OTF" panose="02020603020101020101" pitchFamily="18" charset="-127"/>
                 </a:rPr>
                 <a:t>기반 기술의 이해와 공유</a:t>
               </a:r>
               <a:r>
-                <a:rPr lang="en-US" altLang="ko-KR" sz="2000" dirty="0" smtClean="0">
+                <a:rPr lang="en-US" altLang="ko-KR" sz="2000" dirty="0">
                   <a:latin typeface="나눔바른고딕OTF" panose="02020603020101020101" pitchFamily="18" charset="-127"/>
                   <a:ea typeface="나눔바른고딕OTF" panose="02020603020101020101" pitchFamily="18" charset="-127"/>
                 </a:rPr>
@@ -3279,14 +3259,14 @@
             </a:p>
             <a:p>
               <a:r>
-                <a:rPr lang="ko-KR" altLang="en-US" sz="2000" dirty="0" smtClean="0">
+                <a:rPr lang="ko-KR" altLang="en-US" sz="2000" dirty="0">
                   <a:latin typeface="나눔바른고딕OTF" panose="02020603020101020101" pitchFamily="18" charset="-127"/>
                   <a:ea typeface="나눔바른고딕OTF" panose="02020603020101020101" pitchFamily="18" charset="-127"/>
                 </a:rPr>
                 <a:t>실제 개발과 테스트를 통해 직접 만들어 갈 개발자를 모집합니다</a:t>
               </a:r>
               <a:r>
-                <a:rPr lang="en-US" altLang="ko-KR" sz="2000" dirty="0" smtClean="0">
+                <a:rPr lang="en-US" altLang="ko-KR" sz="2000" dirty="0">
                   <a:latin typeface="나눔바른고딕OTF" panose="02020603020101020101" pitchFamily="18" charset="-127"/>
                   <a:ea typeface="나눔바른고딕OTF" panose="02020603020101020101" pitchFamily="18" charset="-127"/>
                 </a:rPr>
@@ -3318,7 +3298,7 @@
             <a:lstStyle/>
             <a:p>
               <a:pPr algn="ctr"/>
-              <a:endParaRPr lang="en-US" altLang="ko-KR" sz="2400" spc="-150" dirty="0" smtClean="0">
+              <a:endParaRPr lang="en-US" altLang="ko-KR" sz="2400" spc="-150" dirty="0">
                 <a:latin typeface="나눔바른고딕OTF" panose="02020603020101020101" pitchFamily="18" charset="-127"/>
                 <a:ea typeface="나눔바른고딕OTF" panose="02020603020101020101" pitchFamily="18" charset="-127"/>
               </a:endParaRPr>
@@ -3336,13 +3316,6 @@
   <p:clrMapOvr>
     <a:masterClrMapping/>
   </p:clrMapOvr>
-  <p:timing>
-    <p:tnLst>
-      <p:par>
-        <p:cTn id="1" dur="indefinite" restart="never" nodeType="tmRoot"/>
-      </p:par>
-    </p:tnLst>
-  </p:timing>
 </p:sld>
 </file>
 
@@ -3484,42 +3457,42 @@
             <a:lstStyle/>
             <a:p>
               <a:r>
-                <a:rPr lang="en-US" altLang="ko-KR" sz="2800" spc="-150" dirty="0" smtClean="0">
+                <a:rPr lang="en-US" altLang="ko-KR" sz="2800" spc="-150" dirty="0">
                   <a:latin typeface="나눔바른고딕OTF" panose="02020603020101020101" pitchFamily="18" charset="-127"/>
                   <a:ea typeface="나눔바른고딕OTF" panose="02020603020101020101" pitchFamily="18" charset="-127"/>
                 </a:rPr>
                 <a:t>NoSQL </a:t>
               </a:r>
               <a:r>
-                <a:rPr lang="ko-KR" altLang="en-US" sz="2800" spc="-150" dirty="0" smtClean="0">
+                <a:rPr lang="ko-KR" altLang="en-US" sz="2800" spc="-150" dirty="0">
                   <a:latin typeface="나눔바른고딕OTF" panose="02020603020101020101" pitchFamily="18" charset="-127"/>
                   <a:ea typeface="나눔바른고딕OTF" panose="02020603020101020101" pitchFamily="18" charset="-127"/>
                 </a:rPr>
                 <a:t>마케팅</a:t>
               </a:r>
               <a:r>
-                <a:rPr lang="en-US" altLang="ko-KR" sz="2800" spc="-150" dirty="0" smtClean="0">
+                <a:rPr lang="en-US" altLang="ko-KR" sz="2800" spc="-150" dirty="0">
                   <a:latin typeface="나눔바른고딕OTF" panose="02020603020101020101" pitchFamily="18" charset="-127"/>
                   <a:ea typeface="나눔바른고딕OTF" panose="02020603020101020101" pitchFamily="18" charset="-127"/>
                 </a:rPr>
                 <a:t>/</a:t>
               </a:r>
               <a:r>
-                <a:rPr lang="ko-KR" altLang="en-US" sz="2800" spc="-150" dirty="0" smtClean="0">
+                <a:rPr lang="ko-KR" altLang="en-US" sz="2800" spc="-150" dirty="0">
                   <a:latin typeface="나눔바른고딕OTF" panose="02020603020101020101" pitchFamily="18" charset="-127"/>
                   <a:ea typeface="나눔바른고딕OTF" panose="02020603020101020101" pitchFamily="18" charset="-127"/>
                 </a:rPr>
                 <a:t>기술영업 전문가 채용</a:t>
               </a:r>
               <a:r>
-                <a:rPr lang="ko-KR" altLang="en-US" sz="2800" dirty="0" smtClean="0">
+                <a:rPr lang="ko-KR" altLang="en-US" sz="2800" dirty="0">
                   <a:latin typeface="나눔바른고딕OTF" panose="02020603020101020101" pitchFamily="18" charset="-127"/>
                   <a:ea typeface="나눔바른고딕OTF" panose="02020603020101020101" pitchFamily="18" charset="-127"/>
                 </a:rPr>
                 <a:t> </a:t>
               </a:r>
               <a:r>
-                <a:rPr lang="en-US" altLang="ko-KR" sz="2800" dirty="0" smtClean="0">
+                <a:rPr lang="en-US" altLang="ko-KR" sz="2800" dirty="0">
                   <a:latin typeface="나눔바른고딕OTF" panose="02020603020101020101" pitchFamily="18" charset="-127"/>
                   <a:ea typeface="나눔바른고딕OTF" panose="02020603020101020101" pitchFamily="18" charset="-127"/>
                 </a:rPr>
@@ -3585,7 +3558,7 @@
             <a:lstStyle/>
             <a:p>
               <a:r>
-                <a:rPr lang="en-US" altLang="ko-KR" sz="2000" dirty="0" smtClean="0">
+                <a:rPr lang="en-US" altLang="ko-KR" sz="2000" dirty="0">
                   <a:latin typeface="나눔바른고딕OTF" panose="02020603020101020101" pitchFamily="18" charset="-127"/>
                   <a:ea typeface="나눔바른고딕OTF" panose="02020603020101020101" pitchFamily="18" charset="-127"/>
                 </a:rPr>
@@ -3627,7 +3600,7 @@
                 <a:t>기술영업 경험과 전문성을 바탕으로 </a:t>
               </a:r>
               <a:r>
-                <a:rPr lang="en-US" altLang="ko-KR" sz="2000" dirty="0" smtClean="0">
+                <a:rPr lang="en-US" altLang="ko-KR" sz="2000" dirty="0">
                   <a:latin typeface="나눔바른고딕OTF" panose="02020603020101020101" pitchFamily="18" charset="-127"/>
                   <a:ea typeface="나눔바른고딕OTF" panose="02020603020101020101" pitchFamily="18" charset="-127"/>
                 </a:rPr>
@@ -3638,17 +3611,10 @@
                   <a:latin typeface="나눔바른고딕OTF" panose="02020603020101020101" pitchFamily="18" charset="-127"/>
                   <a:ea typeface="나눔바른고딕OTF" panose="02020603020101020101" pitchFamily="18" charset="-127"/>
                 </a:rPr>
-                <a:t>시장을 새로이 </a:t>
-              </a:r>
-              <a:r>
-                <a:rPr lang="ko-KR" altLang="en-US" sz="2000" dirty="0" smtClean="0">
-                  <a:latin typeface="나눔바른고딕OTF" panose="02020603020101020101" pitchFamily="18" charset="-127"/>
-                  <a:ea typeface="나눔바른고딕OTF" panose="02020603020101020101" pitchFamily="18" charset="-127"/>
-                </a:rPr>
-                <a:t>개척할 분을 기다립니다</a:t>
-              </a:r>
-              <a:r>
-                <a:rPr lang="en-US" altLang="ko-KR" sz="2000" dirty="0" smtClean="0">
+                <a:t>시장을 새로이 개척할 분을 기다립니다</a:t>
+              </a:r>
+              <a:r>
+                <a:rPr lang="en-US" altLang="ko-KR" sz="2000" dirty="0">
                   <a:latin typeface="나눔바른고딕OTF" panose="02020603020101020101" pitchFamily="18" charset="-127"/>
                   <a:ea typeface="나눔바른고딕OTF" panose="02020603020101020101" pitchFamily="18" charset="-127"/>
                 </a:rPr>
@@ -3668,13 +3634,6 @@
   <p:clrMapOvr>
     <a:masterClrMapping/>
   </p:clrMapOvr>
-  <p:timing>
-    <p:tnLst>
-      <p:par>
-        <p:cTn id="1" dur="indefinite" restart="never" nodeType="tmRoot"/>
-      </p:par>
-    </p:tnLst>
-  </p:timing>
 </p:sld>
 </file>
 
@@ -3839,28 +3798,28 @@
                 <a:lstStyle/>
                 <a:p>
                   <a:r>
-                    <a:rPr lang="en-US" altLang="ko-KR" sz="2800" spc="-150" dirty="0" smtClean="0">
+                    <a:rPr lang="en-US" altLang="ko-KR" sz="2800" spc="-150" dirty="0">
                       <a:latin typeface="나눔바른고딕OTF" panose="02020603020101020101" pitchFamily="18" charset="-127"/>
                       <a:ea typeface="나눔바른고딕OTF" panose="02020603020101020101" pitchFamily="18" charset="-127"/>
                     </a:rPr>
                     <a:t>NoSQL System SW </a:t>
                   </a:r>
                   <a:r>
-                    <a:rPr lang="ko-KR" altLang="en-US" sz="2800" spc="-150" dirty="0" smtClean="0">
+                    <a:rPr lang="ko-KR" altLang="en-US" sz="2800" spc="-150" dirty="0">
                       <a:latin typeface="나눔바른고딕OTF" panose="02020603020101020101" pitchFamily="18" charset="-127"/>
                       <a:ea typeface="나눔바른고딕OTF" panose="02020603020101020101" pitchFamily="18" charset="-127"/>
                     </a:rPr>
                     <a:t>개발자 채용</a:t>
                   </a:r>
                   <a:r>
-                    <a:rPr lang="ko-KR" altLang="en-US" sz="2800" dirty="0" smtClean="0">
+                    <a:rPr lang="ko-KR" altLang="en-US" sz="2800" dirty="0">
                       <a:latin typeface="나눔바른고딕OTF" panose="02020603020101020101" pitchFamily="18" charset="-127"/>
                       <a:ea typeface="나눔바른고딕OTF" panose="02020603020101020101" pitchFamily="18" charset="-127"/>
                     </a:rPr>
                     <a:t> </a:t>
                   </a:r>
                   <a:r>
-                    <a:rPr lang="en-US" altLang="ko-KR" sz="2800" dirty="0" smtClean="0">
+                    <a:rPr lang="en-US" altLang="ko-KR" sz="2800" dirty="0">
                       <a:latin typeface="나눔바른고딕OTF" panose="02020603020101020101" pitchFamily="18" charset="-127"/>
                       <a:ea typeface="나눔바른고딕OTF" panose="02020603020101020101" pitchFamily="18" charset="-127"/>
                     </a:rPr>
@@ -3928,7 +3887,7 @@
             <a:lstStyle/>
             <a:p>
               <a:r>
-                <a:rPr lang="en-US" altLang="ko-KR" sz="2000" dirty="0" smtClean="0">
+                <a:rPr lang="en-US" altLang="ko-KR" sz="2000" dirty="0">
                   <a:latin typeface="나눔바른고딕OTF" panose="02020603020101020101" pitchFamily="18" charset="-127"/>
                   <a:ea typeface="나눔바른고딕OTF" panose="02020603020101020101" pitchFamily="18" charset="-127"/>
                 </a:rPr>
@@ -3949,14 +3908,14 @@
                 <a:t>/</a:t>
               </a:r>
               <a:r>
-                <a:rPr lang="ko-KR" altLang="en-US" sz="2000" dirty="0" smtClean="0">
+                <a:rPr lang="ko-KR" altLang="en-US" sz="2000" dirty="0">
                   <a:latin typeface="나눔바른고딕OTF" panose="02020603020101020101" pitchFamily="18" charset="-127"/>
                   <a:ea typeface="나눔바른고딕OTF" panose="02020603020101020101" pitchFamily="18" charset="-127"/>
                 </a:rPr>
                 <a:t>개발합니다</a:t>
               </a:r>
               <a:r>
-                <a:rPr lang="en-US" altLang="ko-KR" sz="2000" dirty="0" smtClean="0">
+                <a:rPr lang="en-US" altLang="ko-KR" sz="2000" dirty="0">
                   <a:latin typeface="나눔바른고딕OTF" panose="02020603020101020101" pitchFamily="18" charset="-127"/>
                   <a:ea typeface="나눔바른고딕OTF" panose="02020603020101020101" pitchFamily="18" charset="-127"/>
                 </a:rPr>
@@ -3965,35 +3924,35 @@
             </a:p>
             <a:p>
               <a:r>
-                <a:rPr lang="en-US" altLang="ko-KR" sz="2000" dirty="0" smtClean="0">
+                <a:rPr lang="en-US" altLang="ko-KR" sz="2000" dirty="0">
                   <a:latin typeface="나눔바른고딕OTF" panose="02020603020101020101" pitchFamily="18" charset="-127"/>
                   <a:ea typeface="나눔바른고딕OTF" panose="02020603020101020101" pitchFamily="18" charset="-127"/>
                 </a:rPr>
                 <a:t>NoSQL System </a:t>
               </a:r>
               <a:r>
-                <a:rPr lang="ko-KR" altLang="en-US" sz="2000" dirty="0" smtClean="0">
+                <a:rPr lang="ko-KR" altLang="en-US" sz="2000" dirty="0">
                   <a:latin typeface="나눔바른고딕OTF" panose="02020603020101020101" pitchFamily="18" charset="-127"/>
                   <a:ea typeface="나눔바른고딕OTF" panose="02020603020101020101" pitchFamily="18" charset="-127"/>
                 </a:rPr>
                 <a:t>개발 방향을 결정하며</a:t>
               </a:r>
               <a:r>
-                <a:rPr lang="en-US" altLang="ko-KR" sz="2000" dirty="0" smtClean="0">
+                <a:rPr lang="en-US" altLang="ko-KR" sz="2000" dirty="0">
                   <a:latin typeface="나눔바른고딕OTF" panose="02020603020101020101" pitchFamily="18" charset="-127"/>
                   <a:ea typeface="나눔바른고딕OTF" panose="02020603020101020101" pitchFamily="18" charset="-127"/>
                 </a:rPr>
                 <a:t>, </a:t>
               </a:r>
               <a:r>
-                <a:rPr lang="ko-KR" altLang="en-US" sz="2000" dirty="0" smtClean="0">
+                <a:rPr lang="ko-KR" altLang="en-US" sz="2000" dirty="0">
                   <a:latin typeface="나눔바른고딕OTF" panose="02020603020101020101" pitchFamily="18" charset="-127"/>
                   <a:ea typeface="나눔바른고딕OTF" panose="02020603020101020101" pitchFamily="18" charset="-127"/>
                 </a:rPr>
                 <a:t>기반 기술의 이해와 공유</a:t>
               </a:r>
               <a:r>
-                <a:rPr lang="en-US" altLang="ko-KR" sz="2000" dirty="0" smtClean="0">
+                <a:rPr lang="en-US" altLang="ko-KR" sz="2000" dirty="0">
                   <a:latin typeface="나눔바른고딕OTF" panose="02020603020101020101" pitchFamily="18" charset="-127"/>
                   <a:ea typeface="나눔바른고딕OTF" panose="02020603020101020101" pitchFamily="18" charset="-127"/>
                 </a:rPr>
@@ -4002,14 +3961,14 @@
             </a:p>
             <a:p>
               <a:r>
-                <a:rPr lang="ko-KR" altLang="en-US" sz="2000" dirty="0" smtClean="0">
+                <a:rPr lang="ko-KR" altLang="en-US" sz="2000" dirty="0">
                   <a:latin typeface="나눔바른고딕OTF" panose="02020603020101020101" pitchFamily="18" charset="-127"/>
                   <a:ea typeface="나눔바른고딕OTF" panose="02020603020101020101" pitchFamily="18" charset="-127"/>
                 </a:rPr>
                 <a:t>실제 개발과 테스트를 통해 직접 만들어 갈 개발자를 모집합니다</a:t>
               </a:r>
               <a:r>
-                <a:rPr lang="en-US" altLang="ko-KR" sz="2000" dirty="0" smtClean="0">
+                <a:rPr lang="en-US" altLang="ko-KR" sz="2000" dirty="0">
                   <a:latin typeface="나눔바른고딕OTF" panose="02020603020101020101" pitchFamily="18" charset="-127"/>
                   <a:ea typeface="나눔바른고딕OTF" panose="02020603020101020101" pitchFamily="18" charset="-127"/>
                 </a:rPr>
@@ -4042,7 +4001,7 @@
             <a:p>
               <a:pPr algn="ctr"/>
               <a:r>
-                <a:rPr lang="en-US" altLang="ko-KR" sz="2400" spc="-150" dirty="0" smtClean="0">
+                <a:rPr lang="en-US" altLang="ko-KR" sz="2400" spc="-150" dirty="0">
                   <a:latin typeface="나눔바른고딕OTF" panose="02020603020101020101" pitchFamily="18" charset="-127"/>
                   <a:ea typeface="나눔바른고딕OTF" panose="02020603020101020101" pitchFamily="18" charset="-127"/>
                 </a:rPr>
@@ -4062,13 +4021,6 @@
   <p:clrMapOvr>
     <a:masterClrMapping/>
   </p:clrMapOvr>
-  <p:timing>
-    <p:tnLst>
-      <p:par>
-        <p:cTn id="1" dur="indefinite" restart="never" nodeType="tmRoot"/>
-      </p:par>
-    </p:tnLst>
-  </p:timing>
 </p:sld>
 </file>
 
@@ -4210,42 +4162,42 @@
             <a:lstStyle/>
             <a:p>
               <a:r>
-                <a:rPr lang="en-US" altLang="ko-KR" sz="2800" spc="-150" dirty="0" smtClean="0">
+                <a:rPr lang="en-US" altLang="ko-KR" sz="2800" spc="-150" dirty="0">
                   <a:latin typeface="나눔바른고딕OTF" panose="02020603020101020101" pitchFamily="18" charset="-127"/>
                   <a:ea typeface="나눔바른고딕OTF" panose="02020603020101020101" pitchFamily="18" charset="-127"/>
                 </a:rPr>
                 <a:t>NoSQL </a:t>
               </a:r>
               <a:r>
-                <a:rPr lang="ko-KR" altLang="en-US" sz="2800" spc="-150" dirty="0" smtClean="0">
+                <a:rPr lang="ko-KR" altLang="en-US" sz="2800" spc="-150" dirty="0">
                   <a:latin typeface="나눔바른고딕OTF" panose="02020603020101020101" pitchFamily="18" charset="-127"/>
                   <a:ea typeface="나눔바른고딕OTF" panose="02020603020101020101" pitchFamily="18" charset="-127"/>
                 </a:rPr>
                 <a:t>마케팅</a:t>
               </a:r>
               <a:r>
-                <a:rPr lang="en-US" altLang="ko-KR" sz="2800" spc="-150" dirty="0" smtClean="0">
+                <a:rPr lang="en-US" altLang="ko-KR" sz="2800" spc="-150" dirty="0">
                   <a:latin typeface="나눔바른고딕OTF" panose="02020603020101020101" pitchFamily="18" charset="-127"/>
                   <a:ea typeface="나눔바른고딕OTF" panose="02020603020101020101" pitchFamily="18" charset="-127"/>
                 </a:rPr>
                 <a:t>/</a:t>
               </a:r>
               <a:r>
-                <a:rPr lang="ko-KR" altLang="en-US" sz="2800" spc="-150" dirty="0" smtClean="0">
+                <a:rPr lang="ko-KR" altLang="en-US" sz="2800" spc="-150" dirty="0">
                   <a:latin typeface="나눔바른고딕OTF" panose="02020603020101020101" pitchFamily="18" charset="-127"/>
                   <a:ea typeface="나눔바른고딕OTF" panose="02020603020101020101" pitchFamily="18" charset="-127"/>
                 </a:rPr>
                 <a:t>기술영업 전문가 채용</a:t>
               </a:r>
               <a:r>
-                <a:rPr lang="ko-KR" altLang="en-US" sz="2800" dirty="0" smtClean="0">
+                <a:rPr lang="ko-KR" altLang="en-US" sz="2800" dirty="0">
                   <a:latin typeface="나눔바른고딕OTF" panose="02020603020101020101" pitchFamily="18" charset="-127"/>
                   <a:ea typeface="나눔바른고딕OTF" panose="02020603020101020101" pitchFamily="18" charset="-127"/>
                 </a:rPr>
                 <a:t> </a:t>
               </a:r>
               <a:r>
-                <a:rPr lang="en-US" altLang="ko-KR" sz="2800" dirty="0" smtClean="0">
+                <a:rPr lang="en-US" altLang="ko-KR" sz="2800" dirty="0">
                   <a:latin typeface="나눔바른고딕OTF" panose="02020603020101020101" pitchFamily="18" charset="-127"/>
                   <a:ea typeface="나눔바른고딕OTF" panose="02020603020101020101" pitchFamily="18" charset="-127"/>
                 </a:rPr>
@@ -4311,7 +4263,7 @@
             <a:lstStyle/>
             <a:p>
               <a:r>
-                <a:rPr lang="en-US" altLang="ko-KR" sz="2000" dirty="0" smtClean="0">
+                <a:rPr lang="en-US" altLang="ko-KR" sz="2000" dirty="0">
                   <a:latin typeface="나눔바른고딕OTF" panose="02020603020101020101" pitchFamily="18" charset="-127"/>
                   <a:ea typeface="나눔바른고딕OTF" panose="02020603020101020101" pitchFamily="18" charset="-127"/>
                 </a:rPr>
@@ -4353,7 +4305,7 @@
                 <a:t>기술영업 경험과 전문성을 바탕으로 </a:t>
               </a:r>
               <a:r>
-                <a:rPr lang="en-US" altLang="ko-KR" sz="2000" dirty="0" smtClean="0">
+                <a:rPr lang="en-US" altLang="ko-KR" sz="2000" dirty="0">
                   <a:latin typeface="나눔바른고딕OTF" panose="02020603020101020101" pitchFamily="18" charset="-127"/>
                   <a:ea typeface="나눔바른고딕OTF" panose="02020603020101020101" pitchFamily="18" charset="-127"/>
                 </a:rPr>
@@ -4364,17 +4316,10 @@
                   <a:latin typeface="나눔바른고딕OTF" panose="02020603020101020101" pitchFamily="18" charset="-127"/>
                   <a:ea typeface="나눔바른고딕OTF" panose="02020603020101020101" pitchFamily="18" charset="-127"/>
                 </a:rPr>
-                <a:t>시장을 새로이 </a:t>
-              </a:r>
-              <a:r>
-                <a:rPr lang="ko-KR" altLang="en-US" sz="2000" dirty="0" smtClean="0">
-                  <a:latin typeface="나눔바른고딕OTF" panose="02020603020101020101" pitchFamily="18" charset="-127"/>
-                  <a:ea typeface="나눔바른고딕OTF" panose="02020603020101020101" pitchFamily="18" charset="-127"/>
-                </a:rPr>
-                <a:t>개척할 분을 기다립니다</a:t>
-              </a:r>
-              <a:r>
-                <a:rPr lang="en-US" altLang="ko-KR" sz="2000" dirty="0" smtClean="0">
+                <a:t>시장을 새로이 개척할 분을 기다립니다</a:t>
+              </a:r>
+              <a:r>
+                <a:rPr lang="en-US" altLang="ko-KR" sz="2000" dirty="0">
                   <a:latin typeface="나눔바른고딕OTF" panose="02020603020101020101" pitchFamily="18" charset="-127"/>
                   <a:ea typeface="나눔바른고딕OTF" panose="02020603020101020101" pitchFamily="18" charset="-127"/>
                 </a:rPr>
@@ -4407,7 +4352,7 @@
             <a:p>
               <a:pPr algn="ctr"/>
               <a:r>
-                <a:rPr lang="en-US" altLang="ko-KR" sz="2400" spc="-150" dirty="0" smtClean="0">
+                <a:rPr lang="en-US" altLang="ko-KR" sz="2400" spc="-150" dirty="0">
                   <a:latin typeface="나눔바른고딕OTF" panose="02020603020101020101" pitchFamily="18" charset="-127"/>
                   <a:ea typeface="나눔바른고딕OTF" panose="02020603020101020101" pitchFamily="18" charset="-127"/>
                 </a:rPr>
@@ -4427,13 +4372,469 @@
   <p:clrMapOvr>
     <a:masterClrMapping/>
   </p:clrMapOvr>
-  <p:timing>
-    <p:tnLst>
-      <p:par>
-        <p:cTn id="1" dur="indefinite" restart="never" nodeType="tmRoot"/>
-      </p:par>
-    </p:tnLst>
-  </p:timing>
+</p:sld>
+</file>
+
+<file path=ppt/slides/slide5.xml><?xml version="1.0" encoding="utf-8"?>
+<p:sld xmlns:a="http://schemas.openxmlformats.org/drawingml/2006/main" xmlns:r="http://schemas.openxmlformats.org/officeDocument/2006/relationships" xmlns:p="http://schemas.openxmlformats.org/presentationml/2006/main">
+  <p:cSld>
+    <p:spTree>
+      <p:nvGrpSpPr>
+        <p:cNvPr id="1" name=""/>
+        <p:cNvGrpSpPr/>
+        <p:nvPr/>
+      </p:nvGrpSpPr>
+      <p:grpSpPr>
+        <a:xfrm>
+          <a:off x="0" y="0"/>
+          <a:ext cx="0" cy="0"/>
+          <a:chOff x="0" y="0"/>
+          <a:chExt cx="0" cy="0"/>
+        </a:xfrm>
+      </p:grpSpPr>
+      <p:sp>
+        <p:nvSpPr>
+          <p:cNvPr id="11" name="TextBox 10"/>
+          <p:cNvSpPr txBox="1"/>
+          <p:nvPr/>
+        </p:nvSpPr>
+        <p:spPr>
+          <a:xfrm>
+            <a:off x="3781211" y="2867049"/>
+            <a:ext cx="3306842" cy="461665"/>
+          </a:xfrm>
+          <a:prstGeom prst="rect">
+            <a:avLst/>
+          </a:prstGeom>
+          <a:noFill/>
+        </p:spPr>
+        <p:txBody>
+          <a:bodyPr wrap="square" rtlCol="0" anchor="ctr">
+            <a:spAutoFit/>
+          </a:bodyPr>
+          <a:lstStyle/>
+          <a:p>
+            <a:pPr algn="ctr"/>
+            <a:endParaRPr lang="en-US" altLang="ko-KR" sz="2400" spc="-150" dirty="0">
+              <a:latin typeface="나눔바른고딕OTF" panose="02020603020101020101" pitchFamily="18" charset="-127"/>
+              <a:ea typeface="나눔바른고딕OTF" panose="02020603020101020101" pitchFamily="18" charset="-127"/>
+            </a:endParaRPr>
+          </a:p>
+        </p:txBody>
+      </p:sp>
+      <p:grpSp>
+        <p:nvGrpSpPr>
+          <p:cNvPr id="4" name="그룹 3">
+            <a:extLst>
+              <a:ext uri="{FF2B5EF4-FFF2-40B4-BE49-F238E27FC236}">
+                <a16:creationId xmlns:a16="http://schemas.microsoft.com/office/drawing/2014/main" id="{3CA7E403-8D2D-4212-8B2E-D315574935DD}"/>
+              </a:ext>
+            </a:extLst>
+          </p:cNvPr>
+          <p:cNvGrpSpPr/>
+          <p:nvPr/>
+        </p:nvGrpSpPr>
+        <p:grpSpPr>
+          <a:xfrm>
+            <a:off x="1269311" y="1378396"/>
+            <a:ext cx="9653378" cy="4101208"/>
+            <a:chOff x="1269311" y="1378396"/>
+            <a:chExt cx="9653378" cy="4101208"/>
+          </a:xfrm>
+        </p:grpSpPr>
+        <p:grpSp>
+          <p:nvGrpSpPr>
+            <p:cNvPr id="16" name="그룹 15">
+              <a:extLst>
+                <a:ext uri="{FF2B5EF4-FFF2-40B4-BE49-F238E27FC236}">
+                  <a16:creationId xmlns:a16="http://schemas.microsoft.com/office/drawing/2014/main" id="{7EE0F14D-20D4-4802-AA8D-341A20D2C56A}"/>
+                </a:ext>
+              </a:extLst>
+            </p:cNvPr>
+            <p:cNvGrpSpPr/>
+            <p:nvPr/>
+          </p:nvGrpSpPr>
+          <p:grpSpPr>
+            <a:xfrm>
+              <a:off x="1269311" y="1378396"/>
+              <a:ext cx="9653378" cy="4101208"/>
+              <a:chOff x="1269311" y="1047277"/>
+              <a:chExt cx="9653378" cy="4101208"/>
+            </a:xfrm>
+          </p:grpSpPr>
+          <p:sp>
+            <p:nvSpPr>
+              <p:cNvPr id="2" name="직사각형 1"/>
+              <p:cNvSpPr/>
+              <p:nvPr/>
+            </p:nvSpPr>
+            <p:spPr>
+              <a:xfrm>
+                <a:off x="1269311" y="1047277"/>
+                <a:ext cx="9653378" cy="4101208"/>
+              </a:xfrm>
+              <a:prstGeom prst="rect">
+                <a:avLst/>
+              </a:prstGeom>
+              <a:gradFill flip="none" rotWithShape="1">
+                <a:gsLst>
+                  <a:gs pos="0">
+                    <a:schemeClr val="accent1">
+                      <a:lumMod val="5000"/>
+                      <a:lumOff val="95000"/>
+                    </a:schemeClr>
+                  </a:gs>
+                  <a:gs pos="74000">
+                    <a:schemeClr val="accent1">
+                      <a:lumMod val="45000"/>
+                      <a:lumOff val="55000"/>
+                    </a:schemeClr>
+                  </a:gs>
+                  <a:gs pos="83000">
+                    <a:schemeClr val="accent1">
+                      <a:lumMod val="45000"/>
+                      <a:lumOff val="55000"/>
+                    </a:schemeClr>
+                  </a:gs>
+                  <a:gs pos="100000">
+                    <a:schemeClr val="accent1">
+                      <a:lumMod val="30000"/>
+                      <a:lumOff val="70000"/>
+                    </a:schemeClr>
+                  </a:gs>
+                </a:gsLst>
+                <a:lin ang="5400000" scaled="1"/>
+                <a:tileRect/>
+              </a:gradFill>
+              <a:ln>
+                <a:noFill/>
+              </a:ln>
+            </p:spPr>
+            <p:style>
+              <a:lnRef idx="2">
+                <a:schemeClr val="accent1">
+                  <a:shade val="50000"/>
+                </a:schemeClr>
+              </a:lnRef>
+              <a:fillRef idx="1">
+                <a:schemeClr val="accent1"/>
+              </a:fillRef>
+              <a:effectRef idx="0">
+                <a:schemeClr val="accent1"/>
+              </a:effectRef>
+              <a:fontRef idx="minor">
+                <a:schemeClr val="lt1"/>
+              </a:fontRef>
+            </p:style>
+            <p:txBody>
+              <a:bodyPr rtlCol="0" anchor="ctr"/>
+              <a:lstStyle/>
+              <a:p>
+                <a:pPr algn="ctr"/>
+                <a:endParaRPr lang="ko-KR" altLang="en-US" dirty="0"/>
+              </a:p>
+            </p:txBody>
+          </p:sp>
+          <p:pic>
+            <p:nvPicPr>
+              <p:cNvPr id="3" name="그림 2"/>
+              <p:cNvPicPr>
+                <a:picLocks noChangeAspect="1"/>
+              </p:cNvPicPr>
+              <p:nvPr/>
+            </p:nvPicPr>
+            <p:blipFill>
+              <a:blip r:embed="rId2" cstate="print">
+                <a:extLst>
+                  <a:ext uri="{28A0092B-C50C-407E-A947-70E740481C1C}">
+                    <a14:useLocalDpi xmlns:a14="http://schemas.microsoft.com/office/drawing/2010/main" val="0"/>
+                  </a:ext>
+                </a:extLst>
+              </a:blip>
+              <a:stretch>
+                <a:fillRect/>
+              </a:stretch>
+            </p:blipFill>
+            <p:spPr>
+              <a:xfrm>
+                <a:off x="3618688" y="1500287"/>
+                <a:ext cx="4954624" cy="548666"/>
+              </a:xfrm>
+              <a:prstGeom prst="rect">
+                <a:avLst/>
+              </a:prstGeom>
+            </p:spPr>
+          </p:pic>
+          <p:sp>
+            <p:nvSpPr>
+              <p:cNvPr id="5" name="TextBox 4"/>
+              <p:cNvSpPr txBox="1"/>
+              <p:nvPr/>
+            </p:nvSpPr>
+            <p:spPr>
+              <a:xfrm>
+                <a:off x="3158090" y="2238529"/>
+                <a:ext cx="4188825" cy="523220"/>
+              </a:xfrm>
+              <a:prstGeom prst="rect">
+                <a:avLst/>
+              </a:prstGeom>
+              <a:noFill/>
+            </p:spPr>
+            <p:txBody>
+              <a:bodyPr wrap="square" rtlCol="0" anchor="ctr">
+                <a:spAutoFit/>
+              </a:bodyPr>
+              <a:lstStyle/>
+              <a:p>
+                <a:r>
+                  <a:rPr lang="en-US" altLang="ko-KR" sz="2800" dirty="0">
+                    <a:latin typeface="나눔바른고딕" panose="020B0603020101020101" pitchFamily="50" charset="-127"/>
+                    <a:ea typeface="나눔바른고딕" panose="020B0603020101020101" pitchFamily="50" charset="-127"/>
+                  </a:rPr>
+                  <a:t>ARCUS </a:t>
+                </a:r>
+                <a:r>
+                  <a:rPr lang="ko-KR" altLang="en-US" sz="2800" dirty="0">
+                    <a:latin typeface="나눔바른고딕" panose="020B0603020101020101" pitchFamily="50" charset="-127"/>
+                    <a:ea typeface="나눔바른고딕" panose="020B0603020101020101" pitchFamily="50" charset="-127"/>
+                  </a:rPr>
+                  <a:t>응용개발자 채용 </a:t>
+                </a:r>
+                <a:r>
+                  <a:rPr lang="en-US" altLang="ko-KR" sz="2800" dirty="0">
+                    <a:latin typeface="나눔바른고딕" panose="020B0603020101020101" pitchFamily="50" charset="-127"/>
+                    <a:ea typeface="나눔바른고딕" panose="020B0603020101020101" pitchFamily="50" charset="-127"/>
+                  </a:rPr>
+                  <a:t>@ </a:t>
+                </a:r>
+                <a:endParaRPr lang="ko-KR" altLang="en-US" sz="2800" dirty="0">
+                  <a:latin typeface="나눔바른고딕" panose="020B0603020101020101" pitchFamily="50" charset="-127"/>
+                  <a:ea typeface="나눔바른고딕" panose="020B0603020101020101" pitchFamily="50" charset="-127"/>
+                </a:endParaRPr>
+              </a:p>
+            </p:txBody>
+          </p:sp>
+          <p:sp>
+            <p:nvSpPr>
+              <p:cNvPr id="10" name="TextBox 9"/>
+              <p:cNvSpPr txBox="1"/>
+              <p:nvPr/>
+            </p:nvSpPr>
+            <p:spPr>
+              <a:xfrm>
+                <a:off x="1648697" y="3742309"/>
+                <a:ext cx="8894601" cy="707886"/>
+              </a:xfrm>
+              <a:prstGeom prst="rect">
+                <a:avLst/>
+              </a:prstGeom>
+              <a:noFill/>
+            </p:spPr>
+            <p:txBody>
+              <a:bodyPr wrap="square" rtlCol="0" anchor="ctr">
+                <a:spAutoFit/>
+              </a:bodyPr>
+              <a:lstStyle/>
+              <a:p>
+                <a:r>
+                  <a:rPr lang="en-US" altLang="ko-KR" sz="2000" dirty="0">
+                    <a:latin typeface="나눔바른고딕" panose="020B0603020101020101" pitchFamily="50" charset="-127"/>
+                    <a:ea typeface="나눔바른고딕" panose="020B0603020101020101" pitchFamily="50" charset="-127"/>
+                  </a:rPr>
+                  <a:t>ARCUS </a:t>
+                </a:r>
+                <a:r>
+                  <a:rPr lang="ko-KR" altLang="en-US" sz="2000" dirty="0">
+                    <a:latin typeface="나눔바른고딕" panose="020B0603020101020101" pitchFamily="50" charset="-127"/>
+                    <a:ea typeface="나눔바른고딕" panose="020B0603020101020101" pitchFamily="50" charset="-127"/>
+                  </a:rPr>
+                  <a:t>사용 확대를 위한 공통 모듈과 도구 개발</a:t>
+                </a:r>
+                <a:r>
+                  <a:rPr lang="en-US" altLang="ko-KR" sz="2000" dirty="0">
+                    <a:latin typeface="나눔바른고딕" panose="020B0603020101020101" pitchFamily="50" charset="-127"/>
+                    <a:ea typeface="나눔바른고딕" panose="020B0603020101020101" pitchFamily="50" charset="-127"/>
+                  </a:rPr>
+                  <a:t>, </a:t>
+                </a:r>
+                <a:r>
+                  <a:rPr lang="ko-KR" altLang="en-US" sz="2000" dirty="0">
+                    <a:latin typeface="나눔바른고딕" panose="020B0603020101020101" pitchFamily="50" charset="-127"/>
+                    <a:ea typeface="나눔바른고딕" panose="020B0603020101020101" pitchFamily="50" charset="-127"/>
+                  </a:rPr>
+                  <a:t>클라우드 환경에서의 </a:t>
+                </a:r>
+                <a:r>
+                  <a:rPr lang="en-US" altLang="ko-KR" sz="2000" dirty="0">
+                    <a:latin typeface="나눔바른고딕" panose="020B0603020101020101" pitchFamily="50" charset="-127"/>
+                    <a:ea typeface="나눔바른고딕" panose="020B0603020101020101" pitchFamily="50" charset="-127"/>
+                  </a:rPr>
+                  <a:t>ARCUS </a:t>
+                </a:r>
+                <a:r>
+                  <a:rPr lang="ko-KR" altLang="en-US" sz="2000" dirty="0">
+                    <a:latin typeface="나눔바른고딕" panose="020B0603020101020101" pitchFamily="50" charset="-127"/>
+                    <a:ea typeface="나눔바른고딕" panose="020B0603020101020101" pitchFamily="50" charset="-127"/>
+                  </a:rPr>
+                  <a:t>서비스 </a:t>
+                </a:r>
+                <a:endParaRPr lang="en-US" altLang="ko-KR" sz="2000" dirty="0">
+                  <a:latin typeface="나눔바른고딕" panose="020B0603020101020101" pitchFamily="50" charset="-127"/>
+                  <a:ea typeface="나눔바른고딕" panose="020B0603020101020101" pitchFamily="50" charset="-127"/>
+                </a:endParaRPr>
+              </a:p>
+              <a:p>
+                <a:r>
+                  <a:rPr lang="ko-KR" altLang="en-US" sz="2000" dirty="0">
+                    <a:latin typeface="나눔바른고딕" panose="020B0603020101020101" pitchFamily="50" charset="-127"/>
+                    <a:ea typeface="나눔바른고딕" panose="020B0603020101020101" pitchFamily="50" charset="-127"/>
+                  </a:rPr>
+                  <a:t>개발</a:t>
+                </a:r>
+                <a:r>
+                  <a:rPr lang="en-US" altLang="ko-KR" sz="2000" dirty="0">
+                    <a:latin typeface="나눔바른고딕" panose="020B0603020101020101" pitchFamily="50" charset="-127"/>
+                    <a:ea typeface="나눔바른고딕" panose="020B0603020101020101" pitchFamily="50" charset="-127"/>
+                  </a:rPr>
+                  <a:t>, </a:t>
+                </a:r>
+                <a:r>
+                  <a:rPr lang="ko-KR" altLang="en-US" sz="2000" dirty="0">
+                    <a:latin typeface="나눔바른고딕" panose="020B0603020101020101" pitchFamily="50" charset="-127"/>
+                    <a:ea typeface="나눔바른고딕" panose="020B0603020101020101" pitchFamily="50" charset="-127"/>
+                  </a:rPr>
+                  <a:t>그 외 다양한 응용 기술들을 </a:t>
+                </a:r>
+                <a:r>
+                  <a:rPr lang="ko-KR" altLang="en-US" sz="2000" dirty="0" err="1">
+                    <a:latin typeface="나눔바른고딕" panose="020B0603020101020101" pitchFamily="50" charset="-127"/>
+                    <a:ea typeface="나눔바른고딕" panose="020B0603020101020101" pitchFamily="50" charset="-127"/>
+                  </a:rPr>
+                  <a:t>만들어나갈</a:t>
+                </a:r>
+                <a:r>
+                  <a:rPr lang="ko-KR" altLang="en-US" sz="2000" dirty="0">
+                    <a:latin typeface="나눔바른고딕" panose="020B0603020101020101" pitchFamily="50" charset="-127"/>
+                    <a:ea typeface="나눔바른고딕" panose="020B0603020101020101" pitchFamily="50" charset="-127"/>
+                  </a:rPr>
+                  <a:t> </a:t>
+                </a:r>
+                <a:r>
+                  <a:rPr lang="en-US" altLang="ko-KR" sz="2000" dirty="0">
+                    <a:latin typeface="나눔바른고딕" panose="020B0603020101020101" pitchFamily="50" charset="-127"/>
+                    <a:ea typeface="나눔바른고딕" panose="020B0603020101020101" pitchFamily="50" charset="-127"/>
+                  </a:rPr>
+                  <a:t>ARCUS</a:t>
+                </a:r>
+                <a:r>
+                  <a:rPr lang="ko-KR" altLang="en-US" sz="2000" dirty="0">
+                    <a:latin typeface="나눔바른고딕" panose="020B0603020101020101" pitchFamily="50" charset="-127"/>
+                    <a:ea typeface="나눔바른고딕" panose="020B0603020101020101" pitchFamily="50" charset="-127"/>
+                  </a:rPr>
+                  <a:t> 응용 개발자를 모집합니다</a:t>
+                </a:r>
+                <a:r>
+                  <a:rPr lang="en-US" altLang="ko-KR" sz="2000" dirty="0">
+                    <a:latin typeface="나눔바른고딕" panose="020B0603020101020101" pitchFamily="50" charset="-127"/>
+                    <a:ea typeface="나눔바른고딕" panose="020B0603020101020101" pitchFamily="50" charset="-127"/>
+                  </a:rPr>
+                  <a:t>.</a:t>
+                </a:r>
+              </a:p>
+            </p:txBody>
+          </p:sp>
+          <p:sp>
+            <p:nvSpPr>
+              <p:cNvPr id="15" name="TextBox 14">
+                <a:extLst>
+                  <a:ext uri="{FF2B5EF4-FFF2-40B4-BE49-F238E27FC236}">
+                    <a16:creationId xmlns:a16="http://schemas.microsoft.com/office/drawing/2014/main" id="{3CE07A17-2E86-4222-BEAF-0FD6B46B0FB2}"/>
+                  </a:ext>
+                </a:extLst>
+              </p:cNvPr>
+              <p:cNvSpPr txBox="1"/>
+              <p:nvPr/>
+            </p:nvSpPr>
+            <p:spPr>
+              <a:xfrm>
+                <a:off x="4001586" y="2761748"/>
+                <a:ext cx="4188825" cy="523220"/>
+              </a:xfrm>
+              <a:prstGeom prst="rect">
+                <a:avLst/>
+              </a:prstGeom>
+              <a:noFill/>
+            </p:spPr>
+            <p:txBody>
+              <a:bodyPr wrap="square" rtlCol="0" anchor="ctr">
+                <a:spAutoFit/>
+              </a:bodyPr>
+              <a:lstStyle/>
+              <a:p>
+                <a:pPr algn="ctr"/>
+                <a:r>
+                  <a:rPr lang="en-US" altLang="ko-KR" sz="2800" dirty="0">
+                    <a:latin typeface="나눔바른고딕" panose="020B0603020101020101" pitchFamily="50" charset="-127"/>
+                    <a:ea typeface="나눔바른고딕" panose="020B0603020101020101" pitchFamily="50" charset="-127"/>
+                  </a:rPr>
+                  <a:t>(2019 6/11 ~ 6/30)</a:t>
+                </a:r>
+                <a:endParaRPr lang="ko-KR" altLang="en-US" sz="2800" dirty="0">
+                  <a:latin typeface="나눔바른고딕" panose="020B0603020101020101" pitchFamily="50" charset="-127"/>
+                  <a:ea typeface="나눔바른고딕" panose="020B0603020101020101" pitchFamily="50" charset="-127"/>
+                </a:endParaRPr>
+              </a:p>
+            </p:txBody>
+          </p:sp>
+        </p:grpSp>
+        <p:pic>
+          <p:nvPicPr>
+            <p:cNvPr id="12" name="그림 11">
+              <a:extLst>
+                <a:ext uri="{FF2B5EF4-FFF2-40B4-BE49-F238E27FC236}">
+                  <a16:creationId xmlns:a16="http://schemas.microsoft.com/office/drawing/2014/main" id="{5FFB89BC-1E43-46F8-B710-A98076681D08}"/>
+                </a:ext>
+              </a:extLst>
+            </p:cNvPr>
+            <p:cNvPicPr>
+              <a:picLocks noChangeAspect="1"/>
+            </p:cNvPicPr>
+            <p:nvPr/>
+          </p:nvPicPr>
+          <p:blipFill>
+            <a:blip r:embed="rId3" cstate="print">
+              <a:extLst>
+                <a:ext uri="{28A0092B-C50C-407E-A947-70E740481C1C}">
+                  <a14:useLocalDpi xmlns:a14="http://schemas.microsoft.com/office/drawing/2010/main" val="0"/>
+                </a:ext>
+              </a:extLst>
+            </a:blip>
+            <a:stretch>
+              <a:fillRect/>
+            </a:stretch>
+          </p:blipFill>
+          <p:spPr>
+            <a:xfrm>
+              <a:off x="7346915" y="2632198"/>
+              <a:ext cx="1596121" cy="385729"/>
+            </a:xfrm>
+            <a:prstGeom prst="rect">
+              <a:avLst/>
+            </a:prstGeom>
+          </p:spPr>
+        </p:pic>
+      </p:grpSp>
+    </p:spTree>
+    <p:extLst>
+      <p:ext uri="{BB962C8B-B14F-4D97-AF65-F5344CB8AC3E}">
+        <p14:creationId xmlns:p14="http://schemas.microsoft.com/office/powerpoint/2010/main" val="3492641089"/>
+      </p:ext>
+    </p:extLst>
+  </p:cSld>
+  <p:clrMapOvr>
+    <a:masterClrMapping/>
+  </p:clrMapOvr>
 </p:sld>
 </file>
 

--- a/images/jam2in-job-posting-images.pptx
+++ b/images/jam2in-job-posting-images.pptx
@@ -9,7 +9,7 @@
     <p:sldId id="273" r:id="rId3"/>
     <p:sldId id="274" r:id="rId4"/>
     <p:sldId id="275" r:id="rId5"/>
-    <p:sldId id="276" r:id="rId6"/>
+    <p:sldId id="277" r:id="rId6"/>
   </p:sldIdLst>
   <p:sldSz cx="12192000" cy="6858000"/>
   <p:notesSz cx="6858000" cy="9144000"/>
@@ -245,7 +245,7 @@
           <a:p>
             <a:fld id="{65A0F5E7-3DC3-4D9B-9751-1720D23AB909}" type="datetimeFigureOut">
               <a:rPr lang="ko-KR" altLang="en-US" smtClean="0"/>
-              <a:t>2019-06-10</a:t>
+              <a:t>2019-06-11</a:t>
             </a:fld>
             <a:endParaRPr lang="ko-KR" altLang="en-US"/>
           </a:p>
@@ -413,7 +413,7 @@
           <a:p>
             <a:fld id="{65A0F5E7-3DC3-4D9B-9751-1720D23AB909}" type="datetimeFigureOut">
               <a:rPr lang="ko-KR" altLang="en-US" smtClean="0"/>
-              <a:t>2019-06-10</a:t>
+              <a:t>2019-06-11</a:t>
             </a:fld>
             <a:endParaRPr lang="ko-KR" altLang="en-US"/>
           </a:p>
@@ -591,7 +591,7 @@
           <a:p>
             <a:fld id="{65A0F5E7-3DC3-4D9B-9751-1720D23AB909}" type="datetimeFigureOut">
               <a:rPr lang="ko-KR" altLang="en-US" smtClean="0"/>
-              <a:t>2019-06-10</a:t>
+              <a:t>2019-06-11</a:t>
             </a:fld>
             <a:endParaRPr lang="ko-KR" altLang="en-US"/>
           </a:p>
@@ -759,7 +759,7 @@
           <a:p>
             <a:fld id="{65A0F5E7-3DC3-4D9B-9751-1720D23AB909}" type="datetimeFigureOut">
               <a:rPr lang="ko-KR" altLang="en-US" smtClean="0"/>
-              <a:t>2019-06-10</a:t>
+              <a:t>2019-06-11</a:t>
             </a:fld>
             <a:endParaRPr lang="ko-KR" altLang="en-US"/>
           </a:p>
@@ -1004,7 +1004,7 @@
           <a:p>
             <a:fld id="{65A0F5E7-3DC3-4D9B-9751-1720D23AB909}" type="datetimeFigureOut">
               <a:rPr lang="ko-KR" altLang="en-US" smtClean="0"/>
-              <a:t>2019-06-10</a:t>
+              <a:t>2019-06-11</a:t>
             </a:fld>
             <a:endParaRPr lang="ko-KR" altLang="en-US"/>
           </a:p>
@@ -1233,7 +1233,7 @@
           <a:p>
             <a:fld id="{65A0F5E7-3DC3-4D9B-9751-1720D23AB909}" type="datetimeFigureOut">
               <a:rPr lang="ko-KR" altLang="en-US" smtClean="0"/>
-              <a:t>2019-06-10</a:t>
+              <a:t>2019-06-11</a:t>
             </a:fld>
             <a:endParaRPr lang="ko-KR" altLang="en-US"/>
           </a:p>
@@ -1597,7 +1597,7 @@
           <a:p>
             <a:fld id="{65A0F5E7-3DC3-4D9B-9751-1720D23AB909}" type="datetimeFigureOut">
               <a:rPr lang="ko-KR" altLang="en-US" smtClean="0"/>
-              <a:t>2019-06-10</a:t>
+              <a:t>2019-06-11</a:t>
             </a:fld>
             <a:endParaRPr lang="ko-KR" altLang="en-US"/>
           </a:p>
@@ -1714,7 +1714,7 @@
           <a:p>
             <a:fld id="{65A0F5E7-3DC3-4D9B-9751-1720D23AB909}" type="datetimeFigureOut">
               <a:rPr lang="ko-KR" altLang="en-US" smtClean="0"/>
-              <a:t>2019-06-10</a:t>
+              <a:t>2019-06-11</a:t>
             </a:fld>
             <a:endParaRPr lang="ko-KR" altLang="en-US"/>
           </a:p>
@@ -1809,7 +1809,7 @@
           <a:p>
             <a:fld id="{65A0F5E7-3DC3-4D9B-9751-1720D23AB909}" type="datetimeFigureOut">
               <a:rPr lang="ko-KR" altLang="en-US" smtClean="0"/>
-              <a:t>2019-06-10</a:t>
+              <a:t>2019-06-11</a:t>
             </a:fld>
             <a:endParaRPr lang="ko-KR" altLang="en-US"/>
           </a:p>
@@ -2084,7 +2084,7 @@
           <a:p>
             <a:fld id="{65A0F5E7-3DC3-4D9B-9751-1720D23AB909}" type="datetimeFigureOut">
               <a:rPr lang="ko-KR" altLang="en-US" smtClean="0"/>
-              <a:t>2019-06-10</a:t>
+              <a:t>2019-06-11</a:t>
             </a:fld>
             <a:endParaRPr lang="ko-KR" altLang="en-US"/>
           </a:p>
@@ -2336,7 +2336,7 @@
           <a:p>
             <a:fld id="{65A0F5E7-3DC3-4D9B-9751-1720D23AB909}" type="datetimeFigureOut">
               <a:rPr lang="ko-KR" altLang="en-US" smtClean="0"/>
-              <a:t>2019-06-10</a:t>
+              <a:t>2019-06-11</a:t>
             </a:fld>
             <a:endParaRPr lang="ko-KR" altLang="en-US"/>
           </a:p>
@@ -2547,7 +2547,7 @@
           <a:p>
             <a:fld id="{65A0F5E7-3DC3-4D9B-9751-1720D23AB909}" type="datetimeFigureOut">
               <a:rPr lang="ko-KR" altLang="en-US" smtClean="0"/>
-              <a:t>2019-06-10</a:t>
+              <a:t>2019-06-11</a:t>
             </a:fld>
             <a:endParaRPr lang="ko-KR" altLang="en-US"/>
           </a:p>
@@ -4392,42 +4392,12 @@
           <a:chExt cx="0" cy="0"/>
         </a:xfrm>
       </p:grpSpPr>
-      <p:sp>
-        <p:nvSpPr>
-          <p:cNvPr id="11" name="TextBox 10"/>
-          <p:cNvSpPr txBox="1"/>
-          <p:nvPr/>
-        </p:nvSpPr>
-        <p:spPr>
-          <a:xfrm>
-            <a:off x="3781211" y="2867049"/>
-            <a:ext cx="3306842" cy="461665"/>
-          </a:xfrm>
-          <a:prstGeom prst="rect">
-            <a:avLst/>
-          </a:prstGeom>
-          <a:noFill/>
-        </p:spPr>
-        <p:txBody>
-          <a:bodyPr wrap="square" rtlCol="0" anchor="ctr">
-            <a:spAutoFit/>
-          </a:bodyPr>
-          <a:lstStyle/>
-          <a:p>
-            <a:pPr algn="ctr"/>
-            <a:endParaRPr lang="en-US" altLang="ko-KR" sz="2400" spc="-150" dirty="0">
-              <a:latin typeface="나눔바른고딕OTF" panose="02020603020101020101" pitchFamily="18" charset="-127"/>
-              <a:ea typeface="나눔바른고딕OTF" panose="02020603020101020101" pitchFamily="18" charset="-127"/>
-            </a:endParaRPr>
-          </a:p>
-        </p:txBody>
-      </p:sp>
       <p:grpSp>
         <p:nvGrpSpPr>
-          <p:cNvPr id="4" name="그룹 3">
+          <p:cNvPr id="8" name="그룹 7">
             <a:extLst>
               <a:ext uri="{FF2B5EF4-FFF2-40B4-BE49-F238E27FC236}">
-                <a16:creationId xmlns:a16="http://schemas.microsoft.com/office/drawing/2014/main" id="{3CA7E403-8D2D-4212-8B2E-D315574935DD}"/>
+                <a16:creationId xmlns:a16="http://schemas.microsoft.com/office/drawing/2014/main" id="{500FD870-3F0E-4BDE-8DA8-4C9FCFE9586F}"/>
               </a:ext>
             </a:extLst>
           </p:cNvPr>
@@ -4436,135 +4406,129 @@
         </p:nvGrpSpPr>
         <p:grpSpPr>
           <a:xfrm>
-            <a:off x="1269311" y="1378396"/>
-            <a:ext cx="9653378" cy="4101208"/>
-            <a:chOff x="1269311" y="1378396"/>
-            <a:chExt cx="9653378" cy="4101208"/>
+            <a:off x="1810892" y="1378396"/>
+            <a:ext cx="7948990" cy="4101208"/>
+            <a:chOff x="1567543" y="1091682"/>
+            <a:chExt cx="7948990" cy="4101208"/>
           </a:xfrm>
         </p:grpSpPr>
+        <p:sp>
+          <p:nvSpPr>
+            <p:cNvPr id="2" name="직사각형 1"/>
+            <p:cNvSpPr/>
+            <p:nvPr/>
+          </p:nvSpPr>
+          <p:spPr>
+            <a:xfrm>
+              <a:off x="1567543" y="1091682"/>
+              <a:ext cx="7948990" cy="4101208"/>
+            </a:xfrm>
+            <a:prstGeom prst="rect">
+              <a:avLst/>
+            </a:prstGeom>
+            <a:gradFill flip="none" rotWithShape="1">
+              <a:gsLst>
+                <a:gs pos="0">
+                  <a:schemeClr val="accent1">
+                    <a:lumMod val="5000"/>
+                    <a:lumOff val="95000"/>
+                  </a:schemeClr>
+                </a:gs>
+                <a:gs pos="74000">
+                  <a:schemeClr val="accent1">
+                    <a:lumMod val="45000"/>
+                    <a:lumOff val="55000"/>
+                  </a:schemeClr>
+                </a:gs>
+                <a:gs pos="83000">
+                  <a:schemeClr val="accent1">
+                    <a:lumMod val="45000"/>
+                    <a:lumOff val="55000"/>
+                  </a:schemeClr>
+                </a:gs>
+                <a:gs pos="100000">
+                  <a:schemeClr val="accent1">
+                    <a:lumMod val="30000"/>
+                    <a:lumOff val="70000"/>
+                  </a:schemeClr>
+                </a:gs>
+              </a:gsLst>
+              <a:lin ang="5400000" scaled="1"/>
+              <a:tileRect/>
+            </a:gradFill>
+            <a:ln>
+              <a:noFill/>
+            </a:ln>
+          </p:spPr>
+          <p:style>
+            <a:lnRef idx="2">
+              <a:schemeClr val="accent1">
+                <a:shade val="50000"/>
+              </a:schemeClr>
+            </a:lnRef>
+            <a:fillRef idx="1">
+              <a:schemeClr val="accent1"/>
+            </a:fillRef>
+            <a:effectRef idx="0">
+              <a:schemeClr val="accent1"/>
+            </a:effectRef>
+            <a:fontRef idx="minor">
+              <a:schemeClr val="lt1"/>
+            </a:fontRef>
+          </p:style>
+          <p:txBody>
+            <a:bodyPr rtlCol="0" anchor="ctr"/>
+            <a:lstStyle/>
+            <a:p>
+              <a:pPr algn="ctr"/>
+              <a:endParaRPr lang="ko-KR" altLang="en-US" dirty="0"/>
+            </a:p>
+          </p:txBody>
+        </p:sp>
+        <p:pic>
+          <p:nvPicPr>
+            <p:cNvPr id="3" name="그림 2"/>
+            <p:cNvPicPr>
+              <a:picLocks noChangeAspect="1"/>
+            </p:cNvPicPr>
+            <p:nvPr/>
+          </p:nvPicPr>
+          <p:blipFill>
+            <a:blip r:embed="rId2" cstate="print">
+              <a:extLst>
+                <a:ext uri="{28A0092B-C50C-407E-A947-70E740481C1C}">
+                  <a14:useLocalDpi xmlns:a14="http://schemas.microsoft.com/office/drawing/2010/main" val="0"/>
+                </a:ext>
+              </a:extLst>
+            </a:blip>
+            <a:stretch>
+              <a:fillRect/>
+            </a:stretch>
+          </p:blipFill>
+          <p:spPr>
+            <a:xfrm>
+              <a:off x="2957320" y="1673744"/>
+              <a:ext cx="4954624" cy="548666"/>
+            </a:xfrm>
+            <a:prstGeom prst="rect">
+              <a:avLst/>
+            </a:prstGeom>
+          </p:spPr>
+        </p:pic>
         <p:grpSp>
           <p:nvGrpSpPr>
-            <p:cNvPr id="16" name="그룹 15">
-              <a:extLst>
-                <a:ext uri="{FF2B5EF4-FFF2-40B4-BE49-F238E27FC236}">
-                  <a16:creationId xmlns:a16="http://schemas.microsoft.com/office/drawing/2014/main" id="{7EE0F14D-20D4-4802-AA8D-341A20D2C56A}"/>
-                </a:ext>
-              </a:extLst>
-            </p:cNvPr>
+            <p:cNvPr id="4" name="그룹 3"/>
             <p:cNvGrpSpPr/>
             <p:nvPr/>
           </p:nvGrpSpPr>
           <p:grpSpPr>
             <a:xfrm>
-              <a:off x="1269311" y="1378396"/>
-              <a:ext cx="9653378" cy="4101208"/>
-              <a:chOff x="1269311" y="1047277"/>
-              <a:chExt cx="9653378" cy="4101208"/>
+              <a:off x="2635417" y="2343829"/>
+              <a:ext cx="5813241" cy="523220"/>
+              <a:chOff x="2888739" y="2343829"/>
+              <a:chExt cx="5813241" cy="523220"/>
             </a:xfrm>
           </p:grpSpPr>
-          <p:sp>
-            <p:nvSpPr>
-              <p:cNvPr id="2" name="직사각형 1"/>
-              <p:cNvSpPr/>
-              <p:nvPr/>
-            </p:nvSpPr>
-            <p:spPr>
-              <a:xfrm>
-                <a:off x="1269311" y="1047277"/>
-                <a:ext cx="9653378" cy="4101208"/>
-              </a:xfrm>
-              <a:prstGeom prst="rect">
-                <a:avLst/>
-              </a:prstGeom>
-              <a:gradFill flip="none" rotWithShape="1">
-                <a:gsLst>
-                  <a:gs pos="0">
-                    <a:schemeClr val="accent1">
-                      <a:lumMod val="5000"/>
-                      <a:lumOff val="95000"/>
-                    </a:schemeClr>
-                  </a:gs>
-                  <a:gs pos="74000">
-                    <a:schemeClr val="accent1">
-                      <a:lumMod val="45000"/>
-                      <a:lumOff val="55000"/>
-                    </a:schemeClr>
-                  </a:gs>
-                  <a:gs pos="83000">
-                    <a:schemeClr val="accent1">
-                      <a:lumMod val="45000"/>
-                      <a:lumOff val="55000"/>
-                    </a:schemeClr>
-                  </a:gs>
-                  <a:gs pos="100000">
-                    <a:schemeClr val="accent1">
-                      <a:lumMod val="30000"/>
-                      <a:lumOff val="70000"/>
-                    </a:schemeClr>
-                  </a:gs>
-                </a:gsLst>
-                <a:lin ang="5400000" scaled="1"/>
-                <a:tileRect/>
-              </a:gradFill>
-              <a:ln>
-                <a:noFill/>
-              </a:ln>
-            </p:spPr>
-            <p:style>
-              <a:lnRef idx="2">
-                <a:schemeClr val="accent1">
-                  <a:shade val="50000"/>
-                </a:schemeClr>
-              </a:lnRef>
-              <a:fillRef idx="1">
-                <a:schemeClr val="accent1"/>
-              </a:fillRef>
-              <a:effectRef idx="0">
-                <a:schemeClr val="accent1"/>
-              </a:effectRef>
-              <a:fontRef idx="minor">
-                <a:schemeClr val="lt1"/>
-              </a:fontRef>
-            </p:style>
-            <p:txBody>
-              <a:bodyPr rtlCol="0" anchor="ctr"/>
-              <a:lstStyle/>
-              <a:p>
-                <a:pPr algn="ctr"/>
-                <a:endParaRPr lang="ko-KR" altLang="en-US" dirty="0"/>
-              </a:p>
-            </p:txBody>
-          </p:sp>
-          <p:pic>
-            <p:nvPicPr>
-              <p:cNvPr id="3" name="그림 2"/>
-              <p:cNvPicPr>
-                <a:picLocks noChangeAspect="1"/>
-              </p:cNvPicPr>
-              <p:nvPr/>
-            </p:nvPicPr>
-            <p:blipFill>
-              <a:blip r:embed="rId2" cstate="print">
-                <a:extLst>
-                  <a:ext uri="{28A0092B-C50C-407E-A947-70E740481C1C}">
-                    <a14:useLocalDpi xmlns:a14="http://schemas.microsoft.com/office/drawing/2010/main" val="0"/>
-                  </a:ext>
-                </a:extLst>
-              </a:blip>
-              <a:stretch>
-                <a:fillRect/>
-              </a:stretch>
-            </p:blipFill>
-            <p:spPr>
-              <a:xfrm>
-                <a:off x="3618688" y="1500287"/>
-                <a:ext cx="4954624" cy="548666"/>
-              </a:xfrm>
-              <a:prstGeom prst="rect">
-                <a:avLst/>
-              </a:prstGeom>
-            </p:spPr>
-          </p:pic>
           <p:sp>
             <p:nvSpPr>
               <p:cNvPr id="5" name="TextBox 4"/>
@@ -4573,8 +4537,8 @@
             </p:nvSpPr>
             <p:spPr>
               <a:xfrm>
-                <a:off x="3158090" y="2238529"/>
-                <a:ext cx="4188825" cy="523220"/>
+                <a:off x="2888739" y="2343829"/>
+                <a:ext cx="4212607" cy="523220"/>
               </a:xfrm>
               <a:prstGeom prst="rect">
                 <a:avLst/>
@@ -4588,247 +4552,218 @@
               <a:lstStyle/>
               <a:p>
                 <a:r>
-                  <a:rPr lang="en-US" altLang="ko-KR" sz="2800" dirty="0">
-                    <a:latin typeface="나눔바른고딕" panose="020B0603020101020101" pitchFamily="50" charset="-127"/>
-                    <a:ea typeface="나눔바른고딕" panose="020B0603020101020101" pitchFamily="50" charset="-127"/>
+                  <a:rPr lang="en-US" altLang="ko-KR" sz="2800" spc="-150" dirty="0">
+                    <a:latin typeface="나눔바른고딕OTF" panose="02020603020101020101" pitchFamily="18" charset="-127"/>
+                    <a:ea typeface="나눔바른고딕OTF" panose="02020603020101020101" pitchFamily="18" charset="-127"/>
                   </a:rPr>
-                  <a:t>ARCUS </a:t>
+                  <a:t>ARCUS</a:t>
                 </a:r>
                 <a:r>
-                  <a:rPr lang="ko-KR" altLang="en-US" sz="2800" dirty="0">
-                    <a:latin typeface="나눔바른고딕" panose="020B0603020101020101" pitchFamily="50" charset="-127"/>
-                    <a:ea typeface="나눔바른고딕" panose="020B0603020101020101" pitchFamily="50" charset="-127"/>
+                  <a:rPr lang="ko-KR" altLang="en-US" sz="2800" spc="-150" dirty="0">
+                    <a:latin typeface="나눔바른고딕OTF" panose="02020603020101020101" pitchFamily="18" charset="-127"/>
+                    <a:ea typeface="나눔바른고딕OTF" panose="02020603020101020101" pitchFamily="18" charset="-127"/>
                   </a:rPr>
-                  <a:t>응용개발자 채용 </a:t>
+                  <a:t> 응용개발자 채용 </a:t>
                 </a:r>
                 <a:r>
-                  <a:rPr lang="en-US" altLang="ko-KR" sz="2800" dirty="0">
-                    <a:latin typeface="나눔바른고딕" panose="020B0603020101020101" pitchFamily="50" charset="-127"/>
-                    <a:ea typeface="나눔바른고딕" panose="020B0603020101020101" pitchFamily="50" charset="-127"/>
+                  <a:rPr lang="en-US" altLang="ko-KR" sz="2800" spc="-150" dirty="0">
+                    <a:latin typeface="나눔바른고딕OTF" panose="02020603020101020101" pitchFamily="18" charset="-127"/>
+                    <a:ea typeface="나눔바른고딕OTF" panose="02020603020101020101" pitchFamily="18" charset="-127"/>
                   </a:rPr>
-                  <a:t>@ </a:t>
+                  <a:t>@</a:t>
                 </a:r>
                 <a:endParaRPr lang="ko-KR" altLang="en-US" sz="2800" dirty="0">
-                  <a:latin typeface="나눔바른고딕" panose="020B0603020101020101" pitchFamily="50" charset="-127"/>
-                  <a:ea typeface="나눔바른고딕" panose="020B0603020101020101" pitchFamily="50" charset="-127"/>
+                  <a:latin typeface="나눔바른고딕OTF" panose="02020603020101020101" pitchFamily="18" charset="-127"/>
+                  <a:ea typeface="나눔바른고딕OTF" panose="02020603020101020101" pitchFamily="18" charset="-127"/>
                 </a:endParaRPr>
               </a:p>
             </p:txBody>
           </p:sp>
-          <p:sp>
-            <p:nvSpPr>
-              <p:cNvPr id="10" name="TextBox 9"/>
-              <p:cNvSpPr txBox="1"/>
+          <p:pic>
+            <p:nvPicPr>
+              <p:cNvPr id="6" name="그림 5"/>
+              <p:cNvPicPr>
+                <a:picLocks noChangeAspect="1"/>
+              </p:cNvPicPr>
               <p:nvPr/>
-            </p:nvSpPr>
+            </p:nvPicPr>
+            <p:blipFill>
+              <a:blip r:embed="rId3" cstate="print">
+                <a:extLst>
+                  <a:ext uri="{28A0092B-C50C-407E-A947-70E740481C1C}">
+                    <a14:useLocalDpi xmlns:a14="http://schemas.microsoft.com/office/drawing/2010/main" val="0"/>
+                  </a:ext>
+                </a:extLst>
+              </a:blip>
+              <a:stretch>
+                <a:fillRect/>
+              </a:stretch>
+            </p:blipFill>
             <p:spPr>
               <a:xfrm>
-                <a:off x="1648697" y="3742309"/>
-                <a:ext cx="8894601" cy="707886"/>
+                <a:off x="7105859" y="2417603"/>
+                <a:ext cx="1596121" cy="385729"/>
               </a:xfrm>
               <a:prstGeom prst="rect">
                 <a:avLst/>
               </a:prstGeom>
-              <a:noFill/>
             </p:spPr>
-            <p:txBody>
-              <a:bodyPr wrap="square" rtlCol="0" anchor="ctr">
-                <a:spAutoFit/>
-              </a:bodyPr>
-              <a:lstStyle/>
-              <a:p>
-                <a:r>
-                  <a:rPr lang="en-US" altLang="ko-KR" sz="2000" dirty="0">
-                    <a:latin typeface="나눔바른고딕" panose="020B0603020101020101" pitchFamily="50" charset="-127"/>
-                    <a:ea typeface="나눔바른고딕" panose="020B0603020101020101" pitchFamily="50" charset="-127"/>
-                  </a:rPr>
-                  <a:t>ARCUS </a:t>
-                </a:r>
-                <a:r>
-                  <a:rPr lang="ko-KR" altLang="en-US" sz="2000" dirty="0">
-                    <a:latin typeface="나눔바른고딕" panose="020B0603020101020101" pitchFamily="50" charset="-127"/>
-                    <a:ea typeface="나눔바른고딕" panose="020B0603020101020101" pitchFamily="50" charset="-127"/>
-                  </a:rPr>
-                  <a:t>사용 확대를 위한 공통 모듈과 도구 개발</a:t>
-                </a:r>
-                <a:r>
-                  <a:rPr lang="en-US" altLang="ko-KR" sz="2000" dirty="0">
-                    <a:latin typeface="나눔바른고딕" panose="020B0603020101020101" pitchFamily="50" charset="-127"/>
-                    <a:ea typeface="나눔바른고딕" panose="020B0603020101020101" pitchFamily="50" charset="-127"/>
-                  </a:rPr>
-                  <a:t>, </a:t>
-                </a:r>
-                <a:r>
-                  <a:rPr lang="ko-KR" altLang="en-US" sz="2000" dirty="0">
-                    <a:latin typeface="나눔바른고딕" panose="020B0603020101020101" pitchFamily="50" charset="-127"/>
-                    <a:ea typeface="나눔바른고딕" panose="020B0603020101020101" pitchFamily="50" charset="-127"/>
-                  </a:rPr>
-                  <a:t>클라우드 환경에서의 </a:t>
-                </a:r>
-                <a:r>
-                  <a:rPr lang="en-US" altLang="ko-KR" sz="2000" dirty="0">
-                    <a:latin typeface="나눔바른고딕" panose="020B0603020101020101" pitchFamily="50" charset="-127"/>
-                    <a:ea typeface="나눔바른고딕" panose="020B0603020101020101" pitchFamily="50" charset="-127"/>
-                  </a:rPr>
-                  <a:t>ARCUS </a:t>
-                </a:r>
-                <a:r>
-                  <a:rPr lang="ko-KR" altLang="en-US" sz="2000" dirty="0">
-                    <a:latin typeface="나눔바른고딕" panose="020B0603020101020101" pitchFamily="50" charset="-127"/>
-                    <a:ea typeface="나눔바른고딕" panose="020B0603020101020101" pitchFamily="50" charset="-127"/>
-                  </a:rPr>
-                  <a:t>서비스 </a:t>
-                </a:r>
-                <a:endParaRPr lang="en-US" altLang="ko-KR" sz="2000" dirty="0">
-                  <a:latin typeface="나눔바른고딕" panose="020B0603020101020101" pitchFamily="50" charset="-127"/>
-                  <a:ea typeface="나눔바른고딕" panose="020B0603020101020101" pitchFamily="50" charset="-127"/>
-                </a:endParaRPr>
-              </a:p>
-              <a:p>
-                <a:r>
-                  <a:rPr lang="ko-KR" altLang="en-US" sz="2000" dirty="0">
-                    <a:latin typeface="나눔바른고딕" panose="020B0603020101020101" pitchFamily="50" charset="-127"/>
-                    <a:ea typeface="나눔바른고딕" panose="020B0603020101020101" pitchFamily="50" charset="-127"/>
-                  </a:rPr>
-                  <a:t>개발</a:t>
-                </a:r>
-                <a:r>
-                  <a:rPr lang="en-US" altLang="ko-KR" sz="2000" dirty="0">
-                    <a:latin typeface="나눔바른고딕" panose="020B0603020101020101" pitchFamily="50" charset="-127"/>
-                    <a:ea typeface="나눔바른고딕" panose="020B0603020101020101" pitchFamily="50" charset="-127"/>
-                  </a:rPr>
-                  <a:t>, </a:t>
-                </a:r>
-                <a:r>
-                  <a:rPr lang="ko-KR" altLang="en-US" sz="2000" dirty="0">
-                    <a:latin typeface="나눔바른고딕" panose="020B0603020101020101" pitchFamily="50" charset="-127"/>
-                    <a:ea typeface="나눔바른고딕" panose="020B0603020101020101" pitchFamily="50" charset="-127"/>
-                  </a:rPr>
-                  <a:t>그 외 다양한 응용 기술들을 </a:t>
-                </a:r>
-                <a:r>
-                  <a:rPr lang="ko-KR" altLang="en-US" sz="2000" dirty="0" err="1">
-                    <a:latin typeface="나눔바른고딕" panose="020B0603020101020101" pitchFamily="50" charset="-127"/>
-                    <a:ea typeface="나눔바른고딕" panose="020B0603020101020101" pitchFamily="50" charset="-127"/>
-                  </a:rPr>
-                  <a:t>만들어나갈</a:t>
-                </a:r>
-                <a:r>
-                  <a:rPr lang="ko-KR" altLang="en-US" sz="2000" dirty="0">
-                    <a:latin typeface="나눔바른고딕" panose="020B0603020101020101" pitchFamily="50" charset="-127"/>
-                    <a:ea typeface="나눔바른고딕" panose="020B0603020101020101" pitchFamily="50" charset="-127"/>
-                  </a:rPr>
-                  <a:t> </a:t>
-                </a:r>
-                <a:r>
-                  <a:rPr lang="en-US" altLang="ko-KR" sz="2000" dirty="0">
-                    <a:latin typeface="나눔바른고딕" panose="020B0603020101020101" pitchFamily="50" charset="-127"/>
-                    <a:ea typeface="나눔바른고딕" panose="020B0603020101020101" pitchFamily="50" charset="-127"/>
-                  </a:rPr>
-                  <a:t>ARCUS</a:t>
-                </a:r>
-                <a:r>
-                  <a:rPr lang="ko-KR" altLang="en-US" sz="2000" dirty="0">
-                    <a:latin typeface="나눔바른고딕" panose="020B0603020101020101" pitchFamily="50" charset="-127"/>
-                    <a:ea typeface="나눔바른고딕" panose="020B0603020101020101" pitchFamily="50" charset="-127"/>
-                  </a:rPr>
-                  <a:t> 응용 개발자를 모집합니다</a:t>
-                </a:r>
-                <a:r>
-                  <a:rPr lang="en-US" altLang="ko-KR" sz="2000" dirty="0">
-                    <a:latin typeface="나눔바른고딕" panose="020B0603020101020101" pitchFamily="50" charset="-127"/>
-                    <a:ea typeface="나눔바른고딕" panose="020B0603020101020101" pitchFamily="50" charset="-127"/>
-                  </a:rPr>
-                  <a:t>.</a:t>
-                </a:r>
-              </a:p>
-            </p:txBody>
-          </p:sp>
-          <p:sp>
-            <p:nvSpPr>
-              <p:cNvPr id="15" name="TextBox 14">
-                <a:extLst>
-                  <a:ext uri="{FF2B5EF4-FFF2-40B4-BE49-F238E27FC236}">
-                    <a16:creationId xmlns:a16="http://schemas.microsoft.com/office/drawing/2014/main" id="{3CE07A17-2E86-4222-BEAF-0FD6B46B0FB2}"/>
-                  </a:ext>
-                </a:extLst>
-              </p:cNvPr>
-              <p:cNvSpPr txBox="1"/>
-              <p:nvPr/>
-            </p:nvSpPr>
-            <p:spPr>
-              <a:xfrm>
-                <a:off x="4001586" y="2761748"/>
-                <a:ext cx="4188825" cy="523220"/>
-              </a:xfrm>
-              <a:prstGeom prst="rect">
-                <a:avLst/>
-              </a:prstGeom>
-              <a:noFill/>
-            </p:spPr>
-            <p:txBody>
-              <a:bodyPr wrap="square" rtlCol="0" anchor="ctr">
-                <a:spAutoFit/>
-              </a:bodyPr>
-              <a:lstStyle/>
-              <a:p>
-                <a:pPr algn="ctr"/>
-                <a:r>
-                  <a:rPr lang="en-US" altLang="ko-KR" sz="2800" dirty="0">
-                    <a:latin typeface="나눔바른고딕" panose="020B0603020101020101" pitchFamily="50" charset="-127"/>
-                    <a:ea typeface="나눔바른고딕" panose="020B0603020101020101" pitchFamily="50" charset="-127"/>
-                  </a:rPr>
-                  <a:t>(2019 6/11 ~ 6/30)</a:t>
-                </a:r>
-                <a:endParaRPr lang="ko-KR" altLang="en-US" sz="2800" dirty="0">
-                  <a:latin typeface="나눔바른고딕" panose="020B0603020101020101" pitchFamily="50" charset="-127"/>
-                  <a:ea typeface="나눔바른고딕" panose="020B0603020101020101" pitchFamily="50" charset="-127"/>
-                </a:endParaRPr>
-              </a:p>
-            </p:txBody>
-          </p:sp>
+          </p:pic>
         </p:grpSp>
-        <p:pic>
-          <p:nvPicPr>
-            <p:cNvPr id="12" name="그림 11">
-              <a:extLst>
-                <a:ext uri="{FF2B5EF4-FFF2-40B4-BE49-F238E27FC236}">
-                  <a16:creationId xmlns:a16="http://schemas.microsoft.com/office/drawing/2014/main" id="{5FFB89BC-1E43-46F8-B710-A98076681D08}"/>
-                </a:ext>
-              </a:extLst>
-            </p:cNvPr>
-            <p:cNvPicPr>
-              <a:picLocks noChangeAspect="1"/>
-            </p:cNvPicPr>
+        <p:sp>
+          <p:nvSpPr>
+            <p:cNvPr id="10" name="TextBox 9"/>
+            <p:cNvSpPr txBox="1"/>
             <p:nvPr/>
-          </p:nvPicPr>
-          <p:blipFill>
-            <a:blip r:embed="rId3" cstate="print">
-              <a:extLst>
-                <a:ext uri="{28A0092B-C50C-407E-A947-70E740481C1C}">
-                  <a14:useLocalDpi xmlns:a14="http://schemas.microsoft.com/office/drawing/2010/main" val="0"/>
-                </a:ext>
-              </a:extLst>
-            </a:blip>
-            <a:stretch>
-              <a:fillRect/>
-            </a:stretch>
-          </p:blipFill>
+          </p:nvSpPr>
           <p:spPr>
             <a:xfrm>
-              <a:off x="7346915" y="2632198"/>
-              <a:ext cx="1596121" cy="385729"/>
+              <a:off x="1901371" y="3621421"/>
+              <a:ext cx="7281333" cy="1015663"/>
             </a:xfrm>
             <a:prstGeom prst="rect">
               <a:avLst/>
             </a:prstGeom>
+            <a:noFill/>
           </p:spPr>
-        </p:pic>
+          <p:txBody>
+            <a:bodyPr wrap="square" rtlCol="0" anchor="ctr">
+              <a:spAutoFit/>
+            </a:bodyPr>
+            <a:lstStyle/>
+            <a:p>
+              <a:r>
+                <a:rPr lang="en-US" altLang="ko-KR" sz="2000" dirty="0">
+                  <a:latin typeface="나눔바른고딕OTF" panose="02020603020101020101" pitchFamily="18" charset="-127"/>
+                  <a:ea typeface="나눔바른고딕OTF" panose="02020603020101020101" pitchFamily="18" charset="-127"/>
+                </a:rPr>
+                <a:t>ARCUS </a:t>
+              </a:r>
+              <a:r>
+                <a:rPr lang="ko-KR" altLang="en-US" sz="2000" dirty="0">
+                  <a:latin typeface="나눔바른고딕OTF" panose="02020603020101020101" pitchFamily="18" charset="-127"/>
+                  <a:ea typeface="나눔바른고딕OTF" panose="02020603020101020101" pitchFamily="18" charset="-127"/>
+                </a:rPr>
+                <a:t>사용 확대를 위한 공통 모듈과 도구 개발</a:t>
+              </a:r>
+              <a:r>
+                <a:rPr lang="en-US" altLang="ko-KR" sz="2000" dirty="0">
+                  <a:latin typeface="나눔바른고딕OTF" panose="02020603020101020101" pitchFamily="18" charset="-127"/>
+                  <a:ea typeface="나눔바른고딕OTF" panose="02020603020101020101" pitchFamily="18" charset="-127"/>
+                </a:rPr>
+                <a:t>, </a:t>
+              </a:r>
+              <a:r>
+                <a:rPr lang="ko-KR" altLang="en-US" sz="2000" dirty="0">
+                  <a:latin typeface="나눔바른고딕OTF" panose="02020603020101020101" pitchFamily="18" charset="-127"/>
+                  <a:ea typeface="나눔바른고딕OTF" panose="02020603020101020101" pitchFamily="18" charset="-127"/>
+                </a:rPr>
+                <a:t>클라우드 환경에서의 </a:t>
+              </a:r>
+              <a:r>
+                <a:rPr lang="en-US" altLang="ko-KR" sz="2000" dirty="0">
+                  <a:latin typeface="나눔바른고딕OTF" panose="02020603020101020101" pitchFamily="18" charset="-127"/>
+                  <a:ea typeface="나눔바른고딕OTF" panose="02020603020101020101" pitchFamily="18" charset="-127"/>
+                </a:rPr>
+                <a:t>ARCUS </a:t>
+              </a:r>
+              <a:r>
+                <a:rPr lang="ko-KR" altLang="en-US" sz="2000" dirty="0">
+                  <a:latin typeface="나눔바른고딕OTF" panose="02020603020101020101" pitchFamily="18" charset="-127"/>
+                  <a:ea typeface="나눔바른고딕OTF" panose="02020603020101020101" pitchFamily="18" charset="-127"/>
+                </a:rPr>
+                <a:t>서비스 개발</a:t>
+              </a:r>
+              <a:r>
+                <a:rPr lang="en-US" altLang="ko-KR" sz="2000" dirty="0">
+                  <a:latin typeface="나눔바른고딕OTF" panose="02020603020101020101" pitchFamily="18" charset="-127"/>
+                  <a:ea typeface="나눔바른고딕OTF" panose="02020603020101020101" pitchFamily="18" charset="-127"/>
+                </a:rPr>
+                <a:t>, </a:t>
+              </a:r>
+              <a:r>
+                <a:rPr lang="ko-KR" altLang="en-US" sz="2000" dirty="0">
+                  <a:latin typeface="나눔바른고딕OTF" panose="02020603020101020101" pitchFamily="18" charset="-127"/>
+                  <a:ea typeface="나눔바른고딕OTF" panose="02020603020101020101" pitchFamily="18" charset="-127"/>
+                </a:rPr>
+                <a:t>그 외 다양한 응용 기술들을 </a:t>
+              </a:r>
+              <a:r>
+                <a:rPr lang="ko-KR" altLang="en-US" sz="2000" dirty="0" err="1">
+                  <a:latin typeface="나눔바른고딕OTF" panose="02020603020101020101" pitchFamily="18" charset="-127"/>
+                  <a:ea typeface="나눔바른고딕OTF" panose="02020603020101020101" pitchFamily="18" charset="-127"/>
+                </a:rPr>
+                <a:t>만들어나갈</a:t>
+              </a:r>
+              <a:r>
+                <a:rPr lang="ko-KR" altLang="en-US" sz="2000" dirty="0">
+                  <a:latin typeface="나눔바른고딕OTF" panose="02020603020101020101" pitchFamily="18" charset="-127"/>
+                  <a:ea typeface="나눔바른고딕OTF" panose="02020603020101020101" pitchFamily="18" charset="-127"/>
+                </a:rPr>
+                <a:t> </a:t>
+              </a:r>
+              <a:r>
+                <a:rPr lang="en-US" altLang="ko-KR" sz="2000" dirty="0">
+                  <a:latin typeface="나눔바른고딕OTF" panose="02020603020101020101" pitchFamily="18" charset="-127"/>
+                  <a:ea typeface="나눔바른고딕OTF" panose="02020603020101020101" pitchFamily="18" charset="-127"/>
+                </a:rPr>
+                <a:t>ARCUS </a:t>
+              </a:r>
+              <a:r>
+                <a:rPr lang="ko-KR" altLang="en-US" sz="2000" dirty="0">
+                  <a:latin typeface="나눔바른고딕OTF" panose="02020603020101020101" pitchFamily="18" charset="-127"/>
+                  <a:ea typeface="나눔바른고딕OTF" panose="02020603020101020101" pitchFamily="18" charset="-127"/>
+                </a:rPr>
+                <a:t>응용개발자를 모집합니다</a:t>
+              </a:r>
+              <a:r>
+                <a:rPr lang="en-US" altLang="ko-KR" sz="2000" dirty="0">
+                  <a:latin typeface="나눔바른고딕OTF" panose="02020603020101020101" pitchFamily="18" charset="-127"/>
+                  <a:ea typeface="나눔바른고딕OTF" panose="02020603020101020101" pitchFamily="18" charset="-127"/>
+                </a:rPr>
+                <a:t>.</a:t>
+              </a:r>
+            </a:p>
+          </p:txBody>
+        </p:sp>
+        <p:sp>
+          <p:nvSpPr>
+            <p:cNvPr id="11" name="TextBox 10"/>
+            <p:cNvSpPr txBox="1"/>
+            <p:nvPr/>
+          </p:nvSpPr>
+          <p:spPr>
+            <a:xfrm>
+              <a:off x="3888617" y="2850181"/>
+              <a:ext cx="3306842" cy="461665"/>
+            </a:xfrm>
+            <a:prstGeom prst="rect">
+              <a:avLst/>
+            </a:prstGeom>
+            <a:noFill/>
+          </p:spPr>
+          <p:txBody>
+            <a:bodyPr wrap="square" rtlCol="0" anchor="ctr">
+              <a:spAutoFit/>
+            </a:bodyPr>
+            <a:lstStyle/>
+            <a:p>
+              <a:pPr algn="ctr"/>
+              <a:r>
+                <a:rPr lang="en-US" altLang="ko-KR" sz="2400" spc="-150" dirty="0">
+                  <a:latin typeface="나눔바른고딕OTF" panose="02020603020101020101" pitchFamily="18" charset="-127"/>
+                  <a:ea typeface="나눔바른고딕OTF" panose="02020603020101020101" pitchFamily="18" charset="-127"/>
+                </a:rPr>
+                <a:t>(2019  6/11 ~ 6/30)</a:t>
+              </a:r>
+            </a:p>
+          </p:txBody>
+        </p:sp>
       </p:grpSp>
     </p:spTree>
     <p:extLst>
       <p:ext uri="{BB962C8B-B14F-4D97-AF65-F5344CB8AC3E}">
-        <p14:creationId xmlns:p14="http://schemas.microsoft.com/office/powerpoint/2010/main" val="3492641089"/>
+        <p14:creationId xmlns:p14="http://schemas.microsoft.com/office/powerpoint/2010/main" val="1581193422"/>
       </p:ext>
     </p:extLst>
   </p:cSld>

--- a/images/jam2in-job-posting-images.pptx
+++ b/images/jam2in-job-posting-images.pptx
@@ -245,7 +245,7 @@
           <a:p>
             <a:fld id="{65A0F5E7-3DC3-4D9B-9751-1720D23AB909}" type="datetimeFigureOut">
               <a:rPr lang="ko-KR" altLang="en-US" smtClean="0"/>
-              <a:t>2019-06-11</a:t>
+              <a:t>2020-04-01</a:t>
             </a:fld>
             <a:endParaRPr lang="ko-KR" altLang="en-US"/>
           </a:p>
@@ -413,7 +413,7 @@
           <a:p>
             <a:fld id="{65A0F5E7-3DC3-4D9B-9751-1720D23AB909}" type="datetimeFigureOut">
               <a:rPr lang="ko-KR" altLang="en-US" smtClean="0"/>
-              <a:t>2019-06-11</a:t>
+              <a:t>2020-04-01</a:t>
             </a:fld>
             <a:endParaRPr lang="ko-KR" altLang="en-US"/>
           </a:p>
@@ -591,7 +591,7 @@
           <a:p>
             <a:fld id="{65A0F5E7-3DC3-4D9B-9751-1720D23AB909}" type="datetimeFigureOut">
               <a:rPr lang="ko-KR" altLang="en-US" smtClean="0"/>
-              <a:t>2019-06-11</a:t>
+              <a:t>2020-04-01</a:t>
             </a:fld>
             <a:endParaRPr lang="ko-KR" altLang="en-US"/>
           </a:p>
@@ -759,7 +759,7 @@
           <a:p>
             <a:fld id="{65A0F5E7-3DC3-4D9B-9751-1720D23AB909}" type="datetimeFigureOut">
               <a:rPr lang="ko-KR" altLang="en-US" smtClean="0"/>
-              <a:t>2019-06-11</a:t>
+              <a:t>2020-04-01</a:t>
             </a:fld>
             <a:endParaRPr lang="ko-KR" altLang="en-US"/>
           </a:p>
@@ -1004,7 +1004,7 @@
           <a:p>
             <a:fld id="{65A0F5E7-3DC3-4D9B-9751-1720D23AB909}" type="datetimeFigureOut">
               <a:rPr lang="ko-KR" altLang="en-US" smtClean="0"/>
-              <a:t>2019-06-11</a:t>
+              <a:t>2020-04-01</a:t>
             </a:fld>
             <a:endParaRPr lang="ko-KR" altLang="en-US"/>
           </a:p>
@@ -1233,7 +1233,7 @@
           <a:p>
             <a:fld id="{65A0F5E7-3DC3-4D9B-9751-1720D23AB909}" type="datetimeFigureOut">
               <a:rPr lang="ko-KR" altLang="en-US" smtClean="0"/>
-              <a:t>2019-06-11</a:t>
+              <a:t>2020-04-01</a:t>
             </a:fld>
             <a:endParaRPr lang="ko-KR" altLang="en-US"/>
           </a:p>
@@ -1597,7 +1597,7 @@
           <a:p>
             <a:fld id="{65A0F5E7-3DC3-4D9B-9751-1720D23AB909}" type="datetimeFigureOut">
               <a:rPr lang="ko-KR" altLang="en-US" smtClean="0"/>
-              <a:t>2019-06-11</a:t>
+              <a:t>2020-04-01</a:t>
             </a:fld>
             <a:endParaRPr lang="ko-KR" altLang="en-US"/>
           </a:p>
@@ -1714,7 +1714,7 @@
           <a:p>
             <a:fld id="{65A0F5E7-3DC3-4D9B-9751-1720D23AB909}" type="datetimeFigureOut">
               <a:rPr lang="ko-KR" altLang="en-US" smtClean="0"/>
-              <a:t>2019-06-11</a:t>
+              <a:t>2020-04-01</a:t>
             </a:fld>
             <a:endParaRPr lang="ko-KR" altLang="en-US"/>
           </a:p>
@@ -1809,7 +1809,7 @@
           <a:p>
             <a:fld id="{65A0F5E7-3DC3-4D9B-9751-1720D23AB909}" type="datetimeFigureOut">
               <a:rPr lang="ko-KR" altLang="en-US" smtClean="0"/>
-              <a:t>2019-06-11</a:t>
+              <a:t>2020-04-01</a:t>
             </a:fld>
             <a:endParaRPr lang="ko-KR" altLang="en-US"/>
           </a:p>
@@ -2084,7 +2084,7 @@
           <a:p>
             <a:fld id="{65A0F5E7-3DC3-4D9B-9751-1720D23AB909}" type="datetimeFigureOut">
               <a:rPr lang="ko-KR" altLang="en-US" smtClean="0"/>
-              <a:t>2019-06-11</a:t>
+              <a:t>2020-04-01</a:t>
             </a:fld>
             <a:endParaRPr lang="ko-KR" altLang="en-US"/>
           </a:p>
@@ -2336,7 +2336,7 @@
           <a:p>
             <a:fld id="{65A0F5E7-3DC3-4D9B-9751-1720D23AB909}" type="datetimeFigureOut">
               <a:rPr lang="ko-KR" altLang="en-US" smtClean="0"/>
-              <a:t>2019-06-11</a:t>
+              <a:t>2020-04-01</a:t>
             </a:fld>
             <a:endParaRPr lang="ko-KR" altLang="en-US"/>
           </a:p>
@@ -2547,7 +2547,7 @@
           <a:p>
             <a:fld id="{65A0F5E7-3DC3-4D9B-9751-1720D23AB909}" type="datetimeFigureOut">
               <a:rPr lang="ko-KR" altLang="en-US" smtClean="0"/>
-              <a:t>2019-06-11</a:t>
+              <a:t>2020-04-01</a:t>
             </a:fld>
             <a:endParaRPr lang="ko-KR" altLang="en-US"/>
           </a:p>
@@ -4523,10 +4523,10 @@
           </p:nvGrpSpPr>
           <p:grpSpPr>
             <a:xfrm>
-              <a:off x="2635417" y="2343829"/>
-              <a:ext cx="5813241" cy="523220"/>
-              <a:chOff x="2888739" y="2343829"/>
-              <a:chExt cx="5813241" cy="523220"/>
+              <a:off x="2749718" y="2343829"/>
+              <a:ext cx="5435174" cy="523220"/>
+              <a:chOff x="3003040" y="2343829"/>
+              <a:chExt cx="5435174" cy="523220"/>
             </a:xfrm>
           </p:grpSpPr>
           <p:sp>
@@ -4537,7 +4537,7 @@
             </p:nvSpPr>
             <p:spPr>
               <a:xfrm>
-                <a:off x="2888739" y="2343829"/>
+                <a:off x="3003040" y="2343829"/>
                 <a:ext cx="4212607" cy="523220"/>
               </a:xfrm>
               <a:prstGeom prst="rect">
@@ -4601,7 +4601,7 @@
             </p:blipFill>
             <p:spPr>
               <a:xfrm>
-                <a:off x="7105859" y="2417603"/>
+                <a:off x="6842093" y="2417603"/>
                 <a:ext cx="1596121" cy="385729"/>
               </a:xfrm>
               <a:prstGeom prst="rect">
@@ -4644,7 +4644,42 @@
                   <a:latin typeface="나눔바른고딕OTF" panose="02020603020101020101" pitchFamily="18" charset="-127"/>
                   <a:ea typeface="나눔바른고딕OTF" panose="02020603020101020101" pitchFamily="18" charset="-127"/>
                 </a:rPr>
-                <a:t>사용 확대를 위한 공통 모듈과 도구 개발</a:t>
+                <a:t>사용 확대를 위한 </a:t>
+              </a:r>
+              <a:r>
+                <a:rPr lang="ko-KR" altLang="en-US" sz="2000" dirty="0" smtClean="0">
+                  <a:latin typeface="나눔바른고딕OTF" panose="02020603020101020101" pitchFamily="18" charset="-127"/>
+                  <a:ea typeface="나눔바른고딕OTF" panose="02020603020101020101" pitchFamily="18" charset="-127"/>
+                </a:rPr>
+                <a:t>모니터링 및 </a:t>
+              </a:r>
+              <a:r>
+                <a:rPr lang="ko-KR" altLang="en-US" sz="2000" dirty="0" err="1" smtClean="0">
+                  <a:latin typeface="나눔바른고딕OTF" panose="02020603020101020101" pitchFamily="18" charset="-127"/>
+                  <a:ea typeface="나눔바른고딕OTF" panose="02020603020101020101" pitchFamily="18" charset="-127"/>
+                </a:rPr>
+                <a:t>어드민</a:t>
+              </a:r>
+              <a:r>
+                <a:rPr lang="ko-KR" altLang="en-US" sz="2000" dirty="0" smtClean="0">
+                  <a:latin typeface="나눔바른고딕OTF" panose="02020603020101020101" pitchFamily="18" charset="-127"/>
+                  <a:ea typeface="나눔바른고딕OTF" panose="02020603020101020101" pitchFamily="18" charset="-127"/>
+                </a:rPr>
+                <a:t> </a:t>
+              </a:r>
+              <a:r>
+                <a:rPr lang="ko-KR" altLang="en-US" sz="2000" dirty="0" smtClean="0">
+                  <a:latin typeface="나눔바른고딕OTF" panose="02020603020101020101" pitchFamily="18" charset="-127"/>
+                  <a:ea typeface="나눔바른고딕OTF" panose="02020603020101020101" pitchFamily="18" charset="-127"/>
+                </a:rPr>
+                <a:t>도구 </a:t>
+              </a:r>
+              <a:r>
+                <a:rPr lang="ko-KR" altLang="en-US" sz="2000" dirty="0">
+                  <a:latin typeface="나눔바른고딕OTF" panose="02020603020101020101" pitchFamily="18" charset="-127"/>
+                  <a:ea typeface="나눔바른고딕OTF" panose="02020603020101020101" pitchFamily="18" charset="-127"/>
+                </a:rPr>
+                <a:t>개발</a:t>
               </a:r>
               <a:r>
                 <a:rPr lang="en-US" altLang="ko-KR" sz="2000" dirty="0">
@@ -4754,7 +4789,49 @@
                   <a:latin typeface="나눔바른고딕OTF" panose="02020603020101020101" pitchFamily="18" charset="-127"/>
                   <a:ea typeface="나눔바른고딕OTF" panose="02020603020101020101" pitchFamily="18" charset="-127"/>
                 </a:rPr>
-                <a:t>(2019  6/11 ~ 6/30)</a:t>
+                <a:t>(</a:t>
+              </a:r>
+              <a:r>
+                <a:rPr lang="en-US" altLang="ko-KR" sz="2400" spc="-150" dirty="0" smtClean="0">
+                  <a:latin typeface="나눔바른고딕OTF" panose="02020603020101020101" pitchFamily="18" charset="-127"/>
+                  <a:ea typeface="나눔바른고딕OTF" panose="02020603020101020101" pitchFamily="18" charset="-127"/>
+                </a:rPr>
+                <a:t>2020  </a:t>
+              </a:r>
+              <a:r>
+                <a:rPr lang="en-US" altLang="ko-KR" sz="2400" spc="-150" dirty="0" smtClean="0">
+                  <a:latin typeface="나눔바른고딕OTF" panose="02020603020101020101" pitchFamily="18" charset="-127"/>
+                  <a:ea typeface="나눔바른고딕OTF" panose="02020603020101020101" pitchFamily="18" charset="-127"/>
+                </a:rPr>
+                <a:t>3</a:t>
+              </a:r>
+              <a:r>
+                <a:rPr lang="en-US" altLang="ko-KR" sz="2400" spc="-150" dirty="0" smtClean="0">
+                  <a:latin typeface="나눔바른고딕OTF" panose="02020603020101020101" pitchFamily="18" charset="-127"/>
+                  <a:ea typeface="나눔바른고딕OTF" panose="02020603020101020101" pitchFamily="18" charset="-127"/>
+                </a:rPr>
+                <a:t>/10 </a:t>
+              </a:r>
+              <a:r>
+                <a:rPr lang="en-US" altLang="ko-KR" sz="2400" spc="-150" dirty="0">
+                  <a:latin typeface="나눔바른고딕OTF" panose="02020603020101020101" pitchFamily="18" charset="-127"/>
+                  <a:ea typeface="나눔바른고딕OTF" panose="02020603020101020101" pitchFamily="18" charset="-127"/>
+                </a:rPr>
+                <a:t>~ </a:t>
+              </a:r>
+              <a:r>
+                <a:rPr lang="en-US" altLang="ko-KR" sz="2400" spc="-150" dirty="0" smtClean="0">
+                  <a:latin typeface="나눔바른고딕OTF" panose="02020603020101020101" pitchFamily="18" charset="-127"/>
+                  <a:ea typeface="나눔바른고딕OTF" panose="02020603020101020101" pitchFamily="18" charset="-127"/>
+                </a:rPr>
+                <a:t>4/10</a:t>
+              </a:r>
+              <a:r>
+                <a:rPr lang="en-US" altLang="ko-KR" sz="2400" spc="-150" dirty="0">
+                  <a:latin typeface="나눔바른고딕OTF" panose="02020603020101020101" pitchFamily="18" charset="-127"/>
+                  <a:ea typeface="나눔바른고딕OTF" panose="02020603020101020101" pitchFamily="18" charset="-127"/>
+                </a:rPr>
+                <a:t>)</a:t>
               </a:r>
             </a:p>
           </p:txBody>

--- a/images/jam2in-job-posting-images.pptx
+++ b/images/jam2in-job-posting-images.pptx
@@ -10,6 +10,7 @@
     <p:sldId id="274" r:id="rId4"/>
     <p:sldId id="275" r:id="rId5"/>
     <p:sldId id="277" r:id="rId6"/>
+    <p:sldId id="278" r:id="rId7"/>
   </p:sldIdLst>
   <p:sldSz cx="12192000" cy="6858000"/>
   <p:notesSz cx="6858000" cy="9144000"/>
@@ -245,7 +246,7 @@
           <a:p>
             <a:fld id="{65A0F5E7-3DC3-4D9B-9751-1720D23AB909}" type="datetimeFigureOut">
               <a:rPr lang="ko-KR" altLang="en-US" smtClean="0"/>
-              <a:t>2020-04-01</a:t>
+              <a:t>2020-05-24</a:t>
             </a:fld>
             <a:endParaRPr lang="ko-KR" altLang="en-US"/>
           </a:p>
@@ -413,7 +414,7 @@
           <a:p>
             <a:fld id="{65A0F5E7-3DC3-4D9B-9751-1720D23AB909}" type="datetimeFigureOut">
               <a:rPr lang="ko-KR" altLang="en-US" smtClean="0"/>
-              <a:t>2020-04-01</a:t>
+              <a:t>2020-05-24</a:t>
             </a:fld>
             <a:endParaRPr lang="ko-KR" altLang="en-US"/>
           </a:p>
@@ -591,7 +592,7 @@
           <a:p>
             <a:fld id="{65A0F5E7-3DC3-4D9B-9751-1720D23AB909}" type="datetimeFigureOut">
               <a:rPr lang="ko-KR" altLang="en-US" smtClean="0"/>
-              <a:t>2020-04-01</a:t>
+              <a:t>2020-05-24</a:t>
             </a:fld>
             <a:endParaRPr lang="ko-KR" altLang="en-US"/>
           </a:p>
@@ -759,7 +760,7 @@
           <a:p>
             <a:fld id="{65A0F5E7-3DC3-4D9B-9751-1720D23AB909}" type="datetimeFigureOut">
               <a:rPr lang="ko-KR" altLang="en-US" smtClean="0"/>
-              <a:t>2020-04-01</a:t>
+              <a:t>2020-05-24</a:t>
             </a:fld>
             <a:endParaRPr lang="ko-KR" altLang="en-US"/>
           </a:p>
@@ -1004,7 +1005,7 @@
           <a:p>
             <a:fld id="{65A0F5E7-3DC3-4D9B-9751-1720D23AB909}" type="datetimeFigureOut">
               <a:rPr lang="ko-KR" altLang="en-US" smtClean="0"/>
-              <a:t>2020-04-01</a:t>
+              <a:t>2020-05-24</a:t>
             </a:fld>
             <a:endParaRPr lang="ko-KR" altLang="en-US"/>
           </a:p>
@@ -1233,7 +1234,7 @@
           <a:p>
             <a:fld id="{65A0F5E7-3DC3-4D9B-9751-1720D23AB909}" type="datetimeFigureOut">
               <a:rPr lang="ko-KR" altLang="en-US" smtClean="0"/>
-              <a:t>2020-04-01</a:t>
+              <a:t>2020-05-24</a:t>
             </a:fld>
             <a:endParaRPr lang="ko-KR" altLang="en-US"/>
           </a:p>
@@ -1597,7 +1598,7 @@
           <a:p>
             <a:fld id="{65A0F5E7-3DC3-4D9B-9751-1720D23AB909}" type="datetimeFigureOut">
               <a:rPr lang="ko-KR" altLang="en-US" smtClean="0"/>
-              <a:t>2020-04-01</a:t>
+              <a:t>2020-05-24</a:t>
             </a:fld>
             <a:endParaRPr lang="ko-KR" altLang="en-US"/>
           </a:p>
@@ -1714,7 +1715,7 @@
           <a:p>
             <a:fld id="{65A0F5E7-3DC3-4D9B-9751-1720D23AB909}" type="datetimeFigureOut">
               <a:rPr lang="ko-KR" altLang="en-US" smtClean="0"/>
-              <a:t>2020-04-01</a:t>
+              <a:t>2020-05-24</a:t>
             </a:fld>
             <a:endParaRPr lang="ko-KR" altLang="en-US"/>
           </a:p>
@@ -1809,7 +1810,7 @@
           <a:p>
             <a:fld id="{65A0F5E7-3DC3-4D9B-9751-1720D23AB909}" type="datetimeFigureOut">
               <a:rPr lang="ko-KR" altLang="en-US" smtClean="0"/>
-              <a:t>2020-04-01</a:t>
+              <a:t>2020-05-24</a:t>
             </a:fld>
             <a:endParaRPr lang="ko-KR" altLang="en-US"/>
           </a:p>
@@ -2084,7 +2085,7 @@
           <a:p>
             <a:fld id="{65A0F5E7-3DC3-4D9B-9751-1720D23AB909}" type="datetimeFigureOut">
               <a:rPr lang="ko-KR" altLang="en-US" smtClean="0"/>
-              <a:t>2020-04-01</a:t>
+              <a:t>2020-05-24</a:t>
             </a:fld>
             <a:endParaRPr lang="ko-KR" altLang="en-US"/>
           </a:p>
@@ -2336,7 +2337,7 @@
           <a:p>
             <a:fld id="{65A0F5E7-3DC3-4D9B-9751-1720D23AB909}" type="datetimeFigureOut">
               <a:rPr lang="ko-KR" altLang="en-US" smtClean="0"/>
-              <a:t>2020-04-01</a:t>
+              <a:t>2020-05-24</a:t>
             </a:fld>
             <a:endParaRPr lang="ko-KR" altLang="en-US"/>
           </a:p>
@@ -2547,7 +2548,7 @@
           <a:p>
             <a:fld id="{65A0F5E7-3DC3-4D9B-9751-1720D23AB909}" type="datetimeFigureOut">
               <a:rPr lang="ko-KR" altLang="en-US" smtClean="0"/>
-              <a:t>2020-04-01</a:t>
+              <a:t>2020-05-24</a:t>
             </a:fld>
             <a:endParaRPr lang="ko-KR" altLang="en-US"/>
           </a:p>
@@ -4397,7 +4398,7 @@
           <p:cNvPr id="8" name="그룹 7">
             <a:extLst>
               <a:ext uri="{FF2B5EF4-FFF2-40B4-BE49-F238E27FC236}">
-                <a16:creationId xmlns:a16="http://schemas.microsoft.com/office/drawing/2014/main" id="{500FD870-3F0E-4BDE-8DA8-4C9FCFE9586F}"/>
+                <a16:creationId xmlns:a16="http://schemas.microsoft.com/office/drawing/2014/main" xmlns="" id="{500FD870-3F0E-4BDE-8DA8-4C9FCFE9586F}"/>
               </a:ext>
             </a:extLst>
           </p:cNvPr>
@@ -4665,14 +4666,7 @@
                   <a:latin typeface="나눔바른고딕OTF" panose="02020603020101020101" pitchFamily="18" charset="-127"/>
                   <a:ea typeface="나눔바른고딕OTF" panose="02020603020101020101" pitchFamily="18" charset="-127"/>
                 </a:rPr>
-                <a:t> </a:t>
-              </a:r>
-              <a:r>
-                <a:rPr lang="ko-KR" altLang="en-US" sz="2000" dirty="0" smtClean="0">
-                  <a:latin typeface="나눔바른고딕OTF" panose="02020603020101020101" pitchFamily="18" charset="-127"/>
-                  <a:ea typeface="나눔바른고딕OTF" panose="02020603020101020101" pitchFamily="18" charset="-127"/>
-                </a:rPr>
-                <a:t>도구 </a:t>
+                <a:t> 도구 </a:t>
               </a:r>
               <a:r>
                 <a:rPr lang="ko-KR" altLang="en-US" sz="2000" dirty="0">
@@ -4796,21 +4790,7 @@
                   <a:latin typeface="나눔바른고딕OTF" panose="02020603020101020101" pitchFamily="18" charset="-127"/>
                   <a:ea typeface="나눔바른고딕OTF" panose="02020603020101020101" pitchFamily="18" charset="-127"/>
                 </a:rPr>
-                <a:t>2020  </a:t>
-              </a:r>
-              <a:r>
-                <a:rPr lang="en-US" altLang="ko-KR" sz="2400" spc="-150" dirty="0" smtClean="0">
-                  <a:latin typeface="나눔바른고딕OTF" panose="02020603020101020101" pitchFamily="18" charset="-127"/>
-                  <a:ea typeface="나눔바른고딕OTF" panose="02020603020101020101" pitchFamily="18" charset="-127"/>
-                </a:rPr>
-                <a:t>3</a:t>
-              </a:r>
-              <a:r>
-                <a:rPr lang="en-US" altLang="ko-KR" sz="2400" spc="-150" dirty="0" smtClean="0">
-                  <a:latin typeface="나눔바른고딕OTF" panose="02020603020101020101" pitchFamily="18" charset="-127"/>
-                  <a:ea typeface="나눔바른고딕OTF" panose="02020603020101020101" pitchFamily="18" charset="-127"/>
-                </a:rPr>
-                <a:t>/10 </a:t>
+                <a:t>2020  3/10 </a:t>
               </a:r>
               <a:r>
                 <a:rPr lang="en-US" altLang="ko-KR" sz="2400" spc="-150" dirty="0">
@@ -4841,6 +4821,418 @@
     <p:extLst>
       <p:ext uri="{BB962C8B-B14F-4D97-AF65-F5344CB8AC3E}">
         <p14:creationId xmlns:p14="http://schemas.microsoft.com/office/powerpoint/2010/main" val="1581193422"/>
+      </p:ext>
+    </p:extLst>
+  </p:cSld>
+  <p:clrMapOvr>
+    <a:masterClrMapping/>
+  </p:clrMapOvr>
+</p:sld>
+</file>
+
+<file path=ppt/slides/slide6.xml><?xml version="1.0" encoding="utf-8"?>
+<p:sld xmlns:a="http://schemas.openxmlformats.org/drawingml/2006/main" xmlns:r="http://schemas.openxmlformats.org/officeDocument/2006/relationships" xmlns:p="http://schemas.openxmlformats.org/presentationml/2006/main">
+  <p:cSld>
+    <p:spTree>
+      <p:nvGrpSpPr>
+        <p:cNvPr id="1" name=""/>
+        <p:cNvGrpSpPr/>
+        <p:nvPr/>
+      </p:nvGrpSpPr>
+      <p:grpSpPr>
+        <a:xfrm>
+          <a:off x="0" y="0"/>
+          <a:ext cx="0" cy="0"/>
+          <a:chOff x="0" y="0"/>
+          <a:chExt cx="0" cy="0"/>
+        </a:xfrm>
+      </p:grpSpPr>
+      <p:grpSp>
+        <p:nvGrpSpPr>
+          <p:cNvPr id="4" name="그룹 3"/>
+          <p:cNvGrpSpPr/>
+          <p:nvPr/>
+        </p:nvGrpSpPr>
+        <p:grpSpPr>
+          <a:xfrm>
+            <a:off x="1567543" y="1091682"/>
+            <a:ext cx="7948990" cy="4101208"/>
+            <a:chOff x="1567543" y="1091682"/>
+            <a:chExt cx="7948990" cy="4101208"/>
+          </a:xfrm>
+        </p:grpSpPr>
+        <p:sp>
+          <p:nvSpPr>
+            <p:cNvPr id="2" name="직사각형 1"/>
+            <p:cNvSpPr/>
+            <p:nvPr/>
+          </p:nvSpPr>
+          <p:spPr>
+            <a:xfrm>
+              <a:off x="1567543" y="1091682"/>
+              <a:ext cx="7948990" cy="4101208"/>
+            </a:xfrm>
+            <a:prstGeom prst="rect">
+              <a:avLst/>
+            </a:prstGeom>
+            <a:pattFill prst="pct25">
+              <a:fgClr>
+                <a:schemeClr val="accent5">
+                  <a:lumMod val="20000"/>
+                  <a:lumOff val="80000"/>
+                </a:schemeClr>
+              </a:fgClr>
+              <a:bgClr>
+                <a:schemeClr val="bg1"/>
+              </a:bgClr>
+            </a:pattFill>
+            <a:ln>
+              <a:noFill/>
+            </a:ln>
+          </p:spPr>
+          <p:style>
+            <a:lnRef idx="2">
+              <a:schemeClr val="accent1">
+                <a:shade val="50000"/>
+              </a:schemeClr>
+            </a:lnRef>
+            <a:fillRef idx="1">
+              <a:schemeClr val="accent1"/>
+            </a:fillRef>
+            <a:effectRef idx="0">
+              <a:schemeClr val="accent1"/>
+            </a:effectRef>
+            <a:fontRef idx="minor">
+              <a:schemeClr val="lt1"/>
+            </a:fontRef>
+          </p:style>
+          <p:txBody>
+            <a:bodyPr rtlCol="0" anchor="ctr"/>
+            <a:lstStyle/>
+            <a:p>
+              <a:pPr algn="ctr"/>
+              <a:endParaRPr lang="ko-KR" altLang="en-US"/>
+            </a:p>
+          </p:txBody>
+        </p:sp>
+        <p:pic>
+          <p:nvPicPr>
+            <p:cNvPr id="3" name="그림 2"/>
+            <p:cNvPicPr>
+              <a:picLocks noChangeAspect="1"/>
+            </p:cNvPicPr>
+            <p:nvPr/>
+          </p:nvPicPr>
+          <p:blipFill>
+            <a:blip r:embed="rId2" cstate="print">
+              <a:extLst>
+                <a:ext uri="{28A0092B-C50C-407E-A947-70E740481C1C}">
+                  <a14:useLocalDpi xmlns:a14="http://schemas.microsoft.com/office/drawing/2010/main" val="0"/>
+                </a:ext>
+              </a:extLst>
+            </a:blip>
+            <a:stretch>
+              <a:fillRect/>
+            </a:stretch>
+          </p:blipFill>
+          <p:spPr>
+            <a:xfrm>
+              <a:off x="2765508" y="1673394"/>
+              <a:ext cx="4954624" cy="548666"/>
+            </a:xfrm>
+            <a:prstGeom prst="rect">
+              <a:avLst/>
+            </a:prstGeom>
+          </p:spPr>
+        </p:pic>
+        <p:sp>
+          <p:nvSpPr>
+            <p:cNvPr id="5" name="TextBox 4"/>
+            <p:cNvSpPr txBox="1"/>
+            <p:nvPr/>
+          </p:nvSpPr>
+          <p:spPr>
+            <a:xfrm>
+              <a:off x="1930401" y="2343829"/>
+              <a:ext cx="5480261" cy="523220"/>
+            </a:xfrm>
+            <a:prstGeom prst="rect">
+              <a:avLst/>
+            </a:prstGeom>
+            <a:noFill/>
+          </p:spPr>
+          <p:txBody>
+            <a:bodyPr wrap="square" rtlCol="0" anchor="ctr">
+              <a:spAutoFit/>
+            </a:bodyPr>
+            <a:lstStyle/>
+            <a:p>
+              <a:pPr algn="r"/>
+              <a:r>
+                <a:rPr lang="ko-KR" altLang="en-US" sz="2800" spc="-150" dirty="0" smtClean="0">
+                  <a:latin typeface="나눔바른고딕OTF" panose="02020603020101020101" pitchFamily="18" charset="-127"/>
+                  <a:ea typeface="나눔바른고딕OTF" panose="02020603020101020101" pitchFamily="18" charset="-127"/>
+                </a:rPr>
+                <a:t>마케팅</a:t>
+              </a:r>
+              <a:r>
+                <a:rPr lang="en-US" altLang="ko-KR" sz="2800" spc="-150" dirty="0">
+                  <a:latin typeface="나눔바른고딕OTF" panose="02020603020101020101" pitchFamily="18" charset="-127"/>
+                  <a:ea typeface="나눔바른고딕OTF" panose="02020603020101020101" pitchFamily="18" charset="-127"/>
+                </a:rPr>
+                <a:t>/</a:t>
+              </a:r>
+              <a:r>
+                <a:rPr lang="ko-KR" altLang="en-US" sz="2800" spc="-150" dirty="0">
+                  <a:latin typeface="나눔바른고딕OTF" panose="02020603020101020101" pitchFamily="18" charset="-127"/>
+                  <a:ea typeface="나눔바른고딕OTF" panose="02020603020101020101" pitchFamily="18" charset="-127"/>
+                </a:rPr>
+                <a:t>기술영업 </a:t>
+              </a:r>
+              <a:r>
+                <a:rPr lang="ko-KR" altLang="en-US" sz="2800" spc="-150" dirty="0" smtClean="0">
+                  <a:latin typeface="나눔바른고딕OTF" panose="02020603020101020101" pitchFamily="18" charset="-127"/>
+                  <a:ea typeface="나눔바른고딕OTF" panose="02020603020101020101" pitchFamily="18" charset="-127"/>
+                </a:rPr>
+                <a:t> 전문 인력 </a:t>
+              </a:r>
+              <a:r>
+                <a:rPr lang="ko-KR" altLang="en-US" sz="2800" spc="-150" dirty="0" smtClean="0">
+                  <a:latin typeface="나눔바른고딕OTF" panose="02020603020101020101" pitchFamily="18" charset="-127"/>
+                  <a:ea typeface="나눔바른고딕OTF" panose="02020603020101020101" pitchFamily="18" charset="-127"/>
+                </a:rPr>
+                <a:t>모집</a:t>
+              </a:r>
+              <a:r>
+                <a:rPr lang="ko-KR" altLang="en-US" sz="2800" dirty="0" smtClean="0">
+                  <a:latin typeface="나눔바른고딕OTF" panose="02020603020101020101" pitchFamily="18" charset="-127"/>
+                  <a:ea typeface="나눔바른고딕OTF" panose="02020603020101020101" pitchFamily="18" charset="-127"/>
+                </a:rPr>
+                <a:t> </a:t>
+              </a:r>
+              <a:r>
+                <a:rPr lang="en-US" altLang="ko-KR" sz="2800" dirty="0">
+                  <a:latin typeface="나눔바른고딕OTF" panose="02020603020101020101" pitchFamily="18" charset="-127"/>
+                  <a:ea typeface="나눔바른고딕OTF" panose="02020603020101020101" pitchFamily="18" charset="-127"/>
+                </a:rPr>
+                <a:t>@ </a:t>
+              </a:r>
+              <a:endParaRPr lang="ko-KR" altLang="en-US" sz="2800" dirty="0">
+                <a:latin typeface="나눔바른고딕OTF" panose="02020603020101020101" pitchFamily="18" charset="-127"/>
+                <a:ea typeface="나눔바른고딕OTF" panose="02020603020101020101" pitchFamily="18" charset="-127"/>
+              </a:endParaRPr>
+            </a:p>
+          </p:txBody>
+        </p:sp>
+        <p:pic>
+          <p:nvPicPr>
+            <p:cNvPr id="6" name="그림 5"/>
+            <p:cNvPicPr>
+              <a:picLocks noChangeAspect="1"/>
+            </p:cNvPicPr>
+            <p:nvPr/>
+          </p:nvPicPr>
+          <p:blipFill>
+            <a:blip r:embed="rId3" cstate="print">
+              <a:extLst>
+                <a:ext uri="{28A0092B-C50C-407E-A947-70E740481C1C}">
+                  <a14:useLocalDpi xmlns:a14="http://schemas.microsoft.com/office/drawing/2010/main" val="0"/>
+                </a:ext>
+              </a:extLst>
+            </a:blip>
+            <a:stretch>
+              <a:fillRect/>
+            </a:stretch>
+          </p:blipFill>
+          <p:spPr>
+            <a:xfrm>
+              <a:off x="7410662" y="2417603"/>
+              <a:ext cx="1596121" cy="385729"/>
+            </a:xfrm>
+            <a:prstGeom prst="rect">
+              <a:avLst/>
+            </a:prstGeom>
+          </p:spPr>
+        </p:pic>
+        <p:sp>
+          <p:nvSpPr>
+            <p:cNvPr id="10" name="TextBox 9"/>
+            <p:cNvSpPr txBox="1"/>
+            <p:nvPr/>
+          </p:nvSpPr>
+          <p:spPr>
+            <a:xfrm>
+              <a:off x="1930400" y="3906514"/>
+              <a:ext cx="7281333" cy="707886"/>
+            </a:xfrm>
+            <a:prstGeom prst="rect">
+              <a:avLst/>
+            </a:prstGeom>
+            <a:noFill/>
+          </p:spPr>
+          <p:txBody>
+            <a:bodyPr wrap="square" rtlCol="0" anchor="ctr">
+              <a:spAutoFit/>
+            </a:bodyPr>
+            <a:lstStyle/>
+            <a:p>
+              <a:r>
+                <a:rPr lang="en-US" altLang="ko-KR" sz="2000" dirty="0">
+                  <a:latin typeface="나눔바른고딕OTF" panose="02020603020101020101" pitchFamily="18" charset="-127"/>
+                  <a:ea typeface="나눔바른고딕OTF" panose="02020603020101020101" pitchFamily="18" charset="-127"/>
+                </a:rPr>
+                <a:t>NoSQL </a:t>
+              </a:r>
+              <a:r>
+                <a:rPr lang="ko-KR" altLang="en-US" sz="2000" dirty="0" smtClean="0">
+                  <a:latin typeface="나눔바른고딕OTF" panose="02020603020101020101" pitchFamily="18" charset="-127"/>
+                  <a:ea typeface="나눔바른고딕OTF" panose="02020603020101020101" pitchFamily="18" charset="-127"/>
+                </a:rPr>
+                <a:t>기술</a:t>
+              </a:r>
+              <a:r>
+                <a:rPr lang="en-US" altLang="ko-KR" sz="2000" dirty="0" smtClean="0">
+                  <a:latin typeface="나눔바른고딕OTF" panose="02020603020101020101" pitchFamily="18" charset="-127"/>
+                  <a:ea typeface="나눔바른고딕OTF" panose="02020603020101020101" pitchFamily="18" charset="-127"/>
+                </a:rPr>
+                <a:t>, </a:t>
+              </a:r>
+              <a:r>
+                <a:rPr lang="ko-KR" altLang="en-US" sz="2000" dirty="0" err="1" smtClean="0">
+                  <a:latin typeface="나눔바른고딕OTF" panose="02020603020101020101" pitchFamily="18" charset="-127"/>
+                  <a:ea typeface="나눔바른고딕OTF" panose="02020603020101020101" pitchFamily="18" charset="-127"/>
+                </a:rPr>
+                <a:t>트렌드</a:t>
+              </a:r>
+              <a:r>
+                <a:rPr lang="en-US" altLang="ko-KR" sz="2000" dirty="0" smtClean="0">
+                  <a:latin typeface="나눔바른고딕OTF" panose="02020603020101020101" pitchFamily="18" charset="-127"/>
+                  <a:ea typeface="나눔바른고딕OTF" panose="02020603020101020101" pitchFamily="18" charset="-127"/>
+                </a:rPr>
+                <a:t>, </a:t>
+              </a:r>
+              <a:r>
+                <a:rPr lang="ko-KR" altLang="en-US" sz="2000" dirty="0" smtClean="0">
+                  <a:latin typeface="나눔바른고딕OTF" panose="02020603020101020101" pitchFamily="18" charset="-127"/>
+                  <a:ea typeface="나눔바른고딕OTF" panose="02020603020101020101" pitchFamily="18" charset="-127"/>
+                </a:rPr>
+                <a:t>고객을 이해해 가면서</a:t>
+              </a:r>
+              <a:r>
+                <a:rPr lang="en-US" altLang="ko-KR" sz="2000" dirty="0" smtClean="0">
+                  <a:latin typeface="나눔바른고딕OTF" panose="02020603020101020101" pitchFamily="18" charset="-127"/>
+                  <a:ea typeface="나눔바른고딕OTF" panose="02020603020101020101" pitchFamily="18" charset="-127"/>
+                </a:rPr>
+                <a:t> </a:t>
+              </a:r>
+              <a:r>
+                <a:rPr lang="ko-KR" altLang="en-US" sz="2000" dirty="0" smtClean="0">
+                  <a:latin typeface="나눔바른고딕OTF" panose="02020603020101020101" pitchFamily="18" charset="-127"/>
+                  <a:ea typeface="나눔바른고딕OTF" panose="02020603020101020101" pitchFamily="18" charset="-127"/>
+                </a:rPr>
+                <a:t>마케팅</a:t>
+              </a:r>
+              <a:r>
+                <a:rPr lang="en-US" altLang="ko-KR" sz="2000" dirty="0">
+                  <a:latin typeface="나눔바른고딕OTF" panose="02020603020101020101" pitchFamily="18" charset="-127"/>
+                  <a:ea typeface="나눔바른고딕OTF" panose="02020603020101020101" pitchFamily="18" charset="-127"/>
+                </a:rPr>
+                <a:t>/</a:t>
+              </a:r>
+              <a:r>
+                <a:rPr lang="ko-KR" altLang="en-US" sz="2000" dirty="0" smtClean="0">
+                  <a:latin typeface="나눔바른고딕OTF" panose="02020603020101020101" pitchFamily="18" charset="-127"/>
+                  <a:ea typeface="나눔바른고딕OTF" panose="02020603020101020101" pitchFamily="18" charset="-127"/>
+                </a:rPr>
+                <a:t>기술영업 경험과 열정을 바탕으로 </a:t>
+              </a:r>
+              <a:r>
+                <a:rPr lang="en-US" altLang="ko-KR" sz="2000" dirty="0" smtClean="0">
+                  <a:latin typeface="나눔바른고딕OTF" panose="02020603020101020101" pitchFamily="18" charset="-127"/>
+                  <a:ea typeface="나눔바른고딕OTF" panose="02020603020101020101" pitchFamily="18" charset="-127"/>
+                </a:rPr>
+                <a:t>ARCUS </a:t>
+              </a:r>
+              <a:r>
+                <a:rPr lang="ko-KR" altLang="en-US" sz="2000" dirty="0">
+                  <a:latin typeface="나눔바른고딕OTF" panose="02020603020101020101" pitchFamily="18" charset="-127"/>
+                  <a:ea typeface="나눔바른고딕OTF" panose="02020603020101020101" pitchFamily="18" charset="-127"/>
+                </a:rPr>
+                <a:t>시장을 새로이 개척할 분을 기다립니다</a:t>
+              </a:r>
+              <a:r>
+                <a:rPr lang="en-US" altLang="ko-KR" sz="2000" dirty="0">
+                  <a:latin typeface="나눔바른고딕OTF" panose="02020603020101020101" pitchFamily="18" charset="-127"/>
+                  <a:ea typeface="나눔바른고딕OTF" panose="02020603020101020101" pitchFamily="18" charset="-127"/>
+                </a:rPr>
+                <a:t>.</a:t>
+              </a:r>
+            </a:p>
+          </p:txBody>
+        </p:sp>
+        <p:sp>
+          <p:nvSpPr>
+            <p:cNvPr id="11" name="TextBox 10"/>
+            <p:cNvSpPr txBox="1"/>
+            <p:nvPr/>
+          </p:nvSpPr>
+          <p:spPr>
+            <a:xfrm>
+              <a:off x="3781211" y="2867049"/>
+              <a:ext cx="3306842" cy="461665"/>
+            </a:xfrm>
+            <a:prstGeom prst="rect">
+              <a:avLst/>
+            </a:prstGeom>
+            <a:noFill/>
+          </p:spPr>
+          <p:txBody>
+            <a:bodyPr wrap="square" rtlCol="0" anchor="ctr">
+              <a:spAutoFit/>
+            </a:bodyPr>
+            <a:lstStyle/>
+            <a:p>
+              <a:pPr algn="ctr"/>
+              <a:r>
+                <a:rPr lang="en-US" altLang="ko-KR" sz="2400" spc="-150" dirty="0">
+                  <a:latin typeface="나눔바른고딕OTF" panose="02020603020101020101" pitchFamily="18" charset="-127"/>
+                  <a:ea typeface="나눔바른고딕OTF" panose="02020603020101020101" pitchFamily="18" charset="-127"/>
+                </a:rPr>
+                <a:t>(</a:t>
+              </a:r>
+              <a:r>
+                <a:rPr lang="en-US" altLang="ko-KR" sz="2400" spc="-150" dirty="0" smtClean="0">
+                  <a:latin typeface="나눔바른고딕OTF" panose="02020603020101020101" pitchFamily="18" charset="-127"/>
+                  <a:ea typeface="나눔바른고딕OTF" panose="02020603020101020101" pitchFamily="18" charset="-127"/>
+                </a:rPr>
+                <a:t>2020  6/1 </a:t>
+              </a:r>
+              <a:r>
+                <a:rPr lang="en-US" altLang="ko-KR" sz="2400" spc="-150" dirty="0">
+                  <a:latin typeface="나눔바른고딕OTF" panose="02020603020101020101" pitchFamily="18" charset="-127"/>
+                  <a:ea typeface="나눔바른고딕OTF" panose="02020603020101020101" pitchFamily="18" charset="-127"/>
+                </a:rPr>
+                <a:t>~ </a:t>
+              </a:r>
+              <a:r>
+                <a:rPr lang="en-US" altLang="ko-KR" sz="2400" spc="-150" dirty="0" smtClean="0">
+                  <a:latin typeface="나눔바른고딕OTF" panose="02020603020101020101" pitchFamily="18" charset="-127"/>
+                  <a:ea typeface="나눔바른고딕OTF" panose="02020603020101020101" pitchFamily="18" charset="-127"/>
+                </a:rPr>
+                <a:t>6/26)</a:t>
+              </a:r>
+              <a:endParaRPr lang="en-US" altLang="ko-KR" sz="2400" spc="-150" dirty="0">
+                <a:latin typeface="나눔바른고딕OTF" panose="02020603020101020101" pitchFamily="18" charset="-127"/>
+                <a:ea typeface="나눔바른고딕OTF" panose="02020603020101020101" pitchFamily="18" charset="-127"/>
+              </a:endParaRPr>
+            </a:p>
+          </p:txBody>
+        </p:sp>
+      </p:grpSp>
+    </p:spTree>
+    <p:extLst>
+      <p:ext uri="{BB962C8B-B14F-4D97-AF65-F5344CB8AC3E}">
+        <p14:creationId xmlns:p14="http://schemas.microsoft.com/office/powerpoint/2010/main" val="1482585727"/>
       </p:ext>
     </p:extLst>
   </p:cSld>

--- a/images/jam2in-job-posting-images.pptx
+++ b/images/jam2in-job-posting-images.pptx
@@ -4398,7 +4398,7 @@
           <p:cNvPr id="8" name="그룹 7">
             <a:extLst>
               <a:ext uri="{FF2B5EF4-FFF2-40B4-BE49-F238E27FC236}">
-                <a16:creationId xmlns:a16="http://schemas.microsoft.com/office/drawing/2014/main" xmlns="" id="{500FD870-3F0E-4BDE-8DA8-4C9FCFE9586F}"/>
+                <a16:creationId xmlns="" xmlns:a16="http://schemas.microsoft.com/office/drawing/2014/main" id="{500FD870-3F0E-4BDE-8DA8-4C9FCFE9586F}"/>
               </a:ext>
             </a:extLst>
           </p:cNvPr>
@@ -4937,7 +4937,7 @@
           </p:blipFill>
           <p:spPr>
             <a:xfrm>
-              <a:off x="2765508" y="1673394"/>
+              <a:off x="2942155" y="1673394"/>
               <a:ext cx="4954624" cy="548666"/>
             </a:xfrm>
             <a:prstGeom prst="rect">
@@ -4953,8 +4953,8 @@
           </p:nvSpPr>
           <p:spPr>
             <a:xfrm>
-              <a:off x="1930401" y="2343829"/>
-              <a:ext cx="5480261" cy="523220"/>
+              <a:off x="2421080" y="2343829"/>
+              <a:ext cx="4407686" cy="523220"/>
             </a:xfrm>
             <a:prstGeom prst="rect">
               <a:avLst/>
@@ -4994,7 +4994,14 @@
                   <a:latin typeface="나눔바른고딕OTF" panose="02020603020101020101" pitchFamily="18" charset="-127"/>
                   <a:ea typeface="나눔바른고딕OTF" panose="02020603020101020101" pitchFamily="18" charset="-127"/>
                 </a:rPr>
-                <a:t> 전문 인력 </a:t>
+                <a:t> </a:t>
+              </a:r>
+              <a:r>
+                <a:rPr lang="ko-KR" altLang="en-US" sz="2800" spc="-150" dirty="0" smtClean="0">
+                  <a:latin typeface="나눔바른고딕OTF" panose="02020603020101020101" pitchFamily="18" charset="-127"/>
+                  <a:ea typeface="나눔바른고딕OTF" panose="02020603020101020101" pitchFamily="18" charset="-127"/>
+                </a:rPr>
+                <a:t>인력 </a:t>
               </a:r>
               <a:r>
                 <a:rPr lang="ko-KR" altLang="en-US" sz="2800" spc="-150" dirty="0" smtClean="0">
@@ -5046,7 +5053,7 @@
           </p:blipFill>
           <p:spPr>
             <a:xfrm>
-              <a:off x="7410662" y="2417603"/>
+              <a:off x="6776811" y="2407212"/>
               <a:ext cx="1596121" cy="385729"/>
             </a:xfrm>
             <a:prstGeom prst="rect">
@@ -5178,7 +5185,7 @@
           </p:nvSpPr>
           <p:spPr>
             <a:xfrm>
-              <a:off x="3781211" y="2867049"/>
+              <a:off x="3739647" y="2846267"/>
               <a:ext cx="3306842" cy="461665"/>
             </a:xfrm>
             <a:prstGeom prst="rect">

--- a/images/jam2in-job-posting-images.pptx
+++ b/images/jam2in-job-posting-images.pptx
@@ -11,6 +11,7 @@
     <p:sldId id="275" r:id="rId5"/>
     <p:sldId id="277" r:id="rId6"/>
     <p:sldId id="278" r:id="rId7"/>
+    <p:sldId id="279" r:id="rId8"/>
   </p:sldIdLst>
   <p:sldSz cx="12192000" cy="6858000"/>
   <p:notesSz cx="6858000" cy="9144000"/>
@@ -246,7 +247,7 @@
           <a:p>
             <a:fld id="{65A0F5E7-3DC3-4D9B-9751-1720D23AB909}" type="datetimeFigureOut">
               <a:rPr lang="ko-KR" altLang="en-US" smtClean="0"/>
-              <a:t>2020-05-24</a:t>
+              <a:t>2020-05-25</a:t>
             </a:fld>
             <a:endParaRPr lang="ko-KR" altLang="en-US"/>
           </a:p>
@@ -414,7 +415,7 @@
           <a:p>
             <a:fld id="{65A0F5E7-3DC3-4D9B-9751-1720D23AB909}" type="datetimeFigureOut">
               <a:rPr lang="ko-KR" altLang="en-US" smtClean="0"/>
-              <a:t>2020-05-24</a:t>
+              <a:t>2020-05-25</a:t>
             </a:fld>
             <a:endParaRPr lang="ko-KR" altLang="en-US"/>
           </a:p>
@@ -592,7 +593,7 @@
           <a:p>
             <a:fld id="{65A0F5E7-3DC3-4D9B-9751-1720D23AB909}" type="datetimeFigureOut">
               <a:rPr lang="ko-KR" altLang="en-US" smtClean="0"/>
-              <a:t>2020-05-24</a:t>
+              <a:t>2020-05-25</a:t>
             </a:fld>
             <a:endParaRPr lang="ko-KR" altLang="en-US"/>
           </a:p>
@@ -760,7 +761,7 @@
           <a:p>
             <a:fld id="{65A0F5E7-3DC3-4D9B-9751-1720D23AB909}" type="datetimeFigureOut">
               <a:rPr lang="ko-KR" altLang="en-US" smtClean="0"/>
-              <a:t>2020-05-24</a:t>
+              <a:t>2020-05-25</a:t>
             </a:fld>
             <a:endParaRPr lang="ko-KR" altLang="en-US"/>
           </a:p>
@@ -1005,7 +1006,7 @@
           <a:p>
             <a:fld id="{65A0F5E7-3DC3-4D9B-9751-1720D23AB909}" type="datetimeFigureOut">
               <a:rPr lang="ko-KR" altLang="en-US" smtClean="0"/>
-              <a:t>2020-05-24</a:t>
+              <a:t>2020-05-25</a:t>
             </a:fld>
             <a:endParaRPr lang="ko-KR" altLang="en-US"/>
           </a:p>
@@ -1234,7 +1235,7 @@
           <a:p>
             <a:fld id="{65A0F5E7-3DC3-4D9B-9751-1720D23AB909}" type="datetimeFigureOut">
               <a:rPr lang="ko-KR" altLang="en-US" smtClean="0"/>
-              <a:t>2020-05-24</a:t>
+              <a:t>2020-05-25</a:t>
             </a:fld>
             <a:endParaRPr lang="ko-KR" altLang="en-US"/>
           </a:p>
@@ -1598,7 +1599,7 @@
           <a:p>
             <a:fld id="{65A0F5E7-3DC3-4D9B-9751-1720D23AB909}" type="datetimeFigureOut">
               <a:rPr lang="ko-KR" altLang="en-US" smtClean="0"/>
-              <a:t>2020-05-24</a:t>
+              <a:t>2020-05-25</a:t>
             </a:fld>
             <a:endParaRPr lang="ko-KR" altLang="en-US"/>
           </a:p>
@@ -1715,7 +1716,7 @@
           <a:p>
             <a:fld id="{65A0F5E7-3DC3-4D9B-9751-1720D23AB909}" type="datetimeFigureOut">
               <a:rPr lang="ko-KR" altLang="en-US" smtClean="0"/>
-              <a:t>2020-05-24</a:t>
+              <a:t>2020-05-25</a:t>
             </a:fld>
             <a:endParaRPr lang="ko-KR" altLang="en-US"/>
           </a:p>
@@ -1810,7 +1811,7 @@
           <a:p>
             <a:fld id="{65A0F5E7-3DC3-4D9B-9751-1720D23AB909}" type="datetimeFigureOut">
               <a:rPr lang="ko-KR" altLang="en-US" smtClean="0"/>
-              <a:t>2020-05-24</a:t>
+              <a:t>2020-05-25</a:t>
             </a:fld>
             <a:endParaRPr lang="ko-KR" altLang="en-US"/>
           </a:p>
@@ -2085,7 +2086,7 @@
           <a:p>
             <a:fld id="{65A0F5E7-3DC3-4D9B-9751-1720D23AB909}" type="datetimeFigureOut">
               <a:rPr lang="ko-KR" altLang="en-US" smtClean="0"/>
-              <a:t>2020-05-24</a:t>
+              <a:t>2020-05-25</a:t>
             </a:fld>
             <a:endParaRPr lang="ko-KR" altLang="en-US"/>
           </a:p>
@@ -2337,7 +2338,7 @@
           <a:p>
             <a:fld id="{65A0F5E7-3DC3-4D9B-9751-1720D23AB909}" type="datetimeFigureOut">
               <a:rPr lang="ko-KR" altLang="en-US" smtClean="0"/>
-              <a:t>2020-05-24</a:t>
+              <a:t>2020-05-25</a:t>
             </a:fld>
             <a:endParaRPr lang="ko-KR" altLang="en-US"/>
           </a:p>
@@ -2548,7 +2549,7 @@
           <a:p>
             <a:fld id="{65A0F5E7-3DC3-4D9B-9751-1720D23AB909}" type="datetimeFigureOut">
               <a:rPr lang="ko-KR" altLang="en-US" smtClean="0"/>
-              <a:t>2020-05-24</a:t>
+              <a:t>2020-05-25</a:t>
             </a:fld>
             <a:endParaRPr lang="ko-KR" altLang="en-US"/>
           </a:p>
@@ -4398,7 +4399,7 @@
           <p:cNvPr id="8" name="그룹 7">
             <a:extLst>
               <a:ext uri="{FF2B5EF4-FFF2-40B4-BE49-F238E27FC236}">
-                <a16:creationId xmlns="" xmlns:a16="http://schemas.microsoft.com/office/drawing/2014/main" id="{500FD870-3F0E-4BDE-8DA8-4C9FCFE9586F}"/>
+                <a16:creationId xmlns:a16="http://schemas.microsoft.com/office/drawing/2014/main" xmlns="" id="{500FD870-3F0E-4BDE-8DA8-4C9FCFE9586F}"/>
               </a:ext>
             </a:extLst>
           </p:cNvPr>
@@ -4877,7 +4878,7 @@
             </a:prstGeom>
             <a:pattFill prst="pct25">
               <a:fgClr>
-                <a:schemeClr val="accent5">
+                <a:schemeClr val="accent6">
                   <a:lumMod val="20000"/>
                   <a:lumOff val="80000"/>
                 </a:schemeClr>
@@ -4994,21 +4995,7 @@
                   <a:latin typeface="나눔바른고딕OTF" panose="02020603020101020101" pitchFamily="18" charset="-127"/>
                   <a:ea typeface="나눔바른고딕OTF" panose="02020603020101020101" pitchFamily="18" charset="-127"/>
                 </a:rPr>
-                <a:t> </a:t>
-              </a:r>
-              <a:r>
-                <a:rPr lang="ko-KR" altLang="en-US" sz="2800" spc="-150" dirty="0" smtClean="0">
-                  <a:latin typeface="나눔바른고딕OTF" panose="02020603020101020101" pitchFamily="18" charset="-127"/>
-                  <a:ea typeface="나눔바른고딕OTF" panose="02020603020101020101" pitchFamily="18" charset="-127"/>
-                </a:rPr>
-                <a:t>인력 </a:t>
-              </a:r>
-              <a:r>
-                <a:rPr lang="ko-KR" altLang="en-US" sz="2800" spc="-150" dirty="0" smtClean="0">
-                  <a:latin typeface="나눔바른고딕OTF" panose="02020603020101020101" pitchFamily="18" charset="-127"/>
-                  <a:ea typeface="나눔바른고딕OTF" panose="02020603020101020101" pitchFamily="18" charset="-127"/>
-                </a:rPr>
-                <a:t>모집</a:t>
+                <a:t> 인력 모집</a:t>
               </a:r>
               <a:r>
                 <a:rPr lang="ko-KR" altLang="en-US" sz="2800" dirty="0" smtClean="0">
@@ -5212,7 +5199,14 @@
                   <a:latin typeface="나눔바른고딕OTF" panose="02020603020101020101" pitchFamily="18" charset="-127"/>
                   <a:ea typeface="나눔바른고딕OTF" panose="02020603020101020101" pitchFamily="18" charset="-127"/>
                 </a:rPr>
-                <a:t>2020  6/1 </a:t>
+                <a:t>2020  </a:t>
+              </a:r>
+              <a:r>
+                <a:rPr lang="en-US" altLang="ko-KR" sz="2400" spc="-150" dirty="0" smtClean="0">
+                  <a:latin typeface="나눔바른고딕OTF" panose="02020603020101020101" pitchFamily="18" charset="-127"/>
+                  <a:ea typeface="나눔바른고딕OTF" panose="02020603020101020101" pitchFamily="18" charset="-127"/>
+                </a:rPr>
+                <a:t>5/25 </a:t>
               </a:r>
               <a:r>
                 <a:rPr lang="en-US" altLang="ko-KR" sz="2400" spc="-150" dirty="0">
@@ -5240,6 +5234,473 @@
     <p:extLst>
       <p:ext uri="{BB962C8B-B14F-4D97-AF65-F5344CB8AC3E}">
         <p14:creationId xmlns:p14="http://schemas.microsoft.com/office/powerpoint/2010/main" val="1482585727"/>
+      </p:ext>
+    </p:extLst>
+  </p:cSld>
+  <p:clrMapOvr>
+    <a:masterClrMapping/>
+  </p:clrMapOvr>
+</p:sld>
+</file>
+
+<file path=ppt/slides/slide7.xml><?xml version="1.0" encoding="utf-8"?>
+<p:sld xmlns:a="http://schemas.openxmlformats.org/drawingml/2006/main" xmlns:r="http://schemas.openxmlformats.org/officeDocument/2006/relationships" xmlns:p="http://schemas.openxmlformats.org/presentationml/2006/main">
+  <p:cSld>
+    <p:spTree>
+      <p:nvGrpSpPr>
+        <p:cNvPr id="1" name=""/>
+        <p:cNvGrpSpPr/>
+        <p:nvPr/>
+      </p:nvGrpSpPr>
+      <p:grpSpPr>
+        <a:xfrm>
+          <a:off x="0" y="0"/>
+          <a:ext cx="0" cy="0"/>
+          <a:chOff x="0" y="0"/>
+          <a:chExt cx="0" cy="0"/>
+        </a:xfrm>
+      </p:grpSpPr>
+      <p:grpSp>
+        <p:nvGrpSpPr>
+          <p:cNvPr id="8" name="그룹 7">
+            <a:extLst>
+              <a:ext uri="{FF2B5EF4-FFF2-40B4-BE49-F238E27FC236}">
+                <a16:creationId xmlns:a16="http://schemas.microsoft.com/office/drawing/2014/main" xmlns="" id="{500FD870-3F0E-4BDE-8DA8-4C9FCFE9586F}"/>
+              </a:ext>
+            </a:extLst>
+          </p:cNvPr>
+          <p:cNvGrpSpPr/>
+          <p:nvPr/>
+        </p:nvGrpSpPr>
+        <p:grpSpPr>
+          <a:xfrm>
+            <a:off x="1810892" y="1378396"/>
+            <a:ext cx="7948990" cy="4101208"/>
+            <a:chOff x="1567543" y="1091682"/>
+            <a:chExt cx="7948990" cy="4101208"/>
+          </a:xfrm>
+          <a:pattFill prst="pct25">
+            <a:fgClr>
+              <a:schemeClr val="accent4">
+                <a:lumMod val="20000"/>
+                <a:lumOff val="80000"/>
+              </a:schemeClr>
+            </a:fgClr>
+            <a:bgClr>
+              <a:schemeClr val="bg1"/>
+            </a:bgClr>
+          </a:pattFill>
+        </p:grpSpPr>
+        <p:sp>
+          <p:nvSpPr>
+            <p:cNvPr id="2" name="직사각형 1"/>
+            <p:cNvSpPr/>
+            <p:nvPr/>
+          </p:nvSpPr>
+          <p:spPr>
+            <a:xfrm>
+              <a:off x="1567543" y="1091682"/>
+              <a:ext cx="7948990" cy="4101208"/>
+            </a:xfrm>
+            <a:prstGeom prst="rect">
+              <a:avLst/>
+            </a:prstGeom>
+            <a:grpFill/>
+            <a:ln>
+              <a:noFill/>
+            </a:ln>
+          </p:spPr>
+          <p:style>
+            <a:lnRef idx="2">
+              <a:schemeClr val="accent1">
+                <a:shade val="50000"/>
+              </a:schemeClr>
+            </a:lnRef>
+            <a:fillRef idx="1">
+              <a:schemeClr val="accent1"/>
+            </a:fillRef>
+            <a:effectRef idx="0">
+              <a:schemeClr val="accent1"/>
+            </a:effectRef>
+            <a:fontRef idx="minor">
+              <a:schemeClr val="lt1"/>
+            </a:fontRef>
+          </p:style>
+          <p:txBody>
+            <a:bodyPr rtlCol="0" anchor="ctr"/>
+            <a:lstStyle/>
+            <a:p>
+              <a:pPr algn="ctr"/>
+              <a:endParaRPr lang="ko-KR" altLang="en-US" dirty="0"/>
+            </a:p>
+          </p:txBody>
+        </p:sp>
+        <p:pic>
+          <p:nvPicPr>
+            <p:cNvPr id="3" name="그림 2"/>
+            <p:cNvPicPr>
+              <a:picLocks noChangeAspect="1"/>
+            </p:cNvPicPr>
+            <p:nvPr/>
+          </p:nvPicPr>
+          <p:blipFill>
+            <a:blip r:embed="rId2" cstate="print">
+              <a:extLst>
+                <a:ext uri="{28A0092B-C50C-407E-A947-70E740481C1C}">
+                  <a14:useLocalDpi xmlns:a14="http://schemas.microsoft.com/office/drawing/2010/main" val="0"/>
+                </a:ext>
+              </a:extLst>
+            </a:blip>
+            <a:stretch>
+              <a:fillRect/>
+            </a:stretch>
+          </p:blipFill>
+          <p:spPr>
+            <a:xfrm>
+              <a:off x="2957320" y="1673744"/>
+              <a:ext cx="4954624" cy="548666"/>
+            </a:xfrm>
+            <a:prstGeom prst="rect">
+              <a:avLst/>
+            </a:prstGeom>
+            <a:grpFill/>
+          </p:spPr>
+        </p:pic>
+        <p:grpSp>
+          <p:nvGrpSpPr>
+            <p:cNvPr id="4" name="그룹 3"/>
+            <p:cNvGrpSpPr/>
+            <p:nvPr/>
+          </p:nvGrpSpPr>
+          <p:grpSpPr>
+            <a:xfrm>
+              <a:off x="2749718" y="2343829"/>
+              <a:ext cx="5435174" cy="523220"/>
+              <a:chOff x="3003040" y="2343829"/>
+              <a:chExt cx="5435174" cy="523220"/>
+            </a:xfrm>
+            <a:grpFill/>
+          </p:grpSpPr>
+          <p:sp>
+            <p:nvSpPr>
+              <p:cNvPr id="5" name="TextBox 4"/>
+              <p:cNvSpPr txBox="1"/>
+              <p:nvPr/>
+            </p:nvSpPr>
+            <p:spPr>
+              <a:xfrm>
+                <a:off x="3003040" y="2343829"/>
+                <a:ext cx="4212607" cy="523220"/>
+              </a:xfrm>
+              <a:prstGeom prst="rect">
+                <a:avLst/>
+              </a:prstGeom>
+              <a:grpFill/>
+            </p:spPr>
+            <p:txBody>
+              <a:bodyPr wrap="square" rtlCol="0" anchor="ctr">
+                <a:spAutoFit/>
+              </a:bodyPr>
+              <a:lstStyle/>
+              <a:p>
+                <a:r>
+                  <a:rPr lang="en-US" altLang="ko-KR" sz="2800" spc="-150" dirty="0">
+                    <a:latin typeface="나눔바른고딕OTF" panose="02020603020101020101" pitchFamily="18" charset="-127"/>
+                    <a:ea typeface="나눔바른고딕OTF" panose="02020603020101020101" pitchFamily="18" charset="-127"/>
+                  </a:rPr>
+                  <a:t>ARCUS</a:t>
+                </a:r>
+                <a:r>
+                  <a:rPr lang="ko-KR" altLang="en-US" sz="2800" spc="-150" dirty="0">
+                    <a:latin typeface="나눔바른고딕OTF" panose="02020603020101020101" pitchFamily="18" charset="-127"/>
+                    <a:ea typeface="나눔바른고딕OTF" panose="02020603020101020101" pitchFamily="18" charset="-127"/>
+                  </a:rPr>
+                  <a:t> 응용개발자 </a:t>
+                </a:r>
+                <a:r>
+                  <a:rPr lang="ko-KR" altLang="en-US" sz="2800" spc="-150" dirty="0" smtClean="0">
+                    <a:latin typeface="나눔바른고딕OTF" panose="02020603020101020101" pitchFamily="18" charset="-127"/>
+                    <a:ea typeface="나눔바른고딕OTF" panose="02020603020101020101" pitchFamily="18" charset="-127"/>
+                  </a:rPr>
+                  <a:t>모집 </a:t>
+                </a:r>
+                <a:r>
+                  <a:rPr lang="en-US" altLang="ko-KR" sz="2800" spc="-150" dirty="0">
+                    <a:latin typeface="나눔바른고딕OTF" panose="02020603020101020101" pitchFamily="18" charset="-127"/>
+                    <a:ea typeface="나눔바른고딕OTF" panose="02020603020101020101" pitchFamily="18" charset="-127"/>
+                  </a:rPr>
+                  <a:t>@</a:t>
+                </a:r>
+                <a:endParaRPr lang="ko-KR" altLang="en-US" sz="2800" dirty="0">
+                  <a:latin typeface="나눔바른고딕OTF" panose="02020603020101020101" pitchFamily="18" charset="-127"/>
+                  <a:ea typeface="나눔바른고딕OTF" panose="02020603020101020101" pitchFamily="18" charset="-127"/>
+                </a:endParaRPr>
+              </a:p>
+            </p:txBody>
+          </p:sp>
+          <p:pic>
+            <p:nvPicPr>
+              <p:cNvPr id="6" name="그림 5"/>
+              <p:cNvPicPr>
+                <a:picLocks noChangeAspect="1"/>
+              </p:cNvPicPr>
+              <p:nvPr/>
+            </p:nvPicPr>
+            <p:blipFill>
+              <a:blip r:embed="rId3" cstate="print">
+                <a:extLst>
+                  <a:ext uri="{28A0092B-C50C-407E-A947-70E740481C1C}">
+                    <a14:useLocalDpi xmlns:a14="http://schemas.microsoft.com/office/drawing/2010/main" val="0"/>
+                  </a:ext>
+                </a:extLst>
+              </a:blip>
+              <a:stretch>
+                <a:fillRect/>
+              </a:stretch>
+            </p:blipFill>
+            <p:spPr>
+              <a:xfrm>
+                <a:off x="6842093" y="2389893"/>
+                <a:ext cx="1596121" cy="385729"/>
+              </a:xfrm>
+              <a:prstGeom prst="rect">
+                <a:avLst/>
+              </a:prstGeom>
+              <a:grpFill/>
+            </p:spPr>
+          </p:pic>
+        </p:grpSp>
+        <p:sp>
+          <p:nvSpPr>
+            <p:cNvPr id="10" name="TextBox 9"/>
+            <p:cNvSpPr txBox="1"/>
+            <p:nvPr/>
+          </p:nvSpPr>
+          <p:spPr>
+            <a:xfrm>
+              <a:off x="1901371" y="3621421"/>
+              <a:ext cx="7281333" cy="1015663"/>
+            </a:xfrm>
+            <a:prstGeom prst="rect">
+              <a:avLst/>
+            </a:prstGeom>
+            <a:grpFill/>
+          </p:spPr>
+          <p:txBody>
+            <a:bodyPr wrap="square" rtlCol="0" anchor="ctr">
+              <a:spAutoFit/>
+            </a:bodyPr>
+            <a:lstStyle/>
+            <a:p>
+              <a:r>
+                <a:rPr lang="en-US" altLang="ko-KR" sz="2000" dirty="0">
+                  <a:latin typeface="나눔바른고딕OTF" panose="02020603020101020101" pitchFamily="18" charset="-127"/>
+                  <a:ea typeface="나눔바른고딕OTF" panose="02020603020101020101" pitchFamily="18" charset="-127"/>
+                </a:rPr>
+                <a:t>ARCUS </a:t>
+              </a:r>
+              <a:r>
+                <a:rPr lang="ko-KR" altLang="en-US" sz="2000" dirty="0">
+                  <a:latin typeface="나눔바른고딕OTF" panose="02020603020101020101" pitchFamily="18" charset="-127"/>
+                  <a:ea typeface="나눔바른고딕OTF" panose="02020603020101020101" pitchFamily="18" charset="-127"/>
+                </a:rPr>
+                <a:t>사용 확대를 위한 </a:t>
+              </a:r>
+              <a:r>
+                <a:rPr lang="ko-KR" altLang="en-US" sz="2000" dirty="0" smtClean="0">
+                  <a:latin typeface="나눔바른고딕OTF" panose="02020603020101020101" pitchFamily="18" charset="-127"/>
+                  <a:ea typeface="나눔바른고딕OTF" panose="02020603020101020101" pitchFamily="18" charset="-127"/>
+                </a:rPr>
+                <a:t>응용 기술 개발</a:t>
+              </a:r>
+              <a:r>
+                <a:rPr lang="en-US" altLang="ko-KR" sz="2000" dirty="0" smtClean="0">
+                  <a:latin typeface="나눔바른고딕OTF" panose="02020603020101020101" pitchFamily="18" charset="-127"/>
+                  <a:ea typeface="나눔바른고딕OTF" panose="02020603020101020101" pitchFamily="18" charset="-127"/>
+                </a:rPr>
+                <a:t>, </a:t>
+              </a:r>
+              <a:r>
+                <a:rPr lang="ko-KR" altLang="en-US" sz="2000" dirty="0" smtClean="0">
+                  <a:latin typeface="나눔바른고딕OTF" panose="02020603020101020101" pitchFamily="18" charset="-127"/>
+                  <a:ea typeface="나눔바른고딕OTF" panose="02020603020101020101" pitchFamily="18" charset="-127"/>
+                </a:rPr>
+                <a:t>모니터링 </a:t>
+              </a:r>
+              <a:r>
+                <a:rPr lang="ko-KR" altLang="en-US" sz="2000" dirty="0" smtClean="0">
+                  <a:latin typeface="나눔바른고딕OTF" panose="02020603020101020101" pitchFamily="18" charset="-127"/>
+                  <a:ea typeface="나눔바른고딕OTF" panose="02020603020101020101" pitchFamily="18" charset="-127"/>
+                </a:rPr>
+                <a:t>및 </a:t>
+              </a:r>
+              <a:r>
+                <a:rPr lang="ko-KR" altLang="en-US" sz="2000" dirty="0" err="1" smtClean="0">
+                  <a:latin typeface="나눔바른고딕OTF" panose="02020603020101020101" pitchFamily="18" charset="-127"/>
+                  <a:ea typeface="나눔바른고딕OTF" panose="02020603020101020101" pitchFamily="18" charset="-127"/>
+                </a:rPr>
+                <a:t>어드민</a:t>
+              </a:r>
+              <a:r>
+                <a:rPr lang="ko-KR" altLang="en-US" sz="2000" dirty="0" smtClean="0">
+                  <a:latin typeface="나눔바른고딕OTF" panose="02020603020101020101" pitchFamily="18" charset="-127"/>
+                  <a:ea typeface="나눔바른고딕OTF" panose="02020603020101020101" pitchFamily="18" charset="-127"/>
+                </a:rPr>
+                <a:t> 도구 </a:t>
+              </a:r>
+              <a:r>
+                <a:rPr lang="ko-KR" altLang="en-US" sz="2000" dirty="0">
+                  <a:latin typeface="나눔바른고딕OTF" panose="02020603020101020101" pitchFamily="18" charset="-127"/>
+                  <a:ea typeface="나눔바른고딕OTF" panose="02020603020101020101" pitchFamily="18" charset="-127"/>
+                </a:rPr>
+                <a:t>개발</a:t>
+              </a:r>
+              <a:r>
+                <a:rPr lang="en-US" altLang="ko-KR" sz="2000" dirty="0">
+                  <a:latin typeface="나눔바른고딕OTF" panose="02020603020101020101" pitchFamily="18" charset="-127"/>
+                  <a:ea typeface="나눔바른고딕OTF" panose="02020603020101020101" pitchFamily="18" charset="-127"/>
+                </a:rPr>
+                <a:t>, </a:t>
+              </a:r>
+              <a:r>
+                <a:rPr lang="ko-KR" altLang="en-US" sz="2000" dirty="0">
+                  <a:latin typeface="나눔바른고딕OTF" panose="02020603020101020101" pitchFamily="18" charset="-127"/>
+                  <a:ea typeface="나눔바른고딕OTF" panose="02020603020101020101" pitchFamily="18" charset="-127"/>
+                </a:rPr>
+                <a:t>클라우드 환경에서의 </a:t>
+              </a:r>
+              <a:r>
+                <a:rPr lang="en-US" altLang="ko-KR" sz="2000" dirty="0">
+                  <a:latin typeface="나눔바른고딕OTF" panose="02020603020101020101" pitchFamily="18" charset="-127"/>
+                  <a:ea typeface="나눔바른고딕OTF" panose="02020603020101020101" pitchFamily="18" charset="-127"/>
+                </a:rPr>
+                <a:t>ARCUS </a:t>
+              </a:r>
+              <a:r>
+                <a:rPr lang="ko-KR" altLang="en-US" sz="2000" dirty="0">
+                  <a:latin typeface="나눔바른고딕OTF" panose="02020603020101020101" pitchFamily="18" charset="-127"/>
+                  <a:ea typeface="나눔바른고딕OTF" panose="02020603020101020101" pitchFamily="18" charset="-127"/>
+                </a:rPr>
+                <a:t>서비스 개발</a:t>
+              </a:r>
+              <a:r>
+                <a:rPr lang="en-US" altLang="ko-KR" sz="2000" dirty="0">
+                  <a:latin typeface="나눔바른고딕OTF" panose="02020603020101020101" pitchFamily="18" charset="-127"/>
+                  <a:ea typeface="나눔바른고딕OTF" panose="02020603020101020101" pitchFamily="18" charset="-127"/>
+                </a:rPr>
+                <a:t>, </a:t>
+              </a:r>
+              <a:r>
+                <a:rPr lang="ko-KR" altLang="en-US" sz="2000" dirty="0">
+                  <a:latin typeface="나눔바른고딕OTF" panose="02020603020101020101" pitchFamily="18" charset="-127"/>
+                  <a:ea typeface="나눔바른고딕OTF" panose="02020603020101020101" pitchFamily="18" charset="-127"/>
+                </a:rPr>
+                <a:t>그 외 다양한 응용 </a:t>
+              </a:r>
+              <a:r>
+                <a:rPr lang="ko-KR" altLang="en-US" sz="2000" dirty="0" smtClean="0">
+                  <a:latin typeface="나눔바른고딕OTF" panose="02020603020101020101" pitchFamily="18" charset="-127"/>
+                  <a:ea typeface="나눔바른고딕OTF" panose="02020603020101020101" pitchFamily="18" charset="-127"/>
+                </a:rPr>
+                <a:t>기술을 연구하고 만들어나갈 </a:t>
+              </a:r>
+              <a:r>
+                <a:rPr lang="en-US" altLang="ko-KR" sz="2000" dirty="0">
+                  <a:latin typeface="나눔바른고딕OTF" panose="02020603020101020101" pitchFamily="18" charset="-127"/>
+                  <a:ea typeface="나눔바른고딕OTF" panose="02020603020101020101" pitchFamily="18" charset="-127"/>
+                </a:rPr>
+                <a:t>ARCUS </a:t>
+              </a:r>
+              <a:r>
+                <a:rPr lang="ko-KR" altLang="en-US" sz="2000" dirty="0">
+                  <a:latin typeface="나눔바른고딕OTF" panose="02020603020101020101" pitchFamily="18" charset="-127"/>
+                  <a:ea typeface="나눔바른고딕OTF" panose="02020603020101020101" pitchFamily="18" charset="-127"/>
+                </a:rPr>
+                <a:t>응용개발자를 모집합니다</a:t>
+              </a:r>
+              <a:r>
+                <a:rPr lang="en-US" altLang="ko-KR" sz="2000" dirty="0">
+                  <a:latin typeface="나눔바른고딕OTF" panose="02020603020101020101" pitchFamily="18" charset="-127"/>
+                  <a:ea typeface="나눔바른고딕OTF" panose="02020603020101020101" pitchFamily="18" charset="-127"/>
+                </a:rPr>
+                <a:t>.</a:t>
+              </a:r>
+            </a:p>
+          </p:txBody>
+        </p:sp>
+        <p:sp>
+          <p:nvSpPr>
+            <p:cNvPr id="11" name="TextBox 10"/>
+            <p:cNvSpPr txBox="1"/>
+            <p:nvPr/>
+          </p:nvSpPr>
+          <p:spPr>
+            <a:xfrm>
+              <a:off x="3750067" y="2850181"/>
+              <a:ext cx="3306842" cy="461665"/>
+            </a:xfrm>
+            <a:prstGeom prst="rect">
+              <a:avLst/>
+            </a:prstGeom>
+            <a:grpFill/>
+          </p:spPr>
+          <p:txBody>
+            <a:bodyPr wrap="square" rtlCol="0" anchor="ctr">
+              <a:spAutoFit/>
+            </a:bodyPr>
+            <a:lstStyle/>
+            <a:p>
+              <a:pPr algn="ctr"/>
+              <a:r>
+                <a:rPr lang="en-US" altLang="ko-KR" sz="2400" spc="-150" dirty="0">
+                  <a:latin typeface="나눔바른고딕OTF" panose="02020603020101020101" pitchFamily="18" charset="-127"/>
+                  <a:ea typeface="나눔바른고딕OTF" panose="02020603020101020101" pitchFamily="18" charset="-127"/>
+                </a:rPr>
+                <a:t>(</a:t>
+              </a:r>
+              <a:r>
+                <a:rPr lang="en-US" altLang="ko-KR" sz="2400" spc="-150" dirty="0" smtClean="0">
+                  <a:latin typeface="나눔바른고딕OTF" panose="02020603020101020101" pitchFamily="18" charset="-127"/>
+                  <a:ea typeface="나눔바른고딕OTF" panose="02020603020101020101" pitchFamily="18" charset="-127"/>
+                </a:rPr>
+                <a:t>2020  </a:t>
+              </a:r>
+              <a:r>
+                <a:rPr lang="en-US" altLang="ko-KR" sz="2400" spc="-150" dirty="0" smtClean="0">
+                  <a:latin typeface="나눔바른고딕OTF" panose="02020603020101020101" pitchFamily="18" charset="-127"/>
+                  <a:ea typeface="나눔바른고딕OTF" panose="02020603020101020101" pitchFamily="18" charset="-127"/>
+                </a:rPr>
+                <a:t>6/1 </a:t>
+              </a:r>
+              <a:r>
+                <a:rPr lang="en-US" altLang="ko-KR" sz="2400" spc="-150" dirty="0">
+                  <a:latin typeface="나눔바른고딕OTF" panose="02020603020101020101" pitchFamily="18" charset="-127"/>
+                  <a:ea typeface="나눔바른고딕OTF" panose="02020603020101020101" pitchFamily="18" charset="-127"/>
+                </a:rPr>
+                <a:t>~ </a:t>
+              </a:r>
+              <a:r>
+                <a:rPr lang="en-US" altLang="ko-KR" sz="2400" spc="-150" dirty="0" smtClean="0">
+                  <a:latin typeface="나눔바른고딕OTF" panose="02020603020101020101" pitchFamily="18" charset="-127"/>
+                  <a:ea typeface="나눔바른고딕OTF" panose="02020603020101020101" pitchFamily="18" charset="-127"/>
+                </a:rPr>
+                <a:t>6/30</a:t>
+              </a:r>
+              <a:r>
+                <a:rPr lang="en-US" altLang="ko-KR" sz="2400" spc="-150" dirty="0">
+                  <a:latin typeface="나눔바른고딕OTF" panose="02020603020101020101" pitchFamily="18" charset="-127"/>
+                  <a:ea typeface="나눔바른고딕OTF" panose="02020603020101020101" pitchFamily="18" charset="-127"/>
+                </a:rPr>
+                <a:t>)</a:t>
+              </a:r>
+            </a:p>
+          </p:txBody>
+        </p:sp>
+      </p:grpSp>
+    </p:spTree>
+    <p:extLst>
+      <p:ext uri="{BB962C8B-B14F-4D97-AF65-F5344CB8AC3E}">
+        <p14:creationId xmlns:p14="http://schemas.microsoft.com/office/powerpoint/2010/main" val="1672123654"/>
       </p:ext>
     </p:extLst>
   </p:cSld>

--- a/images/jam2in-job-posting-images.pptx
+++ b/images/jam2in-job-posting-images.pptx
@@ -247,7 +247,7 @@
           <a:p>
             <a:fld id="{65A0F5E7-3DC3-4D9B-9751-1720D23AB909}" type="datetimeFigureOut">
               <a:rPr lang="ko-KR" altLang="en-US" smtClean="0"/>
-              <a:t>2020-05-25</a:t>
+              <a:t>2020-08-24</a:t>
             </a:fld>
             <a:endParaRPr lang="ko-KR" altLang="en-US"/>
           </a:p>
@@ -415,7 +415,7 @@
           <a:p>
             <a:fld id="{65A0F5E7-3DC3-4D9B-9751-1720D23AB909}" type="datetimeFigureOut">
               <a:rPr lang="ko-KR" altLang="en-US" smtClean="0"/>
-              <a:t>2020-05-25</a:t>
+              <a:t>2020-08-24</a:t>
             </a:fld>
             <a:endParaRPr lang="ko-KR" altLang="en-US"/>
           </a:p>
@@ -593,7 +593,7 @@
           <a:p>
             <a:fld id="{65A0F5E7-3DC3-4D9B-9751-1720D23AB909}" type="datetimeFigureOut">
               <a:rPr lang="ko-KR" altLang="en-US" smtClean="0"/>
-              <a:t>2020-05-25</a:t>
+              <a:t>2020-08-24</a:t>
             </a:fld>
             <a:endParaRPr lang="ko-KR" altLang="en-US"/>
           </a:p>
@@ -761,7 +761,7 @@
           <a:p>
             <a:fld id="{65A0F5E7-3DC3-4D9B-9751-1720D23AB909}" type="datetimeFigureOut">
               <a:rPr lang="ko-KR" altLang="en-US" smtClean="0"/>
-              <a:t>2020-05-25</a:t>
+              <a:t>2020-08-24</a:t>
             </a:fld>
             <a:endParaRPr lang="ko-KR" altLang="en-US"/>
           </a:p>
@@ -1006,7 +1006,7 @@
           <a:p>
             <a:fld id="{65A0F5E7-3DC3-4D9B-9751-1720D23AB909}" type="datetimeFigureOut">
               <a:rPr lang="ko-KR" altLang="en-US" smtClean="0"/>
-              <a:t>2020-05-25</a:t>
+              <a:t>2020-08-24</a:t>
             </a:fld>
             <a:endParaRPr lang="ko-KR" altLang="en-US"/>
           </a:p>
@@ -1235,7 +1235,7 @@
           <a:p>
             <a:fld id="{65A0F5E7-3DC3-4D9B-9751-1720D23AB909}" type="datetimeFigureOut">
               <a:rPr lang="ko-KR" altLang="en-US" smtClean="0"/>
-              <a:t>2020-05-25</a:t>
+              <a:t>2020-08-24</a:t>
             </a:fld>
             <a:endParaRPr lang="ko-KR" altLang="en-US"/>
           </a:p>
@@ -1599,7 +1599,7 @@
           <a:p>
             <a:fld id="{65A0F5E7-3DC3-4D9B-9751-1720D23AB909}" type="datetimeFigureOut">
               <a:rPr lang="ko-KR" altLang="en-US" smtClean="0"/>
-              <a:t>2020-05-25</a:t>
+              <a:t>2020-08-24</a:t>
             </a:fld>
             <a:endParaRPr lang="ko-KR" altLang="en-US"/>
           </a:p>
@@ -1716,7 +1716,7 @@
           <a:p>
             <a:fld id="{65A0F5E7-3DC3-4D9B-9751-1720D23AB909}" type="datetimeFigureOut">
               <a:rPr lang="ko-KR" altLang="en-US" smtClean="0"/>
-              <a:t>2020-05-25</a:t>
+              <a:t>2020-08-24</a:t>
             </a:fld>
             <a:endParaRPr lang="ko-KR" altLang="en-US"/>
           </a:p>
@@ -1811,7 +1811,7 @@
           <a:p>
             <a:fld id="{65A0F5E7-3DC3-4D9B-9751-1720D23AB909}" type="datetimeFigureOut">
               <a:rPr lang="ko-KR" altLang="en-US" smtClean="0"/>
-              <a:t>2020-05-25</a:t>
+              <a:t>2020-08-24</a:t>
             </a:fld>
             <a:endParaRPr lang="ko-KR" altLang="en-US"/>
           </a:p>
@@ -2086,7 +2086,7 @@
           <a:p>
             <a:fld id="{65A0F5E7-3DC3-4D9B-9751-1720D23AB909}" type="datetimeFigureOut">
               <a:rPr lang="ko-KR" altLang="en-US" smtClean="0"/>
-              <a:t>2020-05-25</a:t>
+              <a:t>2020-08-24</a:t>
             </a:fld>
             <a:endParaRPr lang="ko-KR" altLang="en-US"/>
           </a:p>
@@ -2338,7 +2338,7 @@
           <a:p>
             <a:fld id="{65A0F5E7-3DC3-4D9B-9751-1720D23AB909}" type="datetimeFigureOut">
               <a:rPr lang="ko-KR" altLang="en-US" smtClean="0"/>
-              <a:t>2020-05-25</a:t>
+              <a:t>2020-08-24</a:t>
             </a:fld>
             <a:endParaRPr lang="ko-KR" altLang="en-US"/>
           </a:p>
@@ -2549,7 +2549,7 @@
           <a:p>
             <a:fld id="{65A0F5E7-3DC3-4D9B-9751-1720D23AB909}" type="datetimeFigureOut">
               <a:rPr lang="ko-KR" altLang="en-US" smtClean="0"/>
-              <a:t>2020-05-25</a:t>
+              <a:t>2020-08-24</a:t>
             </a:fld>
             <a:endParaRPr lang="ko-KR" altLang="en-US"/>
           </a:p>
@@ -4399,7 +4399,7 @@
           <p:cNvPr id="8" name="그룹 7">
             <a:extLst>
               <a:ext uri="{FF2B5EF4-FFF2-40B4-BE49-F238E27FC236}">
-                <a16:creationId xmlns:a16="http://schemas.microsoft.com/office/drawing/2014/main" xmlns="" id="{500FD870-3F0E-4BDE-8DA8-4C9FCFE9586F}"/>
+                <a16:creationId xmlns:a16="http://schemas.microsoft.com/office/drawing/2014/main" id="{500FD870-3F0E-4BDE-8DA8-4C9FCFE9586F}"/>
               </a:ext>
             </a:extLst>
           </p:cNvPr>
@@ -5199,14 +5199,7 @@
                   <a:latin typeface="나눔바른고딕OTF" panose="02020603020101020101" pitchFamily="18" charset="-127"/>
                   <a:ea typeface="나눔바른고딕OTF" panose="02020603020101020101" pitchFamily="18" charset="-127"/>
                 </a:rPr>
-                <a:t>2020  </a:t>
-              </a:r>
-              <a:r>
-                <a:rPr lang="en-US" altLang="ko-KR" sz="2400" spc="-150" dirty="0" smtClean="0">
-                  <a:latin typeface="나눔바른고딕OTF" panose="02020603020101020101" pitchFamily="18" charset="-127"/>
-                  <a:ea typeface="나눔바른고딕OTF" panose="02020603020101020101" pitchFamily="18" charset="-127"/>
-                </a:rPr>
-                <a:t>5/25 </a:t>
+                <a:t>2020  5/25 </a:t>
               </a:r>
               <a:r>
                 <a:rPr lang="en-US" altLang="ko-KR" sz="2400" spc="-150" dirty="0">
@@ -5265,7 +5258,7 @@
           <p:cNvPr id="8" name="그룹 7">
             <a:extLst>
               <a:ext uri="{FF2B5EF4-FFF2-40B4-BE49-F238E27FC236}">
-                <a16:creationId xmlns:a16="http://schemas.microsoft.com/office/drawing/2014/main" xmlns="" id="{500FD870-3F0E-4BDE-8DA8-4C9FCFE9586F}"/>
+                <a16:creationId xmlns:a16="http://schemas.microsoft.com/office/drawing/2014/main" id="{500FD870-3F0E-4BDE-8DA8-4C9FCFE9586F}"/>
               </a:ext>
             </a:extLst>
           </p:cNvPr>
@@ -5525,14 +5518,7 @@
                   <a:latin typeface="나눔바른고딕OTF" panose="02020603020101020101" pitchFamily="18" charset="-127"/>
                   <a:ea typeface="나눔바른고딕OTF" panose="02020603020101020101" pitchFamily="18" charset="-127"/>
                 </a:rPr>
-                <a:t>모니터링 </a:t>
-              </a:r>
-              <a:r>
-                <a:rPr lang="ko-KR" altLang="en-US" sz="2000" dirty="0" smtClean="0">
-                  <a:latin typeface="나눔바른고딕OTF" panose="02020603020101020101" pitchFamily="18" charset="-127"/>
-                  <a:ea typeface="나눔바른고딕OTF" panose="02020603020101020101" pitchFamily="18" charset="-127"/>
-                </a:rPr>
-                <a:t>및 </a:t>
+                <a:t>모니터링 및 </a:t>
               </a:r>
               <a:r>
                 <a:rPr lang="ko-KR" altLang="en-US" sz="2000" dirty="0" err="1" smtClean="0">
@@ -5670,7 +5656,7 @@
                   <a:latin typeface="나눔바른고딕OTF" panose="02020603020101020101" pitchFamily="18" charset="-127"/>
                   <a:ea typeface="나눔바른고딕OTF" panose="02020603020101020101" pitchFamily="18" charset="-127"/>
                 </a:rPr>
-                <a:t>6/1 </a:t>
+                <a:t>8/24 </a:t>
               </a:r>
               <a:r>
                 <a:rPr lang="en-US" altLang="ko-KR" sz="2400" spc="-150" dirty="0">
@@ -5684,15 +5670,19 @@
                   <a:latin typeface="나눔바른고딕OTF" panose="02020603020101020101" pitchFamily="18" charset="-127"/>
                   <a:ea typeface="나눔바른고딕OTF" panose="02020603020101020101" pitchFamily="18" charset="-127"/>
                 </a:rPr>
-                <a:t>6/30</a:t>
-              </a:r>
-              <a:r>
-                <a:rPr lang="en-US" altLang="ko-KR" sz="2400" spc="-150" dirty="0">
-                  <a:latin typeface="나눔바른고딕OTF" panose="02020603020101020101" pitchFamily="18" charset="-127"/>
-                  <a:ea typeface="나눔바른고딕OTF" panose="02020603020101020101" pitchFamily="18" charset="-127"/>
-                </a:rPr>
-                <a:t>)</a:t>
-              </a:r>
+                <a:t>9</a:t>
+              </a:r>
+              <a:r>
+                <a:rPr lang="en-US" altLang="ko-KR" sz="2400" spc="-150" dirty="0" smtClean="0">
+                  <a:latin typeface="나눔바른고딕OTF" panose="02020603020101020101" pitchFamily="18" charset="-127"/>
+                  <a:ea typeface="나눔바른고딕OTF" panose="02020603020101020101" pitchFamily="18" charset="-127"/>
+                </a:rPr>
+                <a:t>/29)</a:t>
+              </a:r>
+              <a:endParaRPr lang="en-US" altLang="ko-KR" sz="2400" spc="-150" dirty="0">
+                <a:latin typeface="나눔바른고딕OTF" panose="02020603020101020101" pitchFamily="18" charset="-127"/>
+                <a:ea typeface="나눔바른고딕OTF" panose="02020603020101020101" pitchFamily="18" charset="-127"/>
+              </a:endParaRPr>
             </a:p>
           </p:txBody>
         </p:sp>

--- a/images/jam2in-job-posting-images.pptx
+++ b/images/jam2in-job-posting-images.pptx
@@ -247,7 +247,7 @@
           <a:p>
             <a:fld id="{65A0F5E7-3DC3-4D9B-9751-1720D23AB909}" type="datetimeFigureOut">
               <a:rPr lang="ko-KR" altLang="en-US" smtClean="0"/>
-              <a:t>2020-08-24</a:t>
+              <a:t>2020-10-05</a:t>
             </a:fld>
             <a:endParaRPr lang="ko-KR" altLang="en-US"/>
           </a:p>
@@ -415,7 +415,7 @@
           <a:p>
             <a:fld id="{65A0F5E7-3DC3-4D9B-9751-1720D23AB909}" type="datetimeFigureOut">
               <a:rPr lang="ko-KR" altLang="en-US" smtClean="0"/>
-              <a:t>2020-08-24</a:t>
+              <a:t>2020-10-05</a:t>
             </a:fld>
             <a:endParaRPr lang="ko-KR" altLang="en-US"/>
           </a:p>
@@ -593,7 +593,7 @@
           <a:p>
             <a:fld id="{65A0F5E7-3DC3-4D9B-9751-1720D23AB909}" type="datetimeFigureOut">
               <a:rPr lang="ko-KR" altLang="en-US" smtClean="0"/>
-              <a:t>2020-08-24</a:t>
+              <a:t>2020-10-05</a:t>
             </a:fld>
             <a:endParaRPr lang="ko-KR" altLang="en-US"/>
           </a:p>
@@ -761,7 +761,7 @@
           <a:p>
             <a:fld id="{65A0F5E7-3DC3-4D9B-9751-1720D23AB909}" type="datetimeFigureOut">
               <a:rPr lang="ko-KR" altLang="en-US" smtClean="0"/>
-              <a:t>2020-08-24</a:t>
+              <a:t>2020-10-05</a:t>
             </a:fld>
             <a:endParaRPr lang="ko-KR" altLang="en-US"/>
           </a:p>
@@ -1006,7 +1006,7 @@
           <a:p>
             <a:fld id="{65A0F5E7-3DC3-4D9B-9751-1720D23AB909}" type="datetimeFigureOut">
               <a:rPr lang="ko-KR" altLang="en-US" smtClean="0"/>
-              <a:t>2020-08-24</a:t>
+              <a:t>2020-10-05</a:t>
             </a:fld>
             <a:endParaRPr lang="ko-KR" altLang="en-US"/>
           </a:p>
@@ -1235,7 +1235,7 @@
           <a:p>
             <a:fld id="{65A0F5E7-3DC3-4D9B-9751-1720D23AB909}" type="datetimeFigureOut">
               <a:rPr lang="ko-KR" altLang="en-US" smtClean="0"/>
-              <a:t>2020-08-24</a:t>
+              <a:t>2020-10-05</a:t>
             </a:fld>
             <a:endParaRPr lang="ko-KR" altLang="en-US"/>
           </a:p>
@@ -1599,7 +1599,7 @@
           <a:p>
             <a:fld id="{65A0F5E7-3DC3-4D9B-9751-1720D23AB909}" type="datetimeFigureOut">
               <a:rPr lang="ko-KR" altLang="en-US" smtClean="0"/>
-              <a:t>2020-08-24</a:t>
+              <a:t>2020-10-05</a:t>
             </a:fld>
             <a:endParaRPr lang="ko-KR" altLang="en-US"/>
           </a:p>
@@ -1716,7 +1716,7 @@
           <a:p>
             <a:fld id="{65A0F5E7-3DC3-4D9B-9751-1720D23AB909}" type="datetimeFigureOut">
               <a:rPr lang="ko-KR" altLang="en-US" smtClean="0"/>
-              <a:t>2020-08-24</a:t>
+              <a:t>2020-10-05</a:t>
             </a:fld>
             <a:endParaRPr lang="ko-KR" altLang="en-US"/>
           </a:p>
@@ -1811,7 +1811,7 @@
           <a:p>
             <a:fld id="{65A0F5E7-3DC3-4D9B-9751-1720D23AB909}" type="datetimeFigureOut">
               <a:rPr lang="ko-KR" altLang="en-US" smtClean="0"/>
-              <a:t>2020-08-24</a:t>
+              <a:t>2020-10-05</a:t>
             </a:fld>
             <a:endParaRPr lang="ko-KR" altLang="en-US"/>
           </a:p>
@@ -2086,7 +2086,7 @@
           <a:p>
             <a:fld id="{65A0F5E7-3DC3-4D9B-9751-1720D23AB909}" type="datetimeFigureOut">
               <a:rPr lang="ko-KR" altLang="en-US" smtClean="0"/>
-              <a:t>2020-08-24</a:t>
+              <a:t>2020-10-05</a:t>
             </a:fld>
             <a:endParaRPr lang="ko-KR" altLang="en-US"/>
           </a:p>
@@ -2338,7 +2338,7 @@
           <a:p>
             <a:fld id="{65A0F5E7-3DC3-4D9B-9751-1720D23AB909}" type="datetimeFigureOut">
               <a:rPr lang="ko-KR" altLang="en-US" smtClean="0"/>
-              <a:t>2020-08-24</a:t>
+              <a:t>2020-10-05</a:t>
             </a:fld>
             <a:endParaRPr lang="ko-KR" altLang="en-US"/>
           </a:p>
@@ -2549,7 +2549,7 @@
           <a:p>
             <a:fld id="{65A0F5E7-3DC3-4D9B-9751-1720D23AB909}" type="datetimeFigureOut">
               <a:rPr lang="ko-KR" altLang="en-US" smtClean="0"/>
-              <a:t>2020-08-24</a:t>
+              <a:t>2020-10-05</a:t>
             </a:fld>
             <a:endParaRPr lang="ko-KR" altLang="en-US"/>
           </a:p>
@@ -4399,7 +4399,7 @@
           <p:cNvPr id="8" name="그룹 7">
             <a:extLst>
               <a:ext uri="{FF2B5EF4-FFF2-40B4-BE49-F238E27FC236}">
-                <a16:creationId xmlns:a16="http://schemas.microsoft.com/office/drawing/2014/main" id="{500FD870-3F0E-4BDE-8DA8-4C9FCFE9586F}"/>
+                <a16:creationId xmlns:a16="http://schemas.microsoft.com/office/drawing/2014/main" xmlns="" id="{500FD870-3F0E-4BDE-8DA8-4C9FCFE9586F}"/>
               </a:ext>
             </a:extLst>
           </p:cNvPr>
@@ -5258,7 +5258,7 @@
           <p:cNvPr id="8" name="그룹 7">
             <a:extLst>
               <a:ext uri="{FF2B5EF4-FFF2-40B4-BE49-F238E27FC236}">
-                <a16:creationId xmlns:a16="http://schemas.microsoft.com/office/drawing/2014/main" id="{500FD870-3F0E-4BDE-8DA8-4C9FCFE9586F}"/>
+                <a16:creationId xmlns:a16="http://schemas.microsoft.com/office/drawing/2014/main" xmlns="" id="{500FD870-3F0E-4BDE-8DA8-4C9FCFE9586F}"/>
               </a:ext>
             </a:extLst>
           </p:cNvPr>
@@ -5645,39 +5645,39 @@
                 <a:t>(</a:t>
               </a:r>
               <a:r>
-                <a:rPr lang="en-US" altLang="ko-KR" sz="2400" spc="-150" dirty="0" smtClean="0">
+                <a:rPr lang="en-US" altLang="ko-KR" sz="2400" spc="-150" smtClean="0">
                   <a:latin typeface="나눔바른고딕OTF" panose="02020603020101020101" pitchFamily="18" charset="-127"/>
                   <a:ea typeface="나눔바른고딕OTF" panose="02020603020101020101" pitchFamily="18" charset="-127"/>
                 </a:rPr>
                 <a:t>2020  </a:t>
               </a:r>
               <a:r>
-                <a:rPr lang="en-US" altLang="ko-KR" sz="2400" spc="-150" dirty="0" smtClean="0">
-                  <a:latin typeface="나눔바른고딕OTF" panose="02020603020101020101" pitchFamily="18" charset="-127"/>
-                  <a:ea typeface="나눔바른고딕OTF" panose="02020603020101020101" pitchFamily="18" charset="-127"/>
-                </a:rPr>
-                <a:t>8/24 </a:t>
-              </a:r>
-              <a:r>
-                <a:rPr lang="en-US" altLang="ko-KR" sz="2400" spc="-150" dirty="0">
+                <a:rPr lang="en-US" altLang="ko-KR" sz="2400" spc="-150" smtClean="0">
+                  <a:latin typeface="나눔바른고딕OTF" panose="02020603020101020101" pitchFamily="18" charset="-127"/>
+                  <a:ea typeface="나눔바른고딕OTF" panose="02020603020101020101" pitchFamily="18" charset="-127"/>
+                </a:rPr>
+                <a:t>10/5 </a:t>
+              </a:r>
+              <a:r>
+                <a:rPr lang="en-US" altLang="ko-KR" sz="2400" spc="-150">
                   <a:latin typeface="나눔바른고딕OTF" panose="02020603020101020101" pitchFamily="18" charset="-127"/>
                   <a:ea typeface="나눔바른고딕OTF" panose="02020603020101020101" pitchFamily="18" charset="-127"/>
                 </a:rPr>
                 <a:t>~ </a:t>
               </a:r>
               <a:r>
-                <a:rPr lang="en-US" altLang="ko-KR" sz="2400" spc="-150" dirty="0" smtClean="0">
-                  <a:latin typeface="나눔바른고딕OTF" panose="02020603020101020101" pitchFamily="18" charset="-127"/>
-                  <a:ea typeface="나눔바른고딕OTF" panose="02020603020101020101" pitchFamily="18" charset="-127"/>
-                </a:rPr>
-                <a:t>9</a:t>
-              </a:r>
-              <a:r>
-                <a:rPr lang="en-US" altLang="ko-KR" sz="2400" spc="-150" dirty="0" smtClean="0">
-                  <a:latin typeface="나눔바른고딕OTF" panose="02020603020101020101" pitchFamily="18" charset="-127"/>
-                  <a:ea typeface="나눔바른고딕OTF" panose="02020603020101020101" pitchFamily="18" charset="-127"/>
-                </a:rPr>
-                <a:t>/29)</a:t>
+                <a:rPr lang="en-US" altLang="ko-KR" sz="2400" spc="-150" smtClean="0">
+                  <a:latin typeface="나눔바른고딕OTF" panose="02020603020101020101" pitchFamily="18" charset="-127"/>
+                  <a:ea typeface="나눔바른고딕OTF" panose="02020603020101020101" pitchFamily="18" charset="-127"/>
+                </a:rPr>
+                <a:t>11</a:t>
+              </a:r>
+              <a:r>
+                <a:rPr lang="en-US" altLang="ko-KR" sz="2400" spc="-150" smtClean="0">
+                  <a:latin typeface="나눔바른고딕OTF" panose="02020603020101020101" pitchFamily="18" charset="-127"/>
+                  <a:ea typeface="나눔바른고딕OTF" panose="02020603020101020101" pitchFamily="18" charset="-127"/>
+                </a:rPr>
+                <a:t>/13)</a:t>
               </a:r>
               <a:endParaRPr lang="en-US" altLang="ko-KR" sz="2400" spc="-150" dirty="0">
                 <a:latin typeface="나눔바른고딕OTF" panose="02020603020101020101" pitchFamily="18" charset="-127"/>
